--- a/CVOE/3 Presentations/Brown Bag Fall 19.pptx
+++ b/CVOE/3 Presentations/Brown Bag Fall 19.pptx
@@ -5,41 +5,52 @@
     <p:sldMasterId id="2147483743" r:id="rId1"/>
   </p:sldMasterIdLst>
   <p:notesMasterIdLst>
-    <p:notesMasterId r:id="rId34"/>
+    <p:notesMasterId r:id="rId45"/>
   </p:notesMasterIdLst>
   <p:sldIdLst>
     <p:sldId id="256" r:id="rId2"/>
     <p:sldId id="312" r:id="rId3"/>
-    <p:sldId id="304" r:id="rId4"/>
-    <p:sldId id="326" r:id="rId5"/>
-    <p:sldId id="316" r:id="rId6"/>
-    <p:sldId id="315" r:id="rId7"/>
-    <p:sldId id="337" r:id="rId8"/>
-    <p:sldId id="313" r:id="rId9"/>
-    <p:sldId id="338" r:id="rId10"/>
-    <p:sldId id="322" r:id="rId11"/>
-    <p:sldId id="323" r:id="rId12"/>
-    <p:sldId id="332" r:id="rId13"/>
-    <p:sldId id="309" r:id="rId14"/>
-    <p:sldId id="314" r:id="rId15"/>
-    <p:sldId id="324" r:id="rId16"/>
-    <p:sldId id="325" r:id="rId17"/>
-    <p:sldId id="328" r:id="rId18"/>
-    <p:sldId id="320" r:id="rId19"/>
-    <p:sldId id="319" r:id="rId20"/>
-    <p:sldId id="330" r:id="rId21"/>
-    <p:sldId id="341" r:id="rId22"/>
-    <p:sldId id="329" r:id="rId23"/>
-    <p:sldId id="339" r:id="rId24"/>
-    <p:sldId id="340" r:id="rId25"/>
-    <p:sldId id="310" r:id="rId26"/>
-    <p:sldId id="334" r:id="rId27"/>
-    <p:sldId id="311" r:id="rId28"/>
-    <p:sldId id="335" r:id="rId29"/>
-    <p:sldId id="331" r:id="rId30"/>
-    <p:sldId id="290" r:id="rId31"/>
-    <p:sldId id="333" r:id="rId32"/>
-    <p:sldId id="327" r:id="rId33"/>
+    <p:sldId id="344" r:id="rId4"/>
+    <p:sldId id="304" r:id="rId5"/>
+    <p:sldId id="326" r:id="rId6"/>
+    <p:sldId id="345" r:id="rId7"/>
+    <p:sldId id="316" r:id="rId8"/>
+    <p:sldId id="315" r:id="rId9"/>
+    <p:sldId id="346" r:id="rId10"/>
+    <p:sldId id="337" r:id="rId11"/>
+    <p:sldId id="313" r:id="rId12"/>
+    <p:sldId id="338" r:id="rId13"/>
+    <p:sldId id="322" r:id="rId14"/>
+    <p:sldId id="323" r:id="rId15"/>
+    <p:sldId id="332" r:id="rId16"/>
+    <p:sldId id="309" r:id="rId17"/>
+    <p:sldId id="314" r:id="rId18"/>
+    <p:sldId id="324" r:id="rId19"/>
+    <p:sldId id="325" r:id="rId20"/>
+    <p:sldId id="328" r:id="rId21"/>
+    <p:sldId id="320" r:id="rId22"/>
+    <p:sldId id="319" r:id="rId23"/>
+    <p:sldId id="330" r:id="rId24"/>
+    <p:sldId id="341" r:id="rId25"/>
+    <p:sldId id="329" r:id="rId26"/>
+    <p:sldId id="339" r:id="rId27"/>
+    <p:sldId id="340" r:id="rId28"/>
+    <p:sldId id="349" r:id="rId29"/>
+    <p:sldId id="350" r:id="rId30"/>
+    <p:sldId id="310" r:id="rId31"/>
+    <p:sldId id="352" r:id="rId32"/>
+    <p:sldId id="334" r:id="rId33"/>
+    <p:sldId id="351" r:id="rId34"/>
+    <p:sldId id="311" r:id="rId35"/>
+    <p:sldId id="353" r:id="rId36"/>
+    <p:sldId id="342" r:id="rId37"/>
+    <p:sldId id="343" r:id="rId38"/>
+    <p:sldId id="347" r:id="rId39"/>
+    <p:sldId id="348" r:id="rId40"/>
+    <p:sldId id="290" r:id="rId41"/>
+    <p:sldId id="354" r:id="rId42"/>
+    <p:sldId id="333" r:id="rId43"/>
+    <p:sldId id="327" r:id="rId44"/>
   </p:sldIdLst>
   <p:sldSz cx="9144000" cy="6858000" type="screen4x3"/>
   <p:notesSz cx="6858000" cy="9144000"/>
@@ -1237,24 +1248,6 @@
             <a:effectLst/>
           </c:spPr>
           <c:invertIfNegative val="0"/>
-          <c:errBars>
-            <c:errBarType val="both"/>
-            <c:errValType val="stdErr"/>
-            <c:noEndCap val="0"/>
-            <c:spPr>
-              <a:noFill/>
-              <a:ln w="9525" cap="flat" cmpd="sng" algn="ctr">
-                <a:solidFill>
-                  <a:schemeClr val="tx1">
-                    <a:lumMod val="65000"/>
-                    <a:lumOff val="35000"/>
-                  </a:schemeClr>
-                </a:solidFill>
-                <a:round/>
-              </a:ln>
-              <a:effectLst/>
-            </c:spPr>
-          </c:errBars>
           <c:cat>
             <c:strRef>
               <c:f>Sheet1!$A$2:$A$6</c:f>
@@ -1284,6 +1277,21 @@
               <c:numCache>
                 <c:formatCode>General</c:formatCode>
                 <c:ptCount val="5"/>
+                <c:pt idx="0">
+                  <c:v>0.04</c:v>
+                </c:pt>
+                <c:pt idx="1">
+                  <c:v>0.04</c:v>
+                </c:pt>
+                <c:pt idx="2">
+                  <c:v>7.0000000000000007E-2</c:v>
+                </c:pt>
+                <c:pt idx="3">
+                  <c:v>0.04</c:v>
+                </c:pt>
+                <c:pt idx="4">
+                  <c:v>0.06</c:v>
+                </c:pt>
               </c:numCache>
             </c:numRef>
           </c:val>
@@ -1319,24 +1327,6 @@
             <a:effectLst/>
           </c:spPr>
           <c:invertIfNegative val="0"/>
-          <c:errBars>
-            <c:errBarType val="both"/>
-            <c:errValType val="stdErr"/>
-            <c:noEndCap val="0"/>
-            <c:spPr>
-              <a:noFill/>
-              <a:ln w="9525" cap="flat" cmpd="sng" algn="ctr">
-                <a:solidFill>
-                  <a:schemeClr val="tx1">
-                    <a:lumMod val="65000"/>
-                    <a:lumOff val="35000"/>
-                  </a:schemeClr>
-                </a:solidFill>
-                <a:round/>
-              </a:ln>
-              <a:effectLst/>
-            </c:spPr>
-          </c:errBars>
           <c:cat>
             <c:strRef>
               <c:f>Sheet1!$A$2:$A$6</c:f>
@@ -1366,6 +1356,21 @@
               <c:numCache>
                 <c:formatCode>General</c:formatCode>
                 <c:ptCount val="5"/>
+                <c:pt idx="0">
+                  <c:v>0.03</c:v>
+                </c:pt>
+                <c:pt idx="1">
+                  <c:v>0.04</c:v>
+                </c:pt>
+                <c:pt idx="2">
+                  <c:v>0.06</c:v>
+                </c:pt>
+                <c:pt idx="3">
+                  <c:v>0.02</c:v>
+                </c:pt>
+                <c:pt idx="4">
+                  <c:v>0.04</c:v>
+                </c:pt>
               </c:numCache>
             </c:numRef>
           </c:val>
@@ -1503,7 +1508,7 @@
         <c:axId val="219545792"/>
         <c:scaling>
           <c:orientation val="minMax"/>
-          <c:max val="0.25"/>
+          <c:max val="0.15000000000000002"/>
           <c:min val="0"/>
         </c:scaling>
         <c:delete val="0"/>
@@ -1745,53 +1750,44 @@
             <a:effectLst/>
           </c:spPr>
           <c:invertIfNegative val="0"/>
-          <c:errBars>
-            <c:errBarType val="both"/>
-            <c:errValType val="stdErr"/>
-            <c:noEndCap val="0"/>
-            <c:spPr>
-              <a:noFill/>
-              <a:ln w="9525" cap="flat" cmpd="sng" algn="ctr">
-                <a:solidFill>
-                  <a:schemeClr val="tx1">
-                    <a:lumMod val="65000"/>
-                    <a:lumOff val="35000"/>
-                  </a:schemeClr>
-                </a:solidFill>
-                <a:round/>
-              </a:ln>
-              <a:effectLst/>
-            </c:spPr>
-          </c:errBars>
           <c:cat>
             <c:strRef>
-              <c:f>Sheet1!$A$2:$A$6</c:f>
+              <c:f>Sheet1!$A$2:$A$5</c:f>
               <c:strCache>
-                <c:ptCount val="5"/>
+                <c:ptCount val="4"/>
                 <c:pt idx="0">
-                  <c:v>Pure</c:v>
+                  <c:v>Local Alt Runs</c:v>
                 </c:pt>
                 <c:pt idx="1">
-                  <c:v>NS Alt Run</c:v>
+                  <c:v>Local Random</c:v>
                 </c:pt>
                 <c:pt idx="2">
-                  <c:v>Switch Alt Run</c:v>
+                  <c:v>Global Alt Runs</c:v>
                 </c:pt>
                 <c:pt idx="3">
-                  <c:v>NS Random</c:v>
-                </c:pt>
-                <c:pt idx="4">
-                  <c:v>Switch Random</c:v>
+                  <c:v>Global Random</c:v>
                 </c:pt>
               </c:strCache>
             </c:strRef>
           </c:cat>
           <c:val>
             <c:numRef>
-              <c:f>Sheet1!$B$2:$B$6</c:f>
+              <c:f>Sheet1!$B$2:$B$5</c:f>
               <c:numCache>
                 <c:formatCode>General</c:formatCode>
-                <c:ptCount val="5"/>
+                <c:ptCount val="4"/>
+                <c:pt idx="0">
+                  <c:v>0.03</c:v>
+                </c:pt>
+                <c:pt idx="1">
+                  <c:v>0.02</c:v>
+                </c:pt>
+                <c:pt idx="2">
+                  <c:v>0.01</c:v>
+                </c:pt>
+                <c:pt idx="3">
+                  <c:v>0.01</c:v>
+                </c:pt>
               </c:numCache>
             </c:numRef>
           </c:val>
@@ -1827,53 +1823,44 @@
             <a:effectLst/>
           </c:spPr>
           <c:invertIfNegative val="0"/>
-          <c:errBars>
-            <c:errBarType val="both"/>
-            <c:errValType val="stdErr"/>
-            <c:noEndCap val="0"/>
-            <c:spPr>
-              <a:noFill/>
-              <a:ln w="9525" cap="flat" cmpd="sng" algn="ctr">
-                <a:solidFill>
-                  <a:schemeClr val="tx1">
-                    <a:lumMod val="65000"/>
-                    <a:lumOff val="35000"/>
-                  </a:schemeClr>
-                </a:solidFill>
-                <a:round/>
-              </a:ln>
-              <a:effectLst/>
-            </c:spPr>
-          </c:errBars>
           <c:cat>
             <c:strRef>
-              <c:f>Sheet1!$A$2:$A$6</c:f>
+              <c:f>Sheet1!$A$2:$A$5</c:f>
               <c:strCache>
-                <c:ptCount val="5"/>
+                <c:ptCount val="4"/>
                 <c:pt idx="0">
-                  <c:v>Pure</c:v>
+                  <c:v>Local Alt Runs</c:v>
                 </c:pt>
                 <c:pt idx="1">
-                  <c:v>NS Alt Run</c:v>
+                  <c:v>Local Random</c:v>
                 </c:pt>
                 <c:pt idx="2">
-                  <c:v>Switch Alt Run</c:v>
+                  <c:v>Global Alt Runs</c:v>
                 </c:pt>
                 <c:pt idx="3">
-                  <c:v>NS Random</c:v>
-                </c:pt>
-                <c:pt idx="4">
-                  <c:v>Switch Random</c:v>
+                  <c:v>Global Random</c:v>
                 </c:pt>
               </c:strCache>
             </c:strRef>
           </c:cat>
           <c:val>
             <c:numRef>
-              <c:f>Sheet1!$C$2:$C$6</c:f>
+              <c:f>Sheet1!$C$2:$C$5</c:f>
               <c:numCache>
                 <c:formatCode>General</c:formatCode>
-                <c:ptCount val="5"/>
+                <c:ptCount val="4"/>
+                <c:pt idx="0">
+                  <c:v>0.01</c:v>
+                </c:pt>
+                <c:pt idx="1">
+                  <c:v>0.02</c:v>
+                </c:pt>
+                <c:pt idx="2">
+                  <c:v>0.01</c:v>
+                </c:pt>
+                <c:pt idx="3">
+                  <c:v>0.01</c:v>
+                </c:pt>
               </c:numCache>
             </c:numRef>
           </c:val>
@@ -2011,7 +1998,7 @@
         <c:axId val="219545792"/>
         <c:scaling>
           <c:orientation val="minMax"/>
-          <c:max val="0.25"/>
+          <c:max val="0.15000000000000002"/>
           <c:min val="0"/>
         </c:scaling>
         <c:delete val="0"/>
@@ -2253,24 +2240,6 @@
             <a:effectLst/>
           </c:spPr>
           <c:invertIfNegative val="0"/>
-          <c:errBars>
-            <c:errBarType val="both"/>
-            <c:errValType val="stdErr"/>
-            <c:noEndCap val="0"/>
-            <c:spPr>
-              <a:noFill/>
-              <a:ln w="9525" cap="flat" cmpd="sng" algn="ctr">
-                <a:solidFill>
-                  <a:schemeClr val="tx1">
-                    <a:lumMod val="65000"/>
-                    <a:lumOff val="35000"/>
-                  </a:schemeClr>
-                </a:solidFill>
-                <a:round/>
-              </a:ln>
-              <a:effectLst/>
-            </c:spPr>
-          </c:errBars>
           <c:cat>
             <c:strRef>
               <c:f>Sheet1!$A$2:$A$6</c:f>
@@ -2300,6 +2269,21 @@
               <c:numCache>
                 <c:formatCode>General</c:formatCode>
                 <c:ptCount val="5"/>
+                <c:pt idx="0">
+                  <c:v>667.78</c:v>
+                </c:pt>
+                <c:pt idx="1">
+                  <c:v>1329.47</c:v>
+                </c:pt>
+                <c:pt idx="2">
+                  <c:v>1393.26</c:v>
+                </c:pt>
+                <c:pt idx="3">
+                  <c:v>1245.1199999999999</c:v>
+                </c:pt>
+                <c:pt idx="4">
+                  <c:v>1402.8</c:v>
+                </c:pt>
               </c:numCache>
             </c:numRef>
           </c:val>
@@ -2335,24 +2319,6 @@
             <a:effectLst/>
           </c:spPr>
           <c:invertIfNegative val="0"/>
-          <c:errBars>
-            <c:errBarType val="both"/>
-            <c:errValType val="stdErr"/>
-            <c:noEndCap val="0"/>
-            <c:spPr>
-              <a:noFill/>
-              <a:ln w="9525" cap="flat" cmpd="sng" algn="ctr">
-                <a:solidFill>
-                  <a:schemeClr val="tx1">
-                    <a:lumMod val="65000"/>
-                    <a:lumOff val="35000"/>
-                  </a:schemeClr>
-                </a:solidFill>
-                <a:round/>
-              </a:ln>
-              <a:effectLst/>
-            </c:spPr>
-          </c:errBars>
           <c:cat>
             <c:strRef>
               <c:f>Sheet1!$A$2:$A$6</c:f>
@@ -2382,6 +2348,21 @@
               <c:numCache>
                 <c:formatCode>General</c:formatCode>
                 <c:ptCount val="5"/>
+                <c:pt idx="0">
+                  <c:v>983.31</c:v>
+                </c:pt>
+                <c:pt idx="1">
+                  <c:v>2117.84</c:v>
+                </c:pt>
+                <c:pt idx="2">
+                  <c:v>2188.0500000000002</c:v>
+                </c:pt>
+                <c:pt idx="3">
+                  <c:v>1996.69</c:v>
+                </c:pt>
+                <c:pt idx="4">
+                  <c:v>2248.1</c:v>
+                </c:pt>
               </c:numCache>
             </c:numRef>
           </c:val>
@@ -2728,9 +2709,9 @@
           <c:xMode val="edge"/>
           <c:yMode val="edge"/>
           <c:x val="0.14056241028458838"/>
-          <c:y val="8.5372778740346808E-2"/>
+          <c:y val="6.4991406736497601E-2"/>
           <c:w val="0.69873371455492139"/>
-          <c:h val="0.71462514398037724"/>
+          <c:h val="0.76352511826159053"/>
         </c:manualLayout>
       </c:layout>
       <c:barChart>
@@ -2761,53 +2742,44 @@
             <a:effectLst/>
           </c:spPr>
           <c:invertIfNegative val="0"/>
-          <c:errBars>
-            <c:errBarType val="both"/>
-            <c:errValType val="stdErr"/>
-            <c:noEndCap val="0"/>
-            <c:spPr>
-              <a:noFill/>
-              <a:ln w="9525" cap="flat" cmpd="sng" algn="ctr">
-                <a:solidFill>
-                  <a:schemeClr val="tx1">
-                    <a:lumMod val="65000"/>
-                    <a:lumOff val="35000"/>
-                  </a:schemeClr>
-                </a:solidFill>
-                <a:round/>
-              </a:ln>
-              <a:effectLst/>
-            </c:spPr>
-          </c:errBars>
           <c:cat>
             <c:strRef>
-              <c:f>Sheet1!$A$2:$A$6</c:f>
+              <c:f>Sheet1!$A$2:$A$5</c:f>
               <c:strCache>
-                <c:ptCount val="5"/>
+                <c:ptCount val="4"/>
                 <c:pt idx="0">
-                  <c:v>Pure</c:v>
+                  <c:v>Local Alt Runs</c:v>
                 </c:pt>
                 <c:pt idx="1">
-                  <c:v>NS Alt Run</c:v>
+                  <c:v>Local Random</c:v>
                 </c:pt>
                 <c:pt idx="2">
-                  <c:v>Switch Alt Run</c:v>
+                  <c:v>Global Alt Runs</c:v>
                 </c:pt>
                 <c:pt idx="3">
-                  <c:v>NS Random</c:v>
-                </c:pt>
-                <c:pt idx="4">
-                  <c:v>Switch Random</c:v>
+                  <c:v>Global Random</c:v>
                 </c:pt>
               </c:strCache>
             </c:strRef>
           </c:cat>
           <c:val>
             <c:numRef>
-              <c:f>Sheet1!$B$2:$B$6</c:f>
+              <c:f>Sheet1!$B$2:$B$5</c:f>
               <c:numCache>
                 <c:formatCode>General</c:formatCode>
-                <c:ptCount val="5"/>
+                <c:ptCount val="4"/>
+                <c:pt idx="0">
+                  <c:v>63.79</c:v>
+                </c:pt>
+                <c:pt idx="1">
+                  <c:v>157.68</c:v>
+                </c:pt>
+                <c:pt idx="2">
+                  <c:v>662.1</c:v>
+                </c:pt>
+                <c:pt idx="3">
+                  <c:v>577.75</c:v>
+                </c:pt>
               </c:numCache>
             </c:numRef>
           </c:val>
@@ -2843,53 +2815,44 @@
             <a:effectLst/>
           </c:spPr>
           <c:invertIfNegative val="0"/>
-          <c:errBars>
-            <c:errBarType val="both"/>
-            <c:errValType val="stdErr"/>
-            <c:noEndCap val="0"/>
-            <c:spPr>
-              <a:noFill/>
-              <a:ln w="9525" cap="flat" cmpd="sng" algn="ctr">
-                <a:solidFill>
-                  <a:schemeClr val="tx1">
-                    <a:lumMod val="65000"/>
-                    <a:lumOff val="35000"/>
-                  </a:schemeClr>
-                </a:solidFill>
-                <a:round/>
-              </a:ln>
-              <a:effectLst/>
-            </c:spPr>
-          </c:errBars>
           <c:cat>
             <c:strRef>
-              <c:f>Sheet1!$A$2:$A$6</c:f>
+              <c:f>Sheet1!$A$2:$A$5</c:f>
               <c:strCache>
-                <c:ptCount val="5"/>
+                <c:ptCount val="4"/>
                 <c:pt idx="0">
-                  <c:v>Pure</c:v>
+                  <c:v>Local Alt Runs</c:v>
                 </c:pt>
                 <c:pt idx="1">
-                  <c:v>NS Alt Run</c:v>
+                  <c:v>Local Random</c:v>
                 </c:pt>
                 <c:pt idx="2">
-                  <c:v>Switch Alt Run</c:v>
+                  <c:v>Global Alt Runs</c:v>
                 </c:pt>
                 <c:pt idx="3">
-                  <c:v>NS Random</c:v>
-                </c:pt>
-                <c:pt idx="4">
-                  <c:v>Switch Random</c:v>
+                  <c:v>Global Random</c:v>
                 </c:pt>
               </c:strCache>
             </c:strRef>
           </c:cat>
           <c:val>
             <c:numRef>
-              <c:f>Sheet1!$C$2:$C$6</c:f>
+              <c:f>Sheet1!$C$2:$C$5</c:f>
               <c:numCache>
                 <c:formatCode>General</c:formatCode>
-                <c:ptCount val="5"/>
+                <c:ptCount val="4"/>
+                <c:pt idx="0">
+                  <c:v>70.209999999999994</c:v>
+                </c:pt>
+                <c:pt idx="1">
+                  <c:v>251.41</c:v>
+                </c:pt>
+                <c:pt idx="2">
+                  <c:v>1133.8800000000001</c:v>
+                </c:pt>
+                <c:pt idx="3">
+                  <c:v>1012.73</c:v>
+                </c:pt>
               </c:numCache>
             </c:numRef>
           </c:val>
@@ -2953,7 +2916,7 @@
               <c:xMode val="edge"/>
               <c:yMode val="edge"/>
               <c:x val="0.43016741287884597"/>
-              <c:y val="0.92980537763883775"/>
+              <c:y val="0.94050628859757213"/>
             </c:manualLayout>
           </c:layout>
           <c:overlay val="0"/>
@@ -3057,7 +3020,7 @@
                       <a:schemeClr val="accent1"/>
                     </a:solidFill>
                   </a:rPr>
-                  <a:t>Mean RT</a:t>
+                  <a:t>Mean Percent Error</a:t>
                 </a:r>
               </a:p>
             </c:rich>
@@ -3066,8 +3029,8 @@
             <c:manualLayout>
               <c:xMode val="edge"/>
               <c:yMode val="edge"/>
-              <c:x val="6.2020902701378127E-3"/>
-              <c:y val="0.35681803565645859"/>
+              <c:x val="2.0858534572145326E-2"/>
+              <c:y val="0.28057431788155884"/>
             </c:manualLayout>
           </c:layout>
           <c:overlay val="0"/>
@@ -12049,7 +12012,7 @@
           <a:p>
             <a:fld id="{DBED9C6E-8558-4E45-9FD2-E40A6C3A1B50}" type="datetimeFigureOut">
               <a:rPr lang="en-US" smtClean="0"/>
-              <a:t>11/16/2019</a:t>
+              <a:t>11/19/2019</a:t>
             </a:fld>
             <a:endParaRPr lang="en-US"/>
           </a:p>
@@ -12454,10 +12417,10 @@
           <a:bodyPr/>
           <a:lstStyle/>
           <a:p>
-            <a:r>
-              <a:rPr lang="en-US" dirty="0"/>
-              <a:t>Four versions counter balancing block order. Following the design of Huff et al. 2015, participants always completed the two pure blocks before completing the two switch blocks.</a:t>
-            </a:r>
+            <a:endParaRPr lang="en-US" dirty="0"/>
+          </a:p>
+          <a:p>
+            <a:endParaRPr lang="en-US" dirty="0"/>
           </a:p>
         </p:txBody>
       </p:sp>
@@ -12487,7 +12450,7 @@
     </p:spTree>
     <p:extLst>
       <p:ext uri="{BB962C8B-B14F-4D97-AF65-F5344CB8AC3E}">
-        <p14:creationId xmlns:p14="http://schemas.microsoft.com/office/powerpoint/2010/main" val="2988897820"/>
+        <p14:creationId xmlns:p14="http://schemas.microsoft.com/office/powerpoint/2010/main" val="1604379392"/>
       </p:ext>
     </p:extLst>
   </p:cSld>
@@ -12548,6 +12511,9 @@
           <a:p>
             <a:endParaRPr lang="en-US" dirty="0"/>
           </a:p>
+          <a:p>
+            <a:endParaRPr lang="en-US" dirty="0"/>
+          </a:p>
         </p:txBody>
       </p:sp>
       <p:sp>
@@ -12576,7 +12542,7 @@
     </p:spTree>
     <p:extLst>
       <p:ext uri="{BB962C8B-B14F-4D97-AF65-F5344CB8AC3E}">
-        <p14:creationId xmlns:p14="http://schemas.microsoft.com/office/powerpoint/2010/main" val="1190017367"/>
+        <p14:creationId xmlns:p14="http://schemas.microsoft.com/office/powerpoint/2010/main" val="44829260"/>
       </p:ext>
     </p:extLst>
   </p:cSld>
@@ -12637,16 +12603,7 @@
           <a:p>
             <a:r>
               <a:rPr lang="en-US" dirty="0"/>
-              <a:t>Percentage of incorrect trials.</a:t>
-            </a:r>
-          </a:p>
-          <a:p>
-            <a:endParaRPr lang="en-US" dirty="0"/>
-          </a:p>
-          <a:p>
-            <a:r>
-              <a:rPr lang="en-US" dirty="0"/>
-              <a:t>Not surprisingly, older adults commit more errors across all trial types</a:t>
+              <a:t>Four versions counter balancing block order. Following the design of Huff et al. 2015, participants always completed the two pure blocks before completing the two switch blocks. Each block began with a ten trial practice</a:t>
             </a:r>
           </a:p>
         </p:txBody>
@@ -12668,7 +12625,7 @@
           <a:p>
             <a:fld id="{138894ED-2154-4FF6-9548-4D9D74B3FA49}" type="slidenum">
               <a:rPr lang="en-US" smtClean="0"/>
-              <a:t>25</a:t>
+              <a:t>21</a:t>
             </a:fld>
             <a:endParaRPr lang="en-US"/>
           </a:p>
@@ -12677,7 +12634,7 @@
     </p:spTree>
     <p:extLst>
       <p:ext uri="{BB962C8B-B14F-4D97-AF65-F5344CB8AC3E}">
-        <p14:creationId xmlns:p14="http://schemas.microsoft.com/office/powerpoint/2010/main" val="4005795881"/>
+        <p14:creationId xmlns:p14="http://schemas.microsoft.com/office/powerpoint/2010/main" val="2988897820"/>
       </p:ext>
     </p:extLst>
   </p:cSld>
@@ -12736,19 +12693,7 @@
           <a:bodyPr/>
           <a:lstStyle/>
           <a:p>
-            <a:r>
-              <a:rPr lang="en-US" dirty="0"/>
-              <a:t>Percentage of incorrect trials.</a:t>
-            </a:r>
-          </a:p>
-          <a:p>
             <a:endParaRPr lang="en-US" dirty="0"/>
-          </a:p>
-          <a:p>
-            <a:r>
-              <a:rPr lang="en-US" dirty="0"/>
-              <a:t>Not surprisingly, older adults commit more errors across all trial types</a:t>
-            </a:r>
           </a:p>
         </p:txBody>
       </p:sp>
@@ -12769,7 +12714,7 @@
           <a:p>
             <a:fld id="{138894ED-2154-4FF6-9548-4D9D74B3FA49}" type="slidenum">
               <a:rPr lang="en-US" smtClean="0"/>
-              <a:t>26</a:t>
+              <a:t>22</a:t>
             </a:fld>
             <a:endParaRPr lang="en-US"/>
           </a:p>
@@ -12778,7 +12723,7 @@
     </p:spTree>
     <p:extLst>
       <p:ext uri="{BB962C8B-B14F-4D97-AF65-F5344CB8AC3E}">
-        <p14:creationId xmlns:p14="http://schemas.microsoft.com/office/powerpoint/2010/main" val="1164139630"/>
+        <p14:creationId xmlns:p14="http://schemas.microsoft.com/office/powerpoint/2010/main" val="1190017367"/>
       </p:ext>
     </p:extLst>
   </p:cSld>
@@ -12839,16 +12784,7 @@
           <a:p>
             <a:r>
               <a:rPr lang="en-US" dirty="0"/>
-              <a:t>Older adults also take more time to respond across trial types relative to younger adults.</a:t>
-            </a:r>
-          </a:p>
-          <a:p>
-            <a:endParaRPr lang="en-US" dirty="0"/>
-          </a:p>
-          <a:p>
-            <a:r>
-              <a:rPr lang="en-US" dirty="0"/>
-              <a:t>Interestingly, older adults responded more quickly on alternating run trials</a:t>
+              <a:t>Difference in error rates across age is not significant, Errors for switch trials were significantly higher than non-switch trials. This pattern was observed for both alternating runs switch blocks and random presentation switch blocks</a:t>
             </a:r>
           </a:p>
         </p:txBody>
@@ -12870,7 +12806,7 @@
           <a:p>
             <a:fld id="{138894ED-2154-4FF6-9548-4D9D74B3FA49}" type="slidenum">
               <a:rPr lang="en-US" smtClean="0"/>
-              <a:t>27</a:t>
+              <a:t>30</a:t>
             </a:fld>
             <a:endParaRPr lang="en-US"/>
           </a:p>
@@ -12879,7 +12815,7 @@
     </p:spTree>
     <p:extLst>
       <p:ext uri="{BB962C8B-B14F-4D97-AF65-F5344CB8AC3E}">
-        <p14:creationId xmlns:p14="http://schemas.microsoft.com/office/powerpoint/2010/main" val="2282370212"/>
+        <p14:creationId xmlns:p14="http://schemas.microsoft.com/office/powerpoint/2010/main" val="4005795881"/>
       </p:ext>
     </p:extLst>
   </p:cSld>
@@ -12940,16 +12876,7 @@
           <a:p>
             <a:r>
               <a:rPr lang="en-US" dirty="0"/>
-              <a:t>Older adults also take more time to respond across trial types relative to younger adults.</a:t>
-            </a:r>
-          </a:p>
-          <a:p>
-            <a:endParaRPr lang="en-US" dirty="0"/>
-          </a:p>
-          <a:p>
-            <a:r>
-              <a:rPr lang="en-US" dirty="0"/>
-              <a:t>Interestingly, older adults responded more quickly on alternating run trials</a:t>
+              <a:t>Older adults showed a decreased local cost for errors, but only for stimuli presented using alternating runs</a:t>
             </a:r>
           </a:p>
         </p:txBody>
@@ -12971,7 +12898,7 @@
           <a:p>
             <a:fld id="{138894ED-2154-4FF6-9548-4D9D74B3FA49}" type="slidenum">
               <a:rPr lang="en-US" smtClean="0"/>
-              <a:t>28</a:t>
+              <a:t>32</a:t>
             </a:fld>
             <a:endParaRPr lang="en-US"/>
           </a:p>
@@ -12980,7 +12907,7 @@
     </p:spTree>
     <p:extLst>
       <p:ext uri="{BB962C8B-B14F-4D97-AF65-F5344CB8AC3E}">
-        <p14:creationId xmlns:p14="http://schemas.microsoft.com/office/powerpoint/2010/main" val="3569265855"/>
+        <p14:creationId xmlns:p14="http://schemas.microsoft.com/office/powerpoint/2010/main" val="1164139630"/>
       </p:ext>
     </p:extLst>
   </p:cSld>
@@ -13039,7 +12966,10 @@
           <a:bodyPr/>
           <a:lstStyle/>
           <a:p>
-            <a:endParaRPr lang="en-US" dirty="0"/>
+            <a:r>
+              <a:rPr lang="en-US" dirty="0"/>
+              <a:t>Older adults had slower reaction times across all trial types, Trials in switch blocks had higher RTs relative to trials in the pure block, and this increase in RTs was greatest for older adults</a:t>
+            </a:r>
           </a:p>
         </p:txBody>
       </p:sp>
@@ -13060,7 +12990,188 @@
           <a:p>
             <a:fld id="{138894ED-2154-4FF6-9548-4D9D74B3FA49}" type="slidenum">
               <a:rPr lang="en-US" smtClean="0"/>
-              <a:t>30</a:t>
+              <a:t>34</a:t>
+            </a:fld>
+            <a:endParaRPr lang="en-US"/>
+          </a:p>
+        </p:txBody>
+      </p:sp>
+    </p:spTree>
+    <p:extLst>
+      <p:ext uri="{BB962C8B-B14F-4D97-AF65-F5344CB8AC3E}">
+        <p14:creationId xmlns:p14="http://schemas.microsoft.com/office/powerpoint/2010/main" val="2282370212"/>
+      </p:ext>
+    </p:extLst>
+  </p:cSld>
+  <p:clrMapOvr>
+    <a:masterClrMapping/>
+  </p:clrMapOvr>
+</p:notes>
+</file>
+
+<file path=ppt/notesSlides/notesSlide17.xml><?xml version="1.0" encoding="utf-8"?>
+<p:notes xmlns:a="http://schemas.openxmlformats.org/drawingml/2006/main" xmlns:r="http://schemas.openxmlformats.org/officeDocument/2006/relationships" xmlns:p="http://schemas.openxmlformats.org/presentationml/2006/main">
+  <p:cSld>
+    <p:spTree>
+      <p:nvGrpSpPr>
+        <p:cNvPr id="1" name=""/>
+        <p:cNvGrpSpPr/>
+        <p:nvPr/>
+      </p:nvGrpSpPr>
+      <p:grpSpPr>
+        <a:xfrm>
+          <a:off x="0" y="0"/>
+          <a:ext cx="0" cy="0"/>
+          <a:chOff x="0" y="0"/>
+          <a:chExt cx="0" cy="0"/>
+        </a:xfrm>
+      </p:grpSpPr>
+      <p:sp>
+        <p:nvSpPr>
+          <p:cNvPr id="2" name="Slide Image Placeholder 1"/>
+          <p:cNvSpPr>
+            <a:spLocks noGrp="1" noRot="1" noChangeAspect="1"/>
+          </p:cNvSpPr>
+          <p:nvPr>
+            <p:ph type="sldImg"/>
+          </p:nvPr>
+        </p:nvSpPr>
+        <p:spPr>
+          <a:xfrm>
+            <a:off x="1371600" y="1143000"/>
+            <a:ext cx="4114800" cy="3086100"/>
+          </a:xfrm>
+        </p:spPr>
+      </p:sp>
+      <p:sp>
+        <p:nvSpPr>
+          <p:cNvPr id="3" name="Notes Placeholder 2"/>
+          <p:cNvSpPr>
+            <a:spLocks noGrp="1"/>
+          </p:cNvSpPr>
+          <p:nvPr>
+            <p:ph type="body" idx="1"/>
+          </p:nvPr>
+        </p:nvSpPr>
+        <p:spPr/>
+        <p:txBody>
+          <a:bodyPr/>
+          <a:lstStyle/>
+          <a:p>
+            <a:r>
+              <a:rPr lang="en-US" dirty="0"/>
+              <a:t>Older adults only showed significantly higher global costs</a:t>
+            </a:r>
+          </a:p>
+        </p:txBody>
+      </p:sp>
+      <p:sp>
+        <p:nvSpPr>
+          <p:cNvPr id="4" name="Slide Number Placeholder 3"/>
+          <p:cNvSpPr>
+            <a:spLocks noGrp="1"/>
+          </p:cNvSpPr>
+          <p:nvPr>
+            <p:ph type="sldNum" sz="quarter" idx="5"/>
+          </p:nvPr>
+        </p:nvSpPr>
+        <p:spPr/>
+        <p:txBody>
+          <a:bodyPr/>
+          <a:lstStyle/>
+          <a:p>
+            <a:fld id="{138894ED-2154-4FF6-9548-4D9D74B3FA49}" type="slidenum">
+              <a:rPr lang="en-US" smtClean="0"/>
+              <a:t>36</a:t>
+            </a:fld>
+            <a:endParaRPr lang="en-US"/>
+          </a:p>
+        </p:txBody>
+      </p:sp>
+    </p:spTree>
+    <p:extLst>
+      <p:ext uri="{BB962C8B-B14F-4D97-AF65-F5344CB8AC3E}">
+        <p14:creationId xmlns:p14="http://schemas.microsoft.com/office/powerpoint/2010/main" val="1164704419"/>
+      </p:ext>
+    </p:extLst>
+  </p:cSld>
+  <p:clrMapOvr>
+    <a:masterClrMapping/>
+  </p:clrMapOvr>
+</p:notes>
+</file>
+
+<file path=ppt/notesSlides/notesSlide18.xml><?xml version="1.0" encoding="utf-8"?>
+<p:notes xmlns:a="http://schemas.openxmlformats.org/drawingml/2006/main" xmlns:r="http://schemas.openxmlformats.org/officeDocument/2006/relationships" xmlns:p="http://schemas.openxmlformats.org/presentationml/2006/main">
+  <p:cSld>
+    <p:spTree>
+      <p:nvGrpSpPr>
+        <p:cNvPr id="1" name=""/>
+        <p:cNvGrpSpPr/>
+        <p:nvPr/>
+      </p:nvGrpSpPr>
+      <p:grpSpPr>
+        <a:xfrm>
+          <a:off x="0" y="0"/>
+          <a:ext cx="0" cy="0"/>
+          <a:chOff x="0" y="0"/>
+          <a:chExt cx="0" cy="0"/>
+        </a:xfrm>
+      </p:grpSpPr>
+      <p:sp>
+        <p:nvSpPr>
+          <p:cNvPr id="2" name="Slide Image Placeholder 1"/>
+          <p:cNvSpPr>
+            <a:spLocks noGrp="1" noRot="1" noChangeAspect="1"/>
+          </p:cNvSpPr>
+          <p:nvPr>
+            <p:ph type="sldImg"/>
+          </p:nvPr>
+        </p:nvSpPr>
+        <p:spPr>
+          <a:xfrm>
+            <a:off x="1371600" y="1143000"/>
+            <a:ext cx="4114800" cy="3086100"/>
+          </a:xfrm>
+        </p:spPr>
+      </p:sp>
+      <p:sp>
+        <p:nvSpPr>
+          <p:cNvPr id="3" name="Notes Placeholder 2"/>
+          <p:cNvSpPr>
+            <a:spLocks noGrp="1"/>
+          </p:cNvSpPr>
+          <p:nvPr>
+            <p:ph type="body" idx="1"/>
+          </p:nvPr>
+        </p:nvSpPr>
+        <p:spPr/>
+        <p:txBody>
+          <a:bodyPr/>
+          <a:lstStyle/>
+          <a:p>
+            <a:endParaRPr lang="en-US" dirty="0"/>
+          </a:p>
+        </p:txBody>
+      </p:sp>
+      <p:sp>
+        <p:nvSpPr>
+          <p:cNvPr id="4" name="Slide Number Placeholder 3"/>
+          <p:cNvSpPr>
+            <a:spLocks noGrp="1"/>
+          </p:cNvSpPr>
+          <p:nvPr>
+            <p:ph type="sldNum" sz="quarter" idx="5"/>
+          </p:nvPr>
+        </p:nvSpPr>
+        <p:spPr/>
+        <p:txBody>
+          <a:bodyPr/>
+          <a:lstStyle/>
+          <a:p>
+            <a:fld id="{138894ED-2154-4FF6-9548-4D9D74B3FA49}" type="slidenum">
+              <a:rPr lang="en-US" smtClean="0"/>
+              <a:t>40</a:t>
             </a:fld>
             <a:endParaRPr lang="en-US"/>
           </a:p>
@@ -13070,6 +13181,95 @@
     <p:extLst>
       <p:ext uri="{BB962C8B-B14F-4D97-AF65-F5344CB8AC3E}">
         <p14:creationId xmlns:p14="http://schemas.microsoft.com/office/powerpoint/2010/main" val="3602998199"/>
+      </p:ext>
+    </p:extLst>
+  </p:cSld>
+  <p:clrMapOvr>
+    <a:masterClrMapping/>
+  </p:clrMapOvr>
+</p:notes>
+</file>
+
+<file path=ppt/notesSlides/notesSlide19.xml><?xml version="1.0" encoding="utf-8"?>
+<p:notes xmlns:a="http://schemas.openxmlformats.org/drawingml/2006/main" xmlns:r="http://schemas.openxmlformats.org/officeDocument/2006/relationships" xmlns:p="http://schemas.openxmlformats.org/presentationml/2006/main">
+  <p:cSld>
+    <p:spTree>
+      <p:nvGrpSpPr>
+        <p:cNvPr id="1" name=""/>
+        <p:cNvGrpSpPr/>
+        <p:nvPr/>
+      </p:nvGrpSpPr>
+      <p:grpSpPr>
+        <a:xfrm>
+          <a:off x="0" y="0"/>
+          <a:ext cx="0" cy="0"/>
+          <a:chOff x="0" y="0"/>
+          <a:chExt cx="0" cy="0"/>
+        </a:xfrm>
+      </p:grpSpPr>
+      <p:sp>
+        <p:nvSpPr>
+          <p:cNvPr id="2" name="Slide Image Placeholder 1"/>
+          <p:cNvSpPr>
+            <a:spLocks noGrp="1" noRot="1" noChangeAspect="1"/>
+          </p:cNvSpPr>
+          <p:nvPr>
+            <p:ph type="sldImg"/>
+          </p:nvPr>
+        </p:nvSpPr>
+        <p:spPr>
+          <a:xfrm>
+            <a:off x="1371600" y="1143000"/>
+            <a:ext cx="4114800" cy="3086100"/>
+          </a:xfrm>
+        </p:spPr>
+      </p:sp>
+      <p:sp>
+        <p:nvSpPr>
+          <p:cNvPr id="3" name="Notes Placeholder 2"/>
+          <p:cNvSpPr>
+            <a:spLocks noGrp="1"/>
+          </p:cNvSpPr>
+          <p:nvPr>
+            <p:ph type="body" idx="1"/>
+          </p:nvPr>
+        </p:nvSpPr>
+        <p:spPr/>
+        <p:txBody>
+          <a:bodyPr/>
+          <a:lstStyle/>
+          <a:p>
+            <a:endParaRPr lang="en-US" dirty="0"/>
+          </a:p>
+        </p:txBody>
+      </p:sp>
+      <p:sp>
+        <p:nvSpPr>
+          <p:cNvPr id="4" name="Slide Number Placeholder 3"/>
+          <p:cNvSpPr>
+            <a:spLocks noGrp="1"/>
+          </p:cNvSpPr>
+          <p:nvPr>
+            <p:ph type="sldNum" sz="quarter" idx="5"/>
+          </p:nvPr>
+        </p:nvSpPr>
+        <p:spPr/>
+        <p:txBody>
+          <a:bodyPr/>
+          <a:lstStyle/>
+          <a:p>
+            <a:fld id="{138894ED-2154-4FF6-9548-4D9D74B3FA49}" type="slidenum">
+              <a:rPr lang="en-US" smtClean="0"/>
+              <a:t>41</a:t>
+            </a:fld>
+            <a:endParaRPr lang="en-US"/>
+          </a:p>
+        </p:txBody>
+      </p:sp>
+    </p:spTree>
+    <p:extLst>
+      <p:ext uri="{BB962C8B-B14F-4D97-AF65-F5344CB8AC3E}">
+        <p14:creationId xmlns:p14="http://schemas.microsoft.com/office/powerpoint/2010/main" val="2425328747"/>
       </p:ext>
     </p:extLst>
   </p:cSld>
@@ -13253,7 +13453,7 @@
     </p:spTree>
     <p:extLst>
       <p:ext uri="{BB962C8B-B14F-4D97-AF65-F5344CB8AC3E}">
-        <p14:creationId xmlns:p14="http://schemas.microsoft.com/office/powerpoint/2010/main" val="4009801181"/>
+        <p14:creationId xmlns:p14="http://schemas.microsoft.com/office/powerpoint/2010/main" val="1601566355"/>
       </p:ext>
     </p:extLst>
   </p:cSld>
@@ -13314,6 +13514,9 @@
           <a:p>
             <a:endParaRPr lang="en-US" dirty="0"/>
           </a:p>
+          <a:p>
+            <a:endParaRPr lang="en-US" dirty="0"/>
+          </a:p>
         </p:txBody>
       </p:sp>
       <p:sp>
@@ -13333,7 +13536,7 @@
           <a:p>
             <a:fld id="{138894ED-2154-4FF6-9548-4D9D74B3FA49}" type="slidenum">
               <a:rPr lang="en-US" smtClean="0"/>
-              <a:t>5</a:t>
+              <a:t>4</a:t>
             </a:fld>
             <a:endParaRPr lang="en-US"/>
           </a:p>
@@ -13342,7 +13545,7 @@
     </p:spTree>
     <p:extLst>
       <p:ext uri="{BB962C8B-B14F-4D97-AF65-F5344CB8AC3E}">
-        <p14:creationId xmlns:p14="http://schemas.microsoft.com/office/powerpoint/2010/main" val="3082190036"/>
+        <p14:creationId xmlns:p14="http://schemas.microsoft.com/office/powerpoint/2010/main" val="4009801181"/>
       </p:ext>
     </p:extLst>
   </p:cSld>
@@ -13422,7 +13625,7 @@
           <a:p>
             <a:fld id="{138894ED-2154-4FF6-9548-4D9D74B3FA49}" type="slidenum">
               <a:rPr lang="en-US" smtClean="0"/>
-              <a:t>8</a:t>
+              <a:t>6</a:t>
             </a:fld>
             <a:endParaRPr lang="en-US"/>
           </a:p>
@@ -13431,7 +13634,7 @@
     </p:spTree>
     <p:extLst>
       <p:ext uri="{BB962C8B-B14F-4D97-AF65-F5344CB8AC3E}">
-        <p14:creationId xmlns:p14="http://schemas.microsoft.com/office/powerpoint/2010/main" val="4187723874"/>
+        <p14:creationId xmlns:p14="http://schemas.microsoft.com/office/powerpoint/2010/main" val="549101551"/>
       </p:ext>
     </p:extLst>
   </p:cSld>
@@ -13492,9 +13695,6 @@
           <a:p>
             <a:endParaRPr lang="en-US" dirty="0"/>
           </a:p>
-          <a:p>
-            <a:endParaRPr lang="en-US" dirty="0"/>
-          </a:p>
         </p:txBody>
       </p:sp>
       <p:sp>
@@ -13514,7 +13714,7 @@
           <a:p>
             <a:fld id="{138894ED-2154-4FF6-9548-4D9D74B3FA49}" type="slidenum">
               <a:rPr lang="en-US" smtClean="0"/>
-              <a:t>13</a:t>
+              <a:t>7</a:t>
             </a:fld>
             <a:endParaRPr lang="en-US"/>
           </a:p>
@@ -13523,7 +13723,7 @@
     </p:spTree>
     <p:extLst>
       <p:ext uri="{BB962C8B-B14F-4D97-AF65-F5344CB8AC3E}">
-        <p14:creationId xmlns:p14="http://schemas.microsoft.com/office/powerpoint/2010/main" val="220045017"/>
+        <p14:creationId xmlns:p14="http://schemas.microsoft.com/office/powerpoint/2010/main" val="3082190036"/>
       </p:ext>
     </p:extLst>
   </p:cSld>
@@ -13584,9 +13784,6 @@
           <a:p>
             <a:endParaRPr lang="en-US" dirty="0"/>
           </a:p>
-          <a:p>
-            <a:endParaRPr lang="en-US" dirty="0"/>
-          </a:p>
         </p:txBody>
       </p:sp>
       <p:sp>
@@ -13606,7 +13803,7 @@
           <a:p>
             <a:fld id="{138894ED-2154-4FF6-9548-4D9D74B3FA49}" type="slidenum">
               <a:rPr lang="en-US" smtClean="0"/>
-              <a:t>14</a:t>
+              <a:t>11</a:t>
             </a:fld>
             <a:endParaRPr lang="en-US"/>
           </a:p>
@@ -13615,7 +13812,7 @@
     </p:spTree>
     <p:extLst>
       <p:ext uri="{BB962C8B-B14F-4D97-AF65-F5344CB8AC3E}">
-        <p14:creationId xmlns:p14="http://schemas.microsoft.com/office/powerpoint/2010/main" val="989258885"/>
+        <p14:creationId xmlns:p14="http://schemas.microsoft.com/office/powerpoint/2010/main" val="4187723874"/>
       </p:ext>
     </p:extLst>
   </p:cSld>
@@ -13698,7 +13895,7 @@
           <a:p>
             <a:fld id="{138894ED-2154-4FF6-9548-4D9D74B3FA49}" type="slidenum">
               <a:rPr lang="en-US" smtClean="0"/>
-              <a:t>15</a:t>
+              <a:t>16</a:t>
             </a:fld>
             <a:endParaRPr lang="en-US"/>
           </a:p>
@@ -13707,7 +13904,7 @@
     </p:spTree>
     <p:extLst>
       <p:ext uri="{BB962C8B-B14F-4D97-AF65-F5344CB8AC3E}">
-        <p14:creationId xmlns:p14="http://schemas.microsoft.com/office/powerpoint/2010/main" val="1604379392"/>
+        <p14:creationId xmlns:p14="http://schemas.microsoft.com/office/powerpoint/2010/main" val="220045017"/>
       </p:ext>
     </p:extLst>
   </p:cSld>
@@ -13790,7 +13987,7 @@
           <a:p>
             <a:fld id="{138894ED-2154-4FF6-9548-4D9D74B3FA49}" type="slidenum">
               <a:rPr lang="en-US" smtClean="0"/>
-              <a:t>16</a:t>
+              <a:t>17</a:t>
             </a:fld>
             <a:endParaRPr lang="en-US"/>
           </a:p>
@@ -13799,7 +13996,7 @@
     </p:spTree>
     <p:extLst>
       <p:ext uri="{BB962C8B-B14F-4D97-AF65-F5344CB8AC3E}">
-        <p14:creationId xmlns:p14="http://schemas.microsoft.com/office/powerpoint/2010/main" val="44829260"/>
+        <p14:creationId xmlns:p14="http://schemas.microsoft.com/office/powerpoint/2010/main" val="989258885"/>
       </p:ext>
     </p:extLst>
   </p:cSld>
@@ -14258,7 +14455,7 @@
             </a:ln>
             <a:extLst>
               <a:ext uri="{91240B29-F687-4f45-9708-019B960494DF}">
-                <a14:hiddenLine xmlns="" xmlns:a14="http://schemas.microsoft.com/office/drawing/2010/main" w="9525">
+                <a14:hiddenLine xmlns:a14="http://schemas.microsoft.com/office/drawing/2010/main" xmlns="" w="9525">
                   <a:solidFill>
                     <a:srgbClr val="000000"/>
                   </a:solidFill>
@@ -14451,7 +14648,7 @@
             <a:fld id="{E9462EF3-3C4F-43EE-ACEE-D4B806740EA3}" type="datetimeFigureOut">
               <a:rPr lang="en-US" smtClean="0"/>
               <a:pPr/>
-              <a:t>11/16/2019</a:t>
+              <a:t>11/19/2019</a:t>
             </a:fld>
             <a:endParaRPr lang="en-US" dirty="0"/>
           </a:p>
@@ -15357,7 +15554,7 @@
             </a:ln>
             <a:extLst>
               <a:ext uri="{91240B29-F687-4f45-9708-019B960494DF}">
-                <a14:hiddenLine xmlns="" xmlns:a14="http://schemas.microsoft.com/office/drawing/2010/main" w="9525">
+                <a14:hiddenLine xmlns:a14="http://schemas.microsoft.com/office/drawing/2010/main" xmlns="" w="9525">
                   <a:solidFill>
                     <a:srgbClr val="000000"/>
                   </a:solidFill>
@@ -15571,7 +15768,7 @@
           <a:p>
             <a:fld id="{36343B39-165A-4B68-AA5C-581F5336313C}" type="datetimeFigureOut">
               <a:rPr lang="en-US" smtClean="0"/>
-              <a:t>11/16/2019</a:t>
+              <a:t>11/19/2019</a:t>
             </a:fld>
             <a:endParaRPr lang="en-US" dirty="0"/>
           </a:p>
@@ -16455,7 +16652,7 @@
             </a:ln>
             <a:extLst>
               <a:ext uri="{91240B29-F687-4f45-9708-019B960494DF}">
-                <a14:hiddenLine xmlns="" xmlns:a14="http://schemas.microsoft.com/office/drawing/2010/main" w="9525">
+                <a14:hiddenLine xmlns:a14="http://schemas.microsoft.com/office/drawing/2010/main" xmlns="" w="9525">
                   <a:solidFill>
                     <a:srgbClr val="000000"/>
                   </a:solidFill>
@@ -16584,7 +16781,7 @@
           <a:p>
             <a:fld id="{942C8C57-33F9-4259-AC4F-0E3F5BEC9B94}" type="datetimeFigureOut">
               <a:rPr lang="en-US" smtClean="0"/>
-              <a:t>11/16/2019</a:t>
+              <a:t>11/19/2019</a:t>
             </a:fld>
             <a:endParaRPr lang="en-US" dirty="0"/>
           </a:p>
@@ -17431,7 +17628,7 @@
             </a:ln>
             <a:extLst>
               <a:ext uri="{91240B29-F687-4f45-9708-019B960494DF}">
-                <a14:hiddenLine xmlns="" xmlns:a14="http://schemas.microsoft.com/office/drawing/2010/main" w="9525">
+                <a14:hiddenLine xmlns:a14="http://schemas.microsoft.com/office/drawing/2010/main" xmlns="" w="9525">
                   <a:solidFill>
                     <a:srgbClr val="000000"/>
                   </a:solidFill>
@@ -17718,7 +17915,7 @@
           <a:p>
             <a:fld id="{8748772B-8FA2-401F-A0A1-A59855EDBC3E}" type="datetimeFigureOut">
               <a:rPr lang="en-US" smtClean="0"/>
-              <a:t>11/16/2019</a:t>
+              <a:t>11/19/2019</a:t>
             </a:fld>
             <a:endParaRPr lang="en-US" dirty="0"/>
           </a:p>
@@ -18565,7 +18762,7 @@
             </a:ln>
             <a:extLst>
               <a:ext uri="{91240B29-F687-4f45-9708-019B960494DF}">
-                <a14:hiddenLine xmlns="" xmlns:a14="http://schemas.microsoft.com/office/drawing/2010/main" w="9525">
+                <a14:hiddenLine xmlns:a14="http://schemas.microsoft.com/office/drawing/2010/main" xmlns="" w="9525">
                   <a:solidFill>
                     <a:srgbClr val="000000"/>
                   </a:solidFill>
@@ -18746,7 +18943,7 @@
           <a:p>
             <a:fld id="{D3DD5BDE-5A90-4611-82E9-0FC5746D30C5}" type="datetimeFigureOut">
               <a:rPr lang="en-US" smtClean="0"/>
-              <a:t>11/16/2019</a:t>
+              <a:t>11/19/2019</a:t>
             </a:fld>
             <a:endParaRPr lang="en-US" dirty="0"/>
           </a:p>
@@ -19411,7 +19608,7 @@
           <a:p>
             <a:fld id="{1ADDA17D-0BEA-4E76-A7FC-F7C188BC48D1}" type="datetimeFigureOut">
               <a:rPr lang="en-US" smtClean="0"/>
-              <a:t>11/16/2019</a:t>
+              <a:t>11/19/2019</a:t>
             </a:fld>
             <a:endParaRPr lang="en-US" dirty="0"/>
           </a:p>
@@ -20277,7 +20474,7 @@
           <a:p>
             <a:fld id="{90786BE5-D2A3-4BF0-8B30-D7403E61B3DC}" type="datetimeFigureOut">
               <a:rPr lang="en-US" smtClean="0"/>
-              <a:t>11/16/2019</a:t>
+              <a:t>11/19/2019</a:t>
             </a:fld>
             <a:endParaRPr lang="en-US" dirty="0"/>
           </a:p>
@@ -20462,7 +20659,7 @@
           <a:p>
             <a:fld id="{5568300E-C023-45CD-A0BE-EDB7A8C6EA8B}" type="datetimeFigureOut">
               <a:rPr lang="en-US" smtClean="0"/>
-              <a:t>11/16/2019</a:t>
+              <a:t>11/19/2019</a:t>
             </a:fld>
             <a:endParaRPr lang="en-US" dirty="0"/>
           </a:p>
@@ -21306,7 +21503,7 @@
             </a:ln>
             <a:extLst>
               <a:ext uri="{91240B29-F687-4f45-9708-019B960494DF}">
-                <a14:hiddenLine xmlns="" xmlns:a14="http://schemas.microsoft.com/office/drawing/2010/main" w="9525">
+                <a14:hiddenLine xmlns:a14="http://schemas.microsoft.com/office/drawing/2010/main" xmlns="" w="9525">
                   <a:solidFill>
                     <a:srgbClr val="000000"/>
                   </a:solidFill>
@@ -21421,7 +21618,7 @@
           <a:p>
             <a:fld id="{3B620EAD-E369-4933-8469-ED7764B56A1B}" type="datetimeFigureOut">
               <a:rPr lang="en-US" smtClean="0"/>
-              <a:t>11/16/2019</a:t>
+              <a:t>11/19/2019</a:t>
             </a:fld>
             <a:endParaRPr lang="en-US" dirty="0"/>
           </a:p>
@@ -21641,7 +21838,7 @@
           <a:p>
             <a:fld id="{076C0EF2-9919-473B-8215-8616BAF10692}" type="datetimeFigureOut">
               <a:rPr lang="en-US" smtClean="0"/>
-              <a:t>11/16/2019</a:t>
+              <a:t>11/19/2019</a:t>
             </a:fld>
             <a:endParaRPr lang="en-US" dirty="0"/>
           </a:p>
@@ -22494,7 +22691,7 @@
             </a:ln>
             <a:extLst>
               <a:ext uri="{91240B29-F687-4f45-9708-019B960494DF}">
-                <a14:hiddenLine xmlns="" xmlns:a14="http://schemas.microsoft.com/office/drawing/2010/main" w="9525">
+                <a14:hiddenLine xmlns:a14="http://schemas.microsoft.com/office/drawing/2010/main" xmlns="" w="9525">
                   <a:solidFill>
                     <a:srgbClr val="000000"/>
                   </a:solidFill>
@@ -22673,7 +22870,7 @@
           <a:p>
             <a:fld id="{A09472EB-AC54-4713-BFC2-BEB621108C63}" type="datetimeFigureOut">
               <a:rPr lang="en-US" smtClean="0"/>
-              <a:t>11/16/2019</a:t>
+              <a:t>11/19/2019</a:t>
             </a:fld>
             <a:endParaRPr lang="en-US" dirty="0"/>
           </a:p>
@@ -22968,7 +23165,7 @@
           <a:p>
             <a:fld id="{99455A0C-791E-4545-B787-F98AD45CD761}" type="datetimeFigureOut">
               <a:rPr lang="en-US" smtClean="0"/>
-              <a:t>11/16/2019</a:t>
+              <a:t>11/19/2019</a:t>
             </a:fld>
             <a:endParaRPr lang="en-US" dirty="0"/>
           </a:p>
@@ -23373,7 +23570,7 @@
           <a:p>
             <a:fld id="{42536B77-F4F4-4427-AC4F-9A623798AD82}" type="datetimeFigureOut">
               <a:rPr lang="en-US" smtClean="0"/>
-              <a:t>11/16/2019</a:t>
+              <a:t>11/19/2019</a:t>
             </a:fld>
             <a:endParaRPr lang="en-US" dirty="0"/>
           </a:p>
@@ -23514,7 +23711,7 @@
           <a:p>
             <a:fld id="{D8BE790C-34EB-4565-8437-CACF4CDB7822}" type="datetimeFigureOut">
               <a:rPr lang="en-US" smtClean="0"/>
-              <a:t>11/16/2019</a:t>
+              <a:t>11/19/2019</a:t>
             </a:fld>
             <a:endParaRPr lang="en-US" dirty="0"/>
           </a:p>
@@ -23632,7 +23829,7 @@
           <a:p>
             <a:fld id="{F84A4C11-22B8-4A4E-8126-B3AF6B948A8E}" type="datetimeFigureOut">
               <a:rPr lang="en-US" smtClean="0"/>
-              <a:t>11/16/2019</a:t>
+              <a:t>11/19/2019</a:t>
             </a:fld>
             <a:endParaRPr lang="en-US" dirty="0"/>
           </a:p>
@@ -24512,7 +24709,7 @@
             </a:ln>
             <a:extLst>
               <a:ext uri="{91240B29-F687-4f45-9708-019B960494DF}">
-                <a14:hiddenLine xmlns="" xmlns:a14="http://schemas.microsoft.com/office/drawing/2010/main" w="9525">
+                <a14:hiddenLine xmlns:a14="http://schemas.microsoft.com/office/drawing/2010/main" xmlns="" w="9525">
                   <a:solidFill>
                     <a:srgbClr val="000000"/>
                   </a:solidFill>
@@ -24702,7 +24899,7 @@
           <a:p>
             <a:fld id="{16ED06B6-C816-4861-964D-15A98395707D}" type="datetimeFigureOut">
               <a:rPr lang="en-US" smtClean="0"/>
-              <a:t>11/16/2019</a:t>
+              <a:t>11/19/2019</a:t>
             </a:fld>
             <a:endParaRPr lang="en-US" dirty="0"/>
           </a:p>
@@ -25582,7 +25779,7 @@
             </a:ln>
             <a:extLst>
               <a:ext uri="{91240B29-F687-4f45-9708-019B960494DF}">
-                <a14:hiddenLine xmlns="" xmlns:a14="http://schemas.microsoft.com/office/drawing/2010/main" w="9525">
+                <a14:hiddenLine xmlns:a14="http://schemas.microsoft.com/office/drawing/2010/main" xmlns="" w="9525">
                   <a:solidFill>
                     <a:srgbClr val="000000"/>
                   </a:solidFill>
@@ -25796,7 +25993,7 @@
           <a:p>
             <a:fld id="{00B1A8AB-EA7C-4B1B-9D73-E2551851FABE}" type="datetimeFigureOut">
               <a:rPr lang="en-US" smtClean="0"/>
-              <a:t>11/16/2019</a:t>
+              <a:t>11/19/2019</a:t>
             </a:fld>
             <a:endParaRPr lang="en-US" dirty="0"/>
           </a:p>
@@ -26644,7 +26841,7 @@
             </a:ln>
             <a:extLst>
               <a:ext uri="{91240B29-F687-4f45-9708-019B960494DF}">
-                <a14:hiddenLine xmlns="" xmlns:a14="http://schemas.microsoft.com/office/drawing/2010/main" w="9525">
+                <a14:hiddenLine xmlns:a14="http://schemas.microsoft.com/office/drawing/2010/main" xmlns="" w="9525">
                   <a:solidFill>
                     <a:srgbClr val="000000"/>
                   </a:solidFill>
@@ -26786,7 +26983,7 @@
           <a:p>
             <a:fld id="{90786BE5-D2A3-4BF0-8B30-D7403E61B3DC}" type="datetimeFigureOut">
               <a:rPr lang="en-US" smtClean="0"/>
-              <a:t>11/16/2019</a:t>
+              <a:t>11/19/2019</a:t>
             </a:fld>
             <a:endParaRPr lang="en-US" dirty="0"/>
           </a:p>
@@ -27446,7 +27643,7 @@
           <p:cNvPr id="2" name="Title 1">
             <a:extLst>
               <a:ext uri="{FF2B5EF4-FFF2-40B4-BE49-F238E27FC236}">
-                <a16:creationId xmlns:a16="http://schemas.microsoft.com/office/drawing/2014/main" id="{3859BFE1-DCC8-49AB-B923-727D71DAA4E8}"/>
+                <a16:creationId xmlns:a16="http://schemas.microsoft.com/office/drawing/2014/main" id="{A0C10BA0-6FEE-4895-8140-7E4A951CC9FD}"/>
               </a:ext>
             </a:extLst>
           </p:cNvPr>
@@ -27464,7 +27661,7 @@
           <a:p>
             <a:r>
               <a:rPr lang="en-US" dirty="0"/>
-              <a:t>The Present Study</a:t>
+              <a:t>Introduction</a:t>
             </a:r>
           </a:p>
         </p:txBody>
@@ -27474,7 +27671,7 @@
           <p:cNvPr id="3" name="Content Placeholder 2">
             <a:extLst>
               <a:ext uri="{FF2B5EF4-FFF2-40B4-BE49-F238E27FC236}">
-                <a16:creationId xmlns:a16="http://schemas.microsoft.com/office/drawing/2014/main" id="{FB8BF291-0325-42B8-A496-F88633D0DD88}"/>
+                <a16:creationId xmlns:a16="http://schemas.microsoft.com/office/drawing/2014/main" id="{C59DDDEC-8AFA-4F60-A62D-7BDEF375EB72}"/>
               </a:ext>
             </a:extLst>
           </p:cNvPr>
@@ -27485,158 +27682,78 @@
             <p:ph idx="1"/>
           </p:nvPr>
         </p:nvSpPr>
-        <p:spPr/>
+        <p:spPr>
+          <a:xfrm>
+            <a:off x="866441" y="2489200"/>
+            <a:ext cx="7836688" cy="3530600"/>
+          </a:xfrm>
+        </p:spPr>
         <p:txBody>
-          <a:bodyPr/>
+          <a:bodyPr>
+            <a:normAutofit/>
+          </a:bodyPr>
           <a:lstStyle/>
           <a:p>
             <a:r>
-              <a:rPr lang="en-US" sz="2400" dirty="0"/>
-              <a:t>Extend previous CVOE studies on aging by including a random switch Sequence</a:t>
+              <a:rPr lang="en-US" sz="2000" b="1" dirty="0">
+                <a:solidFill>
+                  <a:schemeClr val="accent1"/>
+                </a:solidFill>
+              </a:rPr>
+              <a:t>Local switch costs </a:t>
             </a:r>
-          </a:p>
-          <a:p>
-            <a:pPr lvl="1"/>
             <a:r>
-              <a:rPr lang="en-US" sz="2000" dirty="0"/>
-              <a:t>Task switching occurs with no discernible pattern</a:t>
+              <a:rPr lang="en-US" sz="2000" dirty="0">
+                <a:solidFill>
+                  <a:schemeClr val="tx1"/>
+                </a:solidFill>
+              </a:rPr>
+              <a:t>reflect task-set reconfiguration that arises from changing tasks across trials </a:t>
             </a:r>
-          </a:p>
-          <a:p>
-            <a:pPr lvl="1"/>
+            <a:endParaRPr lang="en-US" sz="1800" dirty="0">
+              <a:solidFill>
+                <a:schemeClr val="tx1"/>
+              </a:solidFill>
+              <a:highlight>
+                <a:srgbClr val="FFFF00"/>
+              </a:highlight>
+            </a:endParaRPr>
+          </a:p>
+          <a:p>
             <a:r>
-              <a:rPr lang="en-US" sz="2000" dirty="0"/>
-              <a:t>e.g., CV, OE, OE, OE, CV, OE</a:t>
+              <a:rPr lang="en-US" sz="2000" b="1" dirty="0">
+                <a:solidFill>
+                  <a:schemeClr val="accent1"/>
+                </a:solidFill>
+              </a:rPr>
+              <a:t>Global switch costs </a:t>
             </a:r>
-          </a:p>
-          <a:p>
-            <a:pPr marL="402336" lvl="1" indent="0">
-              <a:buNone/>
-            </a:pPr>
-            <a:endParaRPr lang="en-US" dirty="0"/>
+            <a:r>
+              <a:rPr lang="en-US" sz="2000" dirty="0">
+                <a:solidFill>
+                  <a:schemeClr val="tx1"/>
+                </a:solidFill>
+              </a:rPr>
+              <a:t>represent the cost of actively maintaining two different tasks sets relative to only having to perform a single task.</a:t>
+            </a:r>
+            <a:endParaRPr lang="en-US" sz="2000" dirty="0">
+              <a:highlight>
+                <a:srgbClr val="FFFF00"/>
+              </a:highlight>
+            </a:endParaRPr>
           </a:p>
         </p:txBody>
       </p:sp>
     </p:spTree>
     <p:extLst>
       <p:ext uri="{BB962C8B-B14F-4D97-AF65-F5344CB8AC3E}">
-        <p14:creationId xmlns:p14="http://schemas.microsoft.com/office/powerpoint/2010/main" val="822754030"/>
+        <p14:creationId xmlns:p14="http://schemas.microsoft.com/office/powerpoint/2010/main" val="2085614677"/>
       </p:ext>
     </p:extLst>
   </p:cSld>
   <p:clrMapOvr>
     <a:masterClrMapping/>
   </p:clrMapOvr>
-  <p:timing>
-    <p:tnLst>
-      <p:par>
-        <p:cTn id="1" dur="indefinite" restart="never" nodeType="tmRoot">
-          <p:childTnLst>
-            <p:seq concurrent="1" nextAc="seek">
-              <p:cTn id="2" dur="indefinite" nodeType="mainSeq">
-                <p:childTnLst>
-                  <p:par>
-                    <p:cTn id="3" fill="hold">
-                      <p:stCondLst>
-                        <p:cond delay="indefinite"/>
-                      </p:stCondLst>
-                      <p:childTnLst>
-                        <p:par>
-                          <p:cTn id="4" fill="hold">
-                            <p:stCondLst>
-                              <p:cond delay="0"/>
-                            </p:stCondLst>
-                            <p:childTnLst>
-                              <p:par>
-                                <p:cTn id="5" presetID="1" presetClass="entr" presetSubtype="0" fill="hold" nodeType="clickEffect">
-                                  <p:stCondLst>
-                                    <p:cond delay="0"/>
-                                  </p:stCondLst>
-                                  <p:childTnLst>
-                                    <p:set>
-                                      <p:cBhvr>
-                                        <p:cTn id="6" dur="1" fill="hold">
-                                          <p:stCondLst>
-                                            <p:cond delay="0"/>
-                                          </p:stCondLst>
-                                        </p:cTn>
-                                        <p:tgtEl>
-                                          <p:spTgt spid="3">
-                                            <p:txEl>
-                                              <p:pRg st="1" end="1"/>
-                                            </p:txEl>
-                                          </p:spTgt>
-                                        </p:tgtEl>
-                                        <p:attrNameLst>
-                                          <p:attrName>style.visibility</p:attrName>
-                                        </p:attrNameLst>
-                                      </p:cBhvr>
-                                      <p:to>
-                                        <p:strVal val="visible"/>
-                                      </p:to>
-                                    </p:set>
-                                  </p:childTnLst>
-                                </p:cTn>
-                              </p:par>
-                              <p:par>
-                                <p:cTn id="7" presetID="1" presetClass="entr" presetSubtype="0" fill="hold" nodeType="withEffect">
-                                  <p:stCondLst>
-                                    <p:cond delay="0"/>
-                                  </p:stCondLst>
-                                  <p:childTnLst>
-                                    <p:set>
-                                      <p:cBhvr>
-                                        <p:cTn id="8" dur="1" fill="hold">
-                                          <p:stCondLst>
-                                            <p:cond delay="0"/>
-                                          </p:stCondLst>
-                                        </p:cTn>
-                                        <p:tgtEl>
-                                          <p:spTgt spid="3">
-                                            <p:txEl>
-                                              <p:pRg st="2" end="2"/>
-                                            </p:txEl>
-                                          </p:spTgt>
-                                        </p:tgtEl>
-                                        <p:attrNameLst>
-                                          <p:attrName>style.visibility</p:attrName>
-                                        </p:attrNameLst>
-                                      </p:cBhvr>
-                                      <p:to>
-                                        <p:strVal val="visible"/>
-                                      </p:to>
-                                    </p:set>
-                                  </p:childTnLst>
-                                </p:cTn>
-                              </p:par>
-                            </p:childTnLst>
-                          </p:cTn>
-                        </p:par>
-                      </p:childTnLst>
-                    </p:cTn>
-                  </p:par>
-                </p:childTnLst>
-              </p:cTn>
-              <p:prevCondLst>
-                <p:cond evt="onPrev" delay="0">
-                  <p:tgtEl>
-                    <p:sldTgt/>
-                  </p:tgtEl>
-                </p:cond>
-              </p:prevCondLst>
-              <p:nextCondLst>
-                <p:cond evt="onNext" delay="0">
-                  <p:tgtEl>
-                    <p:sldTgt/>
-                  </p:tgtEl>
-                </p:cond>
-              </p:nextCondLst>
-            </p:seq>
-          </p:childTnLst>
-        </p:cTn>
-      </p:par>
-    </p:tnLst>
-  </p:timing>
 </p:sld>
 </file>
 
@@ -27662,7 +27779,7 @@
           <p:cNvPr id="2" name="Title 1">
             <a:extLst>
               <a:ext uri="{FF2B5EF4-FFF2-40B4-BE49-F238E27FC236}">
-                <a16:creationId xmlns:a16="http://schemas.microsoft.com/office/drawing/2014/main" id="{3859BFE1-DCC8-49AB-B923-727D71DAA4E8}"/>
+                <a16:creationId xmlns:a16="http://schemas.microsoft.com/office/drawing/2014/main" id="{543B3268-E9EA-44E4-ACDD-CE6AB485DB7F}"/>
               </a:ext>
             </a:extLst>
           </p:cNvPr>
@@ -27680,7 +27797,7 @@
           <a:p>
             <a:r>
               <a:rPr lang="en-US" dirty="0"/>
-              <a:t>Alternating Runs vs Random Presentation</a:t>
+              <a:t>Introduction</a:t>
             </a:r>
           </a:p>
         </p:txBody>
@@ -27690,7 +27807,7 @@
           <p:cNvPr id="3" name="Content Placeholder 2">
             <a:extLst>
               <a:ext uri="{FF2B5EF4-FFF2-40B4-BE49-F238E27FC236}">
-                <a16:creationId xmlns:a16="http://schemas.microsoft.com/office/drawing/2014/main" id="{FB8BF291-0325-42B8-A496-F88633D0DD88}"/>
+                <a16:creationId xmlns:a16="http://schemas.microsoft.com/office/drawing/2014/main" id="{5E7555E2-8326-4748-BCA4-EEAC4266F2D8}"/>
               </a:ext>
             </a:extLst>
           </p:cNvPr>
@@ -27701,43 +27818,55 @@
             <p:ph idx="1"/>
           </p:nvPr>
         </p:nvSpPr>
-        <p:spPr/>
+        <p:spPr>
+          <a:xfrm>
+            <a:off x="519247" y="2334409"/>
+            <a:ext cx="8363495" cy="4410636"/>
+          </a:xfrm>
+        </p:spPr>
         <p:txBody>
-          <a:bodyPr/>
+          <a:bodyPr>
+            <a:normAutofit/>
+          </a:bodyPr>
           <a:lstStyle/>
           <a:p>
-            <a:pPr marL="345186" indent="-285750"/>
             <a:r>
-              <a:rPr lang="en-US" sz="2400" dirty="0"/>
-              <a:t>Switch trials that are presented in a non-predictive sequencing may be cognitively more difficult.</a:t>
+              <a:rPr lang="en-US" sz="2400" dirty="0">
+                <a:solidFill>
+                  <a:schemeClr val="tx1"/>
+                </a:solidFill>
+              </a:rPr>
+              <a:t>Age related differences in performance have been found on the CV/OE task</a:t>
             </a:r>
           </a:p>
           <a:p>
-            <a:pPr marL="688086" lvl="1" indent="-285750"/>
+            <a:pPr lvl="1"/>
             <a:r>
-              <a:rPr lang="en-US" sz="2000" dirty="0"/>
-              <a:t>May be more sensitive to cognitive declines. </a:t>
+              <a:rPr lang="en-US" sz="2000" dirty="0">
+                <a:solidFill>
+                  <a:schemeClr val="tx1"/>
+                </a:solidFill>
+              </a:rPr>
+              <a:t>Previous work by Huff et al. (2015) has shown that global switch costs increased as a function of age. </a:t>
             </a:r>
           </a:p>
           <a:p>
-            <a:pPr marL="345186" indent="-285750"/>
+            <a:pPr lvl="1"/>
             <a:r>
-              <a:rPr lang="en-US" sz="2400" dirty="0"/>
-              <a:t>It is expected that overall error rates and reaction times will be greater on the random switch versus alternating runs switch block.</a:t>
+              <a:rPr lang="en-US" sz="2000" dirty="0">
+                <a:solidFill>
+                  <a:schemeClr val="tx1"/>
+                </a:solidFill>
+              </a:rPr>
+              <a:t>However, older adults show reduced local switch for RTs relative to younger adults</a:t>
             </a:r>
-          </a:p>
-          <a:p>
-            <a:pPr marL="402336" lvl="1" indent="0">
-              <a:buNone/>
-            </a:pPr>
-            <a:endParaRPr lang="en-US" dirty="0"/>
           </a:p>
         </p:txBody>
       </p:sp>
     </p:spTree>
     <p:extLst>
       <p:ext uri="{BB962C8B-B14F-4D97-AF65-F5344CB8AC3E}">
-        <p14:creationId xmlns:p14="http://schemas.microsoft.com/office/powerpoint/2010/main" val="2075117946"/>
+        <p14:creationId xmlns:p14="http://schemas.microsoft.com/office/powerpoint/2010/main" val="4172470023"/>
       </p:ext>
     </p:extLst>
   </p:cSld>
@@ -27897,7 +28026,7 @@
           <p:cNvPr id="2" name="Title 1">
             <a:extLst>
               <a:ext uri="{FF2B5EF4-FFF2-40B4-BE49-F238E27FC236}">
-                <a16:creationId xmlns:a16="http://schemas.microsoft.com/office/drawing/2014/main" id="{C6C4333E-ABA3-42DB-8E54-E9B922957F75}"/>
+                <a16:creationId xmlns:a16="http://schemas.microsoft.com/office/drawing/2014/main" id="{9F803BE5-3CC9-49A8-ACA5-ACD0B7292262}"/>
               </a:ext>
             </a:extLst>
           </p:cNvPr>
@@ -27915,7 +28044,7 @@
           <a:p>
             <a:r>
               <a:rPr lang="en-US" dirty="0"/>
-              <a:t>Hypothesis</a:t>
+              <a:t>Introduction</a:t>
             </a:r>
           </a:p>
         </p:txBody>
@@ -27925,7 +28054,7 @@
           <p:cNvPr id="3" name="Content Placeholder 2">
             <a:extLst>
               <a:ext uri="{FF2B5EF4-FFF2-40B4-BE49-F238E27FC236}">
-                <a16:creationId xmlns:a16="http://schemas.microsoft.com/office/drawing/2014/main" id="{FE81A7F3-03F1-4A0F-8F78-9CE1C485F45E}"/>
+                <a16:creationId xmlns:a16="http://schemas.microsoft.com/office/drawing/2014/main" id="{AD71B0C3-024D-47BD-B8B8-61576B212266}"/>
               </a:ext>
             </a:extLst>
           </p:cNvPr>
@@ -27938,43 +28067,445 @@
         </p:nvSpPr>
         <p:spPr>
           <a:xfrm>
-            <a:off x="585620" y="2400301"/>
-            <a:ext cx="7972759" cy="3530600"/>
+            <a:off x="866441" y="2489200"/>
+            <a:ext cx="7728919" cy="3530600"/>
           </a:xfrm>
         </p:spPr>
         <p:txBody>
-          <a:bodyPr>
-            <a:normAutofit/>
-          </a:bodyPr>
+          <a:bodyPr/>
           <a:lstStyle/>
-          <a:p>
-            <a:r>
-              <a:rPr lang="en-US" sz="2400" dirty="0"/>
-              <a:t>Older adults should commit more errors and have slower reaction times on the task relative to younger adults</a:t>
-            </a:r>
-          </a:p>
-          <a:p>
-            <a:r>
-              <a:rPr lang="en-US" sz="2400" dirty="0"/>
-              <a:t>Older adults should also show decreased local switch costs</a:t>
-            </a:r>
-          </a:p>
           <a:p>
             <a:r>
               <a:rPr lang="en-US" sz="2400" dirty="0">
-                <a:highlight>
-                  <a:srgbClr val="FFFF00"/>
-                </a:highlight>
+                <a:solidFill>
+                  <a:schemeClr val="tx1"/>
+                </a:solidFill>
               </a:rPr>
-              <a:t>SOMETHING ABOUT GLOBAL COSTS</a:t>
+              <a:t>This suggests that older adults are generally are less tuned to the tasks relative to younger adults</a:t>
             </a:r>
+          </a:p>
+          <a:p>
+            <a:pPr lvl="1"/>
+            <a:r>
+              <a:rPr lang="en-US" sz="2200" dirty="0">
+                <a:solidFill>
+                  <a:schemeClr val="tx1"/>
+                </a:solidFill>
+              </a:rPr>
+              <a:t>i.e., local switch costs will be lower for older adults if they are consistently performing poorly on both switch and non-switch trials</a:t>
+            </a:r>
+          </a:p>
+          <a:p>
+            <a:endParaRPr lang="en-US" dirty="0"/>
           </a:p>
         </p:txBody>
       </p:sp>
     </p:spTree>
     <p:extLst>
       <p:ext uri="{BB962C8B-B14F-4D97-AF65-F5344CB8AC3E}">
-        <p14:creationId xmlns:p14="http://schemas.microsoft.com/office/powerpoint/2010/main" val="2530459881"/>
+        <p14:creationId xmlns:p14="http://schemas.microsoft.com/office/powerpoint/2010/main" val="2357847878"/>
+      </p:ext>
+    </p:extLst>
+  </p:cSld>
+  <p:clrMapOvr>
+    <a:masterClrMapping/>
+  </p:clrMapOvr>
+  <p:timing>
+    <p:tnLst>
+      <p:par>
+        <p:cTn id="1" dur="indefinite" restart="never" nodeType="tmRoot">
+          <p:childTnLst>
+            <p:seq concurrent="1" nextAc="seek">
+              <p:cTn id="2" dur="indefinite" nodeType="mainSeq">
+                <p:childTnLst>
+                  <p:par>
+                    <p:cTn id="3" fill="hold">
+                      <p:stCondLst>
+                        <p:cond delay="indefinite"/>
+                      </p:stCondLst>
+                      <p:childTnLst>
+                        <p:par>
+                          <p:cTn id="4" fill="hold">
+                            <p:stCondLst>
+                              <p:cond delay="0"/>
+                            </p:stCondLst>
+                            <p:childTnLst>
+                              <p:par>
+                                <p:cTn id="5" presetID="1" presetClass="entr" presetSubtype="0" fill="hold" nodeType="clickEffect">
+                                  <p:stCondLst>
+                                    <p:cond delay="0"/>
+                                  </p:stCondLst>
+                                  <p:childTnLst>
+                                    <p:set>
+                                      <p:cBhvr>
+                                        <p:cTn id="6" dur="1" fill="hold">
+                                          <p:stCondLst>
+                                            <p:cond delay="0"/>
+                                          </p:stCondLst>
+                                        </p:cTn>
+                                        <p:tgtEl>
+                                          <p:spTgt spid="3">
+                                            <p:txEl>
+                                              <p:pRg st="1" end="1"/>
+                                            </p:txEl>
+                                          </p:spTgt>
+                                        </p:tgtEl>
+                                        <p:attrNameLst>
+                                          <p:attrName>style.visibility</p:attrName>
+                                        </p:attrNameLst>
+                                      </p:cBhvr>
+                                      <p:to>
+                                        <p:strVal val="visible"/>
+                                      </p:to>
+                                    </p:set>
+                                  </p:childTnLst>
+                                </p:cTn>
+                              </p:par>
+                            </p:childTnLst>
+                          </p:cTn>
+                        </p:par>
+                      </p:childTnLst>
+                    </p:cTn>
+                  </p:par>
+                </p:childTnLst>
+              </p:cTn>
+              <p:prevCondLst>
+                <p:cond evt="onPrev" delay="0">
+                  <p:tgtEl>
+                    <p:sldTgt/>
+                  </p:tgtEl>
+                </p:cond>
+              </p:prevCondLst>
+              <p:nextCondLst>
+                <p:cond evt="onNext" delay="0">
+                  <p:tgtEl>
+                    <p:sldTgt/>
+                  </p:tgtEl>
+                </p:cond>
+              </p:nextCondLst>
+            </p:seq>
+          </p:childTnLst>
+        </p:cTn>
+      </p:par>
+    </p:tnLst>
+  </p:timing>
+</p:sld>
+</file>
+
+<file path=ppt/slides/slide13.xml><?xml version="1.0" encoding="utf-8"?>
+<p:sld xmlns:a="http://schemas.openxmlformats.org/drawingml/2006/main" xmlns:r="http://schemas.openxmlformats.org/officeDocument/2006/relationships" xmlns:p="http://schemas.openxmlformats.org/presentationml/2006/main">
+  <p:cSld>
+    <p:spTree>
+      <p:nvGrpSpPr>
+        <p:cNvPr id="1" name=""/>
+        <p:cNvGrpSpPr/>
+        <p:nvPr/>
+      </p:nvGrpSpPr>
+      <p:grpSpPr>
+        <a:xfrm>
+          <a:off x="0" y="0"/>
+          <a:ext cx="0" cy="0"/>
+          <a:chOff x="0" y="0"/>
+          <a:chExt cx="0" cy="0"/>
+        </a:xfrm>
+      </p:grpSpPr>
+      <p:sp>
+        <p:nvSpPr>
+          <p:cNvPr id="2" name="Title 1">
+            <a:extLst>
+              <a:ext uri="{FF2B5EF4-FFF2-40B4-BE49-F238E27FC236}">
+                <a16:creationId xmlns:a16="http://schemas.microsoft.com/office/drawing/2014/main" id="{3859BFE1-DCC8-49AB-B923-727D71DAA4E8}"/>
+              </a:ext>
+            </a:extLst>
+          </p:cNvPr>
+          <p:cNvSpPr>
+            <a:spLocks noGrp="1"/>
+          </p:cNvSpPr>
+          <p:nvPr>
+            <p:ph type="title"/>
+          </p:nvPr>
+        </p:nvSpPr>
+        <p:spPr/>
+        <p:txBody>
+          <a:bodyPr/>
+          <a:lstStyle/>
+          <a:p>
+            <a:r>
+              <a:rPr lang="en-US" dirty="0"/>
+              <a:t>The Present Study</a:t>
+            </a:r>
+          </a:p>
+        </p:txBody>
+      </p:sp>
+      <p:sp>
+        <p:nvSpPr>
+          <p:cNvPr id="3" name="Content Placeholder 2">
+            <a:extLst>
+              <a:ext uri="{FF2B5EF4-FFF2-40B4-BE49-F238E27FC236}">
+                <a16:creationId xmlns:a16="http://schemas.microsoft.com/office/drawing/2014/main" id="{FB8BF291-0325-42B8-A496-F88633D0DD88}"/>
+              </a:ext>
+            </a:extLst>
+          </p:cNvPr>
+          <p:cNvSpPr>
+            <a:spLocks noGrp="1"/>
+          </p:cNvSpPr>
+          <p:nvPr>
+            <p:ph idx="1"/>
+          </p:nvPr>
+        </p:nvSpPr>
+        <p:spPr/>
+        <p:txBody>
+          <a:bodyPr/>
+          <a:lstStyle/>
+          <a:p>
+            <a:r>
+              <a:rPr lang="en-US" sz="2400" dirty="0"/>
+              <a:t>Extend previous CVOE studies on aging by including a random switch Sequence</a:t>
+            </a:r>
+          </a:p>
+          <a:p>
+            <a:pPr lvl="1"/>
+            <a:r>
+              <a:rPr lang="en-US" sz="2000" dirty="0"/>
+              <a:t>Task switching occurs with no discernible pattern</a:t>
+            </a:r>
+          </a:p>
+          <a:p>
+            <a:pPr lvl="1"/>
+            <a:r>
+              <a:rPr lang="en-US" sz="2000" dirty="0"/>
+              <a:t>e.g., CV, OE, OE, OE, CV, OE</a:t>
+            </a:r>
+          </a:p>
+          <a:p>
+            <a:pPr marL="402336" lvl="1" indent="0">
+              <a:buNone/>
+            </a:pPr>
+            <a:endParaRPr lang="en-US" dirty="0"/>
+          </a:p>
+        </p:txBody>
+      </p:sp>
+    </p:spTree>
+    <p:extLst>
+      <p:ext uri="{BB962C8B-B14F-4D97-AF65-F5344CB8AC3E}">
+        <p14:creationId xmlns:p14="http://schemas.microsoft.com/office/powerpoint/2010/main" val="822754030"/>
+      </p:ext>
+    </p:extLst>
+  </p:cSld>
+  <p:clrMapOvr>
+    <a:masterClrMapping/>
+  </p:clrMapOvr>
+  <p:timing>
+    <p:tnLst>
+      <p:par>
+        <p:cTn id="1" dur="indefinite" restart="never" nodeType="tmRoot">
+          <p:childTnLst>
+            <p:seq concurrent="1" nextAc="seek">
+              <p:cTn id="2" dur="indefinite" nodeType="mainSeq">
+                <p:childTnLst>
+                  <p:par>
+                    <p:cTn id="3" fill="hold">
+                      <p:stCondLst>
+                        <p:cond delay="indefinite"/>
+                      </p:stCondLst>
+                      <p:childTnLst>
+                        <p:par>
+                          <p:cTn id="4" fill="hold">
+                            <p:stCondLst>
+                              <p:cond delay="0"/>
+                            </p:stCondLst>
+                            <p:childTnLst>
+                              <p:par>
+                                <p:cTn id="5" presetID="1" presetClass="entr" presetSubtype="0" fill="hold" nodeType="clickEffect">
+                                  <p:stCondLst>
+                                    <p:cond delay="0"/>
+                                  </p:stCondLst>
+                                  <p:childTnLst>
+                                    <p:set>
+                                      <p:cBhvr>
+                                        <p:cTn id="6" dur="1" fill="hold">
+                                          <p:stCondLst>
+                                            <p:cond delay="0"/>
+                                          </p:stCondLst>
+                                        </p:cTn>
+                                        <p:tgtEl>
+                                          <p:spTgt spid="3">
+                                            <p:txEl>
+                                              <p:pRg st="1" end="1"/>
+                                            </p:txEl>
+                                          </p:spTgt>
+                                        </p:tgtEl>
+                                        <p:attrNameLst>
+                                          <p:attrName>style.visibility</p:attrName>
+                                        </p:attrNameLst>
+                                      </p:cBhvr>
+                                      <p:to>
+                                        <p:strVal val="visible"/>
+                                      </p:to>
+                                    </p:set>
+                                  </p:childTnLst>
+                                </p:cTn>
+                              </p:par>
+                              <p:par>
+                                <p:cTn id="7" presetID="1" presetClass="entr" presetSubtype="0" fill="hold" nodeType="withEffect">
+                                  <p:stCondLst>
+                                    <p:cond delay="0"/>
+                                  </p:stCondLst>
+                                  <p:childTnLst>
+                                    <p:set>
+                                      <p:cBhvr>
+                                        <p:cTn id="8" dur="1" fill="hold">
+                                          <p:stCondLst>
+                                            <p:cond delay="0"/>
+                                          </p:stCondLst>
+                                        </p:cTn>
+                                        <p:tgtEl>
+                                          <p:spTgt spid="3">
+                                            <p:txEl>
+                                              <p:pRg st="2" end="2"/>
+                                            </p:txEl>
+                                          </p:spTgt>
+                                        </p:tgtEl>
+                                        <p:attrNameLst>
+                                          <p:attrName>style.visibility</p:attrName>
+                                        </p:attrNameLst>
+                                      </p:cBhvr>
+                                      <p:to>
+                                        <p:strVal val="visible"/>
+                                      </p:to>
+                                    </p:set>
+                                  </p:childTnLst>
+                                </p:cTn>
+                              </p:par>
+                            </p:childTnLst>
+                          </p:cTn>
+                        </p:par>
+                      </p:childTnLst>
+                    </p:cTn>
+                  </p:par>
+                </p:childTnLst>
+              </p:cTn>
+              <p:prevCondLst>
+                <p:cond evt="onPrev" delay="0">
+                  <p:tgtEl>
+                    <p:sldTgt/>
+                  </p:tgtEl>
+                </p:cond>
+              </p:prevCondLst>
+              <p:nextCondLst>
+                <p:cond evt="onNext" delay="0">
+                  <p:tgtEl>
+                    <p:sldTgt/>
+                  </p:tgtEl>
+                </p:cond>
+              </p:nextCondLst>
+            </p:seq>
+          </p:childTnLst>
+        </p:cTn>
+      </p:par>
+    </p:tnLst>
+  </p:timing>
+</p:sld>
+</file>
+
+<file path=ppt/slides/slide14.xml><?xml version="1.0" encoding="utf-8"?>
+<p:sld xmlns:a="http://schemas.openxmlformats.org/drawingml/2006/main" xmlns:r="http://schemas.openxmlformats.org/officeDocument/2006/relationships" xmlns:p="http://schemas.openxmlformats.org/presentationml/2006/main">
+  <p:cSld>
+    <p:spTree>
+      <p:nvGrpSpPr>
+        <p:cNvPr id="1" name=""/>
+        <p:cNvGrpSpPr/>
+        <p:nvPr/>
+      </p:nvGrpSpPr>
+      <p:grpSpPr>
+        <a:xfrm>
+          <a:off x="0" y="0"/>
+          <a:ext cx="0" cy="0"/>
+          <a:chOff x="0" y="0"/>
+          <a:chExt cx="0" cy="0"/>
+        </a:xfrm>
+      </p:grpSpPr>
+      <p:sp>
+        <p:nvSpPr>
+          <p:cNvPr id="2" name="Title 1">
+            <a:extLst>
+              <a:ext uri="{FF2B5EF4-FFF2-40B4-BE49-F238E27FC236}">
+                <a16:creationId xmlns:a16="http://schemas.microsoft.com/office/drawing/2014/main" id="{3859BFE1-DCC8-49AB-B923-727D71DAA4E8}"/>
+              </a:ext>
+            </a:extLst>
+          </p:cNvPr>
+          <p:cNvSpPr>
+            <a:spLocks noGrp="1"/>
+          </p:cNvSpPr>
+          <p:nvPr>
+            <p:ph type="title"/>
+          </p:nvPr>
+        </p:nvSpPr>
+        <p:spPr/>
+        <p:txBody>
+          <a:bodyPr/>
+          <a:lstStyle/>
+          <a:p>
+            <a:r>
+              <a:rPr lang="en-US" dirty="0"/>
+              <a:t>Alternating Runs vs Random Presentation</a:t>
+            </a:r>
+          </a:p>
+        </p:txBody>
+      </p:sp>
+      <p:sp>
+        <p:nvSpPr>
+          <p:cNvPr id="3" name="Content Placeholder 2">
+            <a:extLst>
+              <a:ext uri="{FF2B5EF4-FFF2-40B4-BE49-F238E27FC236}">
+                <a16:creationId xmlns:a16="http://schemas.microsoft.com/office/drawing/2014/main" id="{FB8BF291-0325-42B8-A496-F88633D0DD88}"/>
+              </a:ext>
+            </a:extLst>
+          </p:cNvPr>
+          <p:cNvSpPr>
+            <a:spLocks noGrp="1"/>
+          </p:cNvSpPr>
+          <p:nvPr>
+            <p:ph idx="1"/>
+          </p:nvPr>
+        </p:nvSpPr>
+        <p:spPr/>
+        <p:txBody>
+          <a:bodyPr/>
+          <a:lstStyle/>
+          <a:p>
+            <a:pPr marL="345186" indent="-285750"/>
+            <a:r>
+              <a:rPr lang="en-US" sz="2400" dirty="0"/>
+              <a:t>Switch trials that are presented in a non-predictive sequencing may be cognitively more difficult.</a:t>
+            </a:r>
+          </a:p>
+          <a:p>
+            <a:pPr marL="688086" lvl="1" indent="-285750"/>
+            <a:r>
+              <a:rPr lang="en-US" sz="2000" dirty="0"/>
+              <a:t>May be more sensitive to cognitive declines. </a:t>
+            </a:r>
+          </a:p>
+          <a:p>
+            <a:pPr marL="345186" indent="-285750"/>
+            <a:r>
+              <a:rPr lang="en-US" sz="2400" dirty="0"/>
+              <a:t>It is expected that overall error rates and reaction times will be greater on the random switch versus alternating runs switch block.</a:t>
+            </a:r>
+          </a:p>
+          <a:p>
+            <a:pPr marL="402336" lvl="1" indent="0">
+              <a:buNone/>
+            </a:pPr>
+            <a:endParaRPr lang="en-US" dirty="0"/>
+          </a:p>
+        </p:txBody>
+      </p:sp>
+    </p:spTree>
+    <p:extLst>
+      <p:ext uri="{BB962C8B-B14F-4D97-AF65-F5344CB8AC3E}">
+        <p14:creationId xmlns:p14="http://schemas.microsoft.com/office/powerpoint/2010/main" val="2075117946"/>
       </p:ext>
     </p:extLst>
   </p:cSld>
@@ -28112,7 +28643,185 @@
 </p:sld>
 </file>
 
-<file path=ppt/slides/slide13.xml><?xml version="1.0" encoding="utf-8"?>
+<file path=ppt/slides/slide15.xml><?xml version="1.0" encoding="utf-8"?>
+<p:sld xmlns:a="http://schemas.openxmlformats.org/drawingml/2006/main" xmlns:r="http://schemas.openxmlformats.org/officeDocument/2006/relationships" xmlns:p="http://schemas.openxmlformats.org/presentationml/2006/main">
+  <p:cSld>
+    <p:spTree>
+      <p:nvGrpSpPr>
+        <p:cNvPr id="1" name=""/>
+        <p:cNvGrpSpPr/>
+        <p:nvPr/>
+      </p:nvGrpSpPr>
+      <p:grpSpPr>
+        <a:xfrm>
+          <a:off x="0" y="0"/>
+          <a:ext cx="0" cy="0"/>
+          <a:chOff x="0" y="0"/>
+          <a:chExt cx="0" cy="0"/>
+        </a:xfrm>
+      </p:grpSpPr>
+      <p:sp>
+        <p:nvSpPr>
+          <p:cNvPr id="2" name="Title 1">
+            <a:extLst>
+              <a:ext uri="{FF2B5EF4-FFF2-40B4-BE49-F238E27FC236}">
+                <a16:creationId xmlns:a16="http://schemas.microsoft.com/office/drawing/2014/main" id="{C6C4333E-ABA3-42DB-8E54-E9B922957F75}"/>
+              </a:ext>
+            </a:extLst>
+          </p:cNvPr>
+          <p:cNvSpPr>
+            <a:spLocks noGrp="1"/>
+          </p:cNvSpPr>
+          <p:nvPr>
+            <p:ph type="title"/>
+          </p:nvPr>
+        </p:nvSpPr>
+        <p:spPr/>
+        <p:txBody>
+          <a:bodyPr/>
+          <a:lstStyle/>
+          <a:p>
+            <a:r>
+              <a:rPr lang="en-US" dirty="0"/>
+              <a:t>Hypothesis</a:t>
+            </a:r>
+          </a:p>
+        </p:txBody>
+      </p:sp>
+      <p:sp>
+        <p:nvSpPr>
+          <p:cNvPr id="3" name="Content Placeholder 2">
+            <a:extLst>
+              <a:ext uri="{FF2B5EF4-FFF2-40B4-BE49-F238E27FC236}">
+                <a16:creationId xmlns:a16="http://schemas.microsoft.com/office/drawing/2014/main" id="{FE81A7F3-03F1-4A0F-8F78-9CE1C485F45E}"/>
+              </a:ext>
+            </a:extLst>
+          </p:cNvPr>
+          <p:cNvSpPr>
+            <a:spLocks noGrp="1"/>
+          </p:cNvSpPr>
+          <p:nvPr>
+            <p:ph idx="1"/>
+          </p:nvPr>
+        </p:nvSpPr>
+        <p:spPr>
+          <a:xfrm>
+            <a:off x="585620" y="2400301"/>
+            <a:ext cx="7972759" cy="3530600"/>
+          </a:xfrm>
+        </p:spPr>
+        <p:txBody>
+          <a:bodyPr>
+            <a:normAutofit/>
+          </a:bodyPr>
+          <a:lstStyle/>
+          <a:p>
+            <a:r>
+              <a:rPr lang="en-US" sz="2400" dirty="0"/>
+              <a:t>Older adults should commit more errors and have slower reaction times on the task relative to younger adults</a:t>
+            </a:r>
+          </a:p>
+          <a:p>
+            <a:r>
+              <a:rPr lang="en-US" sz="2400" dirty="0"/>
+              <a:t>Older adults should also show decreased local switch costs</a:t>
+            </a:r>
+          </a:p>
+        </p:txBody>
+      </p:sp>
+    </p:spTree>
+    <p:extLst>
+      <p:ext uri="{BB962C8B-B14F-4D97-AF65-F5344CB8AC3E}">
+        <p14:creationId xmlns:p14="http://schemas.microsoft.com/office/powerpoint/2010/main" val="2530459881"/>
+      </p:ext>
+    </p:extLst>
+  </p:cSld>
+  <p:clrMapOvr>
+    <a:masterClrMapping/>
+  </p:clrMapOvr>
+  <p:timing>
+    <p:tnLst>
+      <p:par>
+        <p:cTn id="1" dur="indefinite" restart="never" nodeType="tmRoot">
+          <p:childTnLst>
+            <p:seq concurrent="1" nextAc="seek">
+              <p:cTn id="2" dur="indefinite" nodeType="mainSeq">
+                <p:childTnLst>
+                  <p:par>
+                    <p:cTn id="3" fill="hold">
+                      <p:stCondLst>
+                        <p:cond delay="indefinite"/>
+                      </p:stCondLst>
+                      <p:childTnLst>
+                        <p:par>
+                          <p:cTn id="4" fill="hold">
+                            <p:stCondLst>
+                              <p:cond delay="0"/>
+                            </p:stCondLst>
+                            <p:childTnLst>
+                              <p:par>
+                                <p:cTn id="5" presetID="1" presetClass="entr" presetSubtype="0" fill="hold" nodeType="clickEffect">
+                                  <p:stCondLst>
+                                    <p:cond delay="0"/>
+                                  </p:stCondLst>
+                                  <p:childTnLst>
+                                    <p:set>
+                                      <p:cBhvr>
+                                        <p:cTn id="6" dur="1" fill="hold">
+                                          <p:stCondLst>
+                                            <p:cond delay="0"/>
+                                          </p:stCondLst>
+                                        </p:cTn>
+                                        <p:tgtEl>
+                                          <p:spTgt spid="3">
+                                            <p:txEl>
+                                              <p:pRg st="1" end="1"/>
+                                            </p:txEl>
+                                          </p:spTgt>
+                                        </p:tgtEl>
+                                        <p:attrNameLst>
+                                          <p:attrName>style.visibility</p:attrName>
+                                        </p:attrNameLst>
+                                      </p:cBhvr>
+                                      <p:to>
+                                        <p:strVal val="visible"/>
+                                      </p:to>
+                                    </p:set>
+                                  </p:childTnLst>
+                                </p:cTn>
+                              </p:par>
+                            </p:childTnLst>
+                          </p:cTn>
+                        </p:par>
+                      </p:childTnLst>
+                    </p:cTn>
+                  </p:par>
+                </p:childTnLst>
+              </p:cTn>
+              <p:prevCondLst>
+                <p:cond evt="onPrev" delay="0">
+                  <p:tgtEl>
+                    <p:sldTgt/>
+                  </p:tgtEl>
+                </p:cond>
+              </p:prevCondLst>
+              <p:nextCondLst>
+                <p:cond evt="onNext" delay="0">
+                  <p:tgtEl>
+                    <p:sldTgt/>
+                  </p:tgtEl>
+                </p:cond>
+              </p:nextCondLst>
+            </p:seq>
+          </p:childTnLst>
+        </p:cTn>
+      </p:par>
+    </p:tnLst>
+  </p:timing>
+</p:sld>
+</file>
+
+<file path=ppt/slides/slide16.xml><?xml version="1.0" encoding="utf-8"?>
 <p:sld xmlns:a="http://schemas.openxmlformats.org/drawingml/2006/main" xmlns:r="http://schemas.openxmlformats.org/officeDocument/2006/relationships" xmlns:p="http://schemas.openxmlformats.org/presentationml/2006/main">
   <p:cSld>
     <p:spTree>
@@ -28218,16 +28927,8 @@
               <a:buChar char="•"/>
             </a:pPr>
             <a:r>
-              <a:rPr lang="en-US" sz="2400" dirty="0">
-                <a:highlight>
-                  <a:srgbClr val="FFFF00"/>
-                </a:highlight>
-              </a:rPr>
-              <a:t>XX </a:t>
-            </a:r>
-            <a:r>
               <a:rPr lang="en-US" sz="2400" dirty="0"/>
-              <a:t>younger adults</a:t>
+              <a:t>59 Younger adults</a:t>
             </a:r>
           </a:p>
           <a:p>
@@ -28253,16 +28954,8 @@
               <a:buChar char="•"/>
             </a:pPr>
             <a:r>
-              <a:rPr lang="en-US" sz="2400" dirty="0">
-                <a:highlight>
-                  <a:srgbClr val="FFFF00"/>
-                </a:highlight>
-              </a:rPr>
-              <a:t>XX</a:t>
-            </a:r>
-            <a:r>
               <a:rPr lang="en-US" sz="2400" dirty="0"/>
-              <a:t> healthy older adults</a:t>
+              <a:t>20 Older adults</a:t>
             </a:r>
           </a:p>
           <a:p>
@@ -28459,7 +29152,7 @@
 </p:sld>
 </file>
 
-<file path=ppt/slides/slide14.xml><?xml version="1.0" encoding="utf-8"?>
+<file path=ppt/slides/slide17.xml><?xml version="1.0" encoding="utf-8"?>
 <p:sld xmlns:a="http://schemas.openxmlformats.org/drawingml/2006/main" xmlns:r="http://schemas.openxmlformats.org/officeDocument/2006/relationships" xmlns:p="http://schemas.openxmlformats.org/presentationml/2006/main">
   <p:cSld>
     <p:spTree>
@@ -28818,7 +29511,7 @@
 </p:sld>
 </file>
 
-<file path=ppt/slides/slide15.xml><?xml version="1.0" encoding="utf-8"?>
+<file path=ppt/slides/slide18.xml><?xml version="1.0" encoding="utf-8"?>
 <p:sld xmlns:a="http://schemas.openxmlformats.org/drawingml/2006/main" xmlns:r="http://schemas.openxmlformats.org/officeDocument/2006/relationships" xmlns:p="http://schemas.openxmlformats.org/presentationml/2006/main">
   <p:cSld>
     <p:spTree>
@@ -28879,7 +29572,12 @@
             <p:ph idx="1"/>
           </p:nvPr>
         </p:nvSpPr>
-        <p:spPr/>
+        <p:spPr>
+          <a:xfrm>
+            <a:off x="866441" y="2489200"/>
+            <a:ext cx="7608088" cy="3530600"/>
+          </a:xfrm>
+        </p:spPr>
         <p:txBody>
           <a:bodyPr>
             <a:normAutofit/>
@@ -29136,7 +29834,7 @@
 </p:sld>
 </file>
 
-<file path=ppt/slides/slide16.xml><?xml version="1.0" encoding="utf-8"?>
+<file path=ppt/slides/slide19.xml><?xml version="1.0" encoding="utf-8"?>
 <p:sld xmlns:a="http://schemas.openxmlformats.org/drawingml/2006/main" xmlns:r="http://schemas.openxmlformats.org/officeDocument/2006/relationships" xmlns:p="http://schemas.openxmlformats.org/presentationml/2006/main">
   <p:cSld>
     <p:spTree>
@@ -29266,7 +29964,242 @@
 </p:sld>
 </file>
 
-<file path=ppt/slides/slide17.xml><?xml version="1.0" encoding="utf-8"?>
+<file path=ppt/slides/slide2.xml><?xml version="1.0" encoding="utf-8"?>
+<p:sld xmlns:a="http://schemas.openxmlformats.org/drawingml/2006/main" xmlns:r="http://schemas.openxmlformats.org/officeDocument/2006/relationships" xmlns:p="http://schemas.openxmlformats.org/presentationml/2006/main">
+  <p:cSld>
+    <p:spTree>
+      <p:nvGrpSpPr>
+        <p:cNvPr id="1" name=""/>
+        <p:cNvGrpSpPr/>
+        <p:nvPr/>
+      </p:nvGrpSpPr>
+      <p:grpSpPr>
+        <a:xfrm>
+          <a:off x="0" y="0"/>
+          <a:ext cx="0" cy="0"/>
+          <a:chOff x="0" y="0"/>
+          <a:chExt cx="0" cy="0"/>
+        </a:xfrm>
+      </p:grpSpPr>
+      <p:sp>
+        <p:nvSpPr>
+          <p:cNvPr id="2" name="Title 1">
+            <a:extLst>
+              <a:ext uri="{FF2B5EF4-FFF2-40B4-BE49-F238E27FC236}">
+                <a16:creationId xmlns:a16="http://schemas.microsoft.com/office/drawing/2014/main" id="{543B3268-E9EA-44E4-ACDD-CE6AB485DB7F}"/>
+              </a:ext>
+            </a:extLst>
+          </p:cNvPr>
+          <p:cNvSpPr>
+            <a:spLocks noGrp="1"/>
+          </p:cNvSpPr>
+          <p:nvPr>
+            <p:ph type="title"/>
+          </p:nvPr>
+        </p:nvSpPr>
+        <p:spPr/>
+        <p:txBody>
+          <a:bodyPr/>
+          <a:lstStyle/>
+          <a:p>
+            <a:r>
+              <a:rPr lang="en-US" dirty="0"/>
+              <a:t>Introduction</a:t>
+            </a:r>
+          </a:p>
+        </p:txBody>
+      </p:sp>
+      <p:sp>
+        <p:nvSpPr>
+          <p:cNvPr id="3" name="Content Placeholder 2">
+            <a:extLst>
+              <a:ext uri="{FF2B5EF4-FFF2-40B4-BE49-F238E27FC236}">
+                <a16:creationId xmlns:a16="http://schemas.microsoft.com/office/drawing/2014/main" id="{5E7555E2-8326-4748-BCA4-EEAC4266F2D8}"/>
+              </a:ext>
+            </a:extLst>
+          </p:cNvPr>
+          <p:cNvSpPr>
+            <a:spLocks noGrp="1"/>
+          </p:cNvSpPr>
+          <p:nvPr>
+            <p:ph idx="1"/>
+          </p:nvPr>
+        </p:nvSpPr>
+        <p:spPr>
+          <a:xfrm>
+            <a:off x="519247" y="2334409"/>
+            <a:ext cx="8363495" cy="4410636"/>
+          </a:xfrm>
+        </p:spPr>
+        <p:txBody>
+          <a:bodyPr>
+            <a:normAutofit/>
+          </a:bodyPr>
+          <a:lstStyle/>
+          <a:p>
+            <a:r>
+              <a:rPr lang="en-US" sz="2400" dirty="0">
+                <a:solidFill>
+                  <a:schemeClr val="tx1"/>
+                </a:solidFill>
+              </a:rPr>
+              <a:t>Task switching is a popular method for investigating cognitive control</a:t>
+            </a:r>
+          </a:p>
+          <a:p>
+            <a:r>
+              <a:rPr lang="en-US" sz="2400" dirty="0">
+                <a:solidFill>
+                  <a:schemeClr val="tx1"/>
+                </a:solidFill>
+              </a:rPr>
+              <a:t>Participants are asked to switch back and forth between two simple tasks</a:t>
+            </a:r>
+          </a:p>
+          <a:p>
+            <a:pPr lvl="1"/>
+            <a:r>
+              <a:rPr lang="en-US" sz="2000" dirty="0">
+                <a:solidFill>
+                  <a:schemeClr val="tx1"/>
+                </a:solidFill>
+              </a:rPr>
+              <a:t>i.e., Classifying letters and doing simple addition</a:t>
+            </a:r>
+          </a:p>
+          <a:p>
+            <a:endParaRPr lang="en-US" sz="2000" dirty="0">
+              <a:solidFill>
+                <a:schemeClr val="tx1"/>
+              </a:solidFill>
+            </a:endParaRPr>
+          </a:p>
+        </p:txBody>
+      </p:sp>
+    </p:spTree>
+    <p:extLst>
+      <p:ext uri="{BB962C8B-B14F-4D97-AF65-F5344CB8AC3E}">
+        <p14:creationId xmlns:p14="http://schemas.microsoft.com/office/powerpoint/2010/main" val="322037927"/>
+      </p:ext>
+    </p:extLst>
+  </p:cSld>
+  <p:clrMapOvr>
+    <a:masterClrMapping/>
+  </p:clrMapOvr>
+  <p:timing>
+    <p:tnLst>
+      <p:par>
+        <p:cTn id="1" dur="indefinite" restart="never" nodeType="tmRoot">
+          <p:childTnLst>
+            <p:seq concurrent="1" nextAc="seek">
+              <p:cTn id="2" dur="indefinite" nodeType="mainSeq">
+                <p:childTnLst>
+                  <p:par>
+                    <p:cTn id="3" fill="hold">
+                      <p:stCondLst>
+                        <p:cond delay="indefinite"/>
+                      </p:stCondLst>
+                      <p:childTnLst>
+                        <p:par>
+                          <p:cTn id="4" fill="hold">
+                            <p:stCondLst>
+                              <p:cond delay="0"/>
+                            </p:stCondLst>
+                            <p:childTnLst>
+                              <p:par>
+                                <p:cTn id="5" presetID="1" presetClass="entr" presetSubtype="0" fill="hold" nodeType="clickEffect">
+                                  <p:stCondLst>
+                                    <p:cond delay="0"/>
+                                  </p:stCondLst>
+                                  <p:childTnLst>
+                                    <p:set>
+                                      <p:cBhvr>
+                                        <p:cTn id="6" dur="1" fill="hold">
+                                          <p:stCondLst>
+                                            <p:cond delay="0"/>
+                                          </p:stCondLst>
+                                        </p:cTn>
+                                        <p:tgtEl>
+                                          <p:spTgt spid="3">
+                                            <p:txEl>
+                                              <p:pRg st="1" end="1"/>
+                                            </p:txEl>
+                                          </p:spTgt>
+                                        </p:tgtEl>
+                                        <p:attrNameLst>
+                                          <p:attrName>style.visibility</p:attrName>
+                                        </p:attrNameLst>
+                                      </p:cBhvr>
+                                      <p:to>
+                                        <p:strVal val="visible"/>
+                                      </p:to>
+                                    </p:set>
+                                  </p:childTnLst>
+                                </p:cTn>
+                              </p:par>
+                              <p:par>
+                                <p:cTn id="7" presetID="1" presetClass="entr" presetSubtype="0" fill="hold" nodeType="withEffect">
+                                  <p:stCondLst>
+                                    <p:cond delay="0"/>
+                                  </p:stCondLst>
+                                  <p:childTnLst>
+                                    <p:set>
+                                      <p:cBhvr>
+                                        <p:cTn id="8" dur="1" fill="hold">
+                                          <p:stCondLst>
+                                            <p:cond delay="0"/>
+                                          </p:stCondLst>
+                                        </p:cTn>
+                                        <p:tgtEl>
+                                          <p:spTgt spid="3">
+                                            <p:txEl>
+                                              <p:pRg st="2" end="2"/>
+                                            </p:txEl>
+                                          </p:spTgt>
+                                        </p:tgtEl>
+                                        <p:attrNameLst>
+                                          <p:attrName>style.visibility</p:attrName>
+                                        </p:attrNameLst>
+                                      </p:cBhvr>
+                                      <p:to>
+                                        <p:strVal val="visible"/>
+                                      </p:to>
+                                    </p:set>
+                                  </p:childTnLst>
+                                </p:cTn>
+                              </p:par>
+                            </p:childTnLst>
+                          </p:cTn>
+                        </p:par>
+                      </p:childTnLst>
+                    </p:cTn>
+                  </p:par>
+                </p:childTnLst>
+              </p:cTn>
+              <p:prevCondLst>
+                <p:cond evt="onPrev" delay="0">
+                  <p:tgtEl>
+                    <p:sldTgt/>
+                  </p:tgtEl>
+                </p:cond>
+              </p:prevCondLst>
+              <p:nextCondLst>
+                <p:cond evt="onNext" delay="0">
+                  <p:tgtEl>
+                    <p:sldTgt/>
+                  </p:tgtEl>
+                </p:cond>
+              </p:nextCondLst>
+            </p:seq>
+          </p:childTnLst>
+        </p:cTn>
+      </p:par>
+    </p:tnLst>
+  </p:timing>
+</p:sld>
+</file>
+
+<file path=ppt/slides/slide20.xml><?xml version="1.0" encoding="utf-8"?>
 <p:sld xmlns:a="http://schemas.openxmlformats.org/drawingml/2006/main" xmlns:r="http://schemas.openxmlformats.org/officeDocument/2006/relationships" xmlns:p="http://schemas.openxmlformats.org/presentationml/2006/main">
   <p:cSld>
     <p:spTree>
@@ -29339,7 +30272,7 @@
           <a:p>
             <a:r>
               <a:rPr lang="en-US" sz="2400" dirty="0"/>
-              <a:t>Participants were informed that they would be completing a decision making task.</a:t>
+              <a:t>Participants were informed that they would be completing a decision-making task.</a:t>
             </a:r>
           </a:p>
           <a:p>
@@ -29369,7 +30302,7 @@
 </p:sld>
 </file>
 
-<file path=ppt/slides/slide18.xml><?xml version="1.0" encoding="utf-8"?>
+<file path=ppt/slides/slide21.xml><?xml version="1.0" encoding="utf-8"?>
 <p:sld xmlns:a="http://schemas.openxmlformats.org/drawingml/2006/main" xmlns:r="http://schemas.openxmlformats.org/officeDocument/2006/relationships" xmlns:p="http://schemas.openxmlformats.org/presentationml/2006/main">
   <p:cSld>
     <p:spTree>
@@ -29424,9 +30357,7 @@
             </a:extLst>
           </p:cNvPr>
           <p:cNvGraphicFramePr/>
-          <p:nvPr>
-            <p:extLst/>
-          </p:nvPr>
+          <p:nvPr/>
         </p:nvGraphicFramePr>
         <p:xfrm>
           <a:off x="737349" y="2351040"/>
@@ -30175,7 +31106,7 @@
 </p:sld>
 </file>
 
-<file path=ppt/slides/slide19.xml><?xml version="1.0" encoding="utf-8"?>
+<file path=ppt/slides/slide22.xml><?xml version="1.0" encoding="utf-8"?>
 <p:sld xmlns:a="http://schemas.openxmlformats.org/drawingml/2006/main" xmlns:r="http://schemas.openxmlformats.org/officeDocument/2006/relationships" xmlns:p="http://schemas.openxmlformats.org/presentationml/2006/main">
   <p:cSld>
     <p:spTree>
@@ -30261,301 +31192,7 @@
 </p:sld>
 </file>
 
-<file path=ppt/slides/slide2.xml><?xml version="1.0" encoding="utf-8"?>
-<p:sld xmlns:a="http://schemas.openxmlformats.org/drawingml/2006/main" xmlns:r="http://schemas.openxmlformats.org/officeDocument/2006/relationships" xmlns:p="http://schemas.openxmlformats.org/presentationml/2006/main">
-  <p:cSld>
-    <p:spTree>
-      <p:nvGrpSpPr>
-        <p:cNvPr id="1" name=""/>
-        <p:cNvGrpSpPr/>
-        <p:nvPr/>
-      </p:nvGrpSpPr>
-      <p:grpSpPr>
-        <a:xfrm>
-          <a:off x="0" y="0"/>
-          <a:ext cx="0" cy="0"/>
-          <a:chOff x="0" y="0"/>
-          <a:chExt cx="0" cy="0"/>
-        </a:xfrm>
-      </p:grpSpPr>
-      <p:sp>
-        <p:nvSpPr>
-          <p:cNvPr id="2" name="Title 1">
-            <a:extLst>
-              <a:ext uri="{FF2B5EF4-FFF2-40B4-BE49-F238E27FC236}">
-                <a16:creationId xmlns:a16="http://schemas.microsoft.com/office/drawing/2014/main" id="{543B3268-E9EA-44E4-ACDD-CE6AB485DB7F}"/>
-              </a:ext>
-            </a:extLst>
-          </p:cNvPr>
-          <p:cNvSpPr>
-            <a:spLocks noGrp="1"/>
-          </p:cNvSpPr>
-          <p:nvPr>
-            <p:ph type="title"/>
-          </p:nvPr>
-        </p:nvSpPr>
-        <p:spPr/>
-        <p:txBody>
-          <a:bodyPr/>
-          <a:lstStyle/>
-          <a:p>
-            <a:r>
-              <a:rPr lang="en-US" dirty="0"/>
-              <a:t>Introduction</a:t>
-            </a:r>
-          </a:p>
-        </p:txBody>
-      </p:sp>
-      <p:sp>
-        <p:nvSpPr>
-          <p:cNvPr id="3" name="Content Placeholder 2">
-            <a:extLst>
-              <a:ext uri="{FF2B5EF4-FFF2-40B4-BE49-F238E27FC236}">
-                <a16:creationId xmlns:a16="http://schemas.microsoft.com/office/drawing/2014/main" id="{5E7555E2-8326-4748-BCA4-EEAC4266F2D8}"/>
-              </a:ext>
-            </a:extLst>
-          </p:cNvPr>
-          <p:cNvSpPr>
-            <a:spLocks noGrp="1"/>
-          </p:cNvSpPr>
-          <p:nvPr>
-            <p:ph idx="1"/>
-          </p:nvPr>
-        </p:nvSpPr>
-        <p:spPr>
-          <a:xfrm>
-            <a:off x="519247" y="2334409"/>
-            <a:ext cx="8363495" cy="4410636"/>
-          </a:xfrm>
-        </p:spPr>
-        <p:txBody>
-          <a:bodyPr>
-            <a:normAutofit/>
-          </a:bodyPr>
-          <a:lstStyle/>
-          <a:p>
-            <a:r>
-              <a:rPr lang="en-US" sz="2400" dirty="0">
-                <a:solidFill>
-                  <a:schemeClr val="tx1"/>
-                </a:solidFill>
-              </a:rPr>
-              <a:t>Task switching is a popular method for investigating cognitive control</a:t>
-            </a:r>
-          </a:p>
-          <a:p>
-            <a:r>
-              <a:rPr lang="en-US" sz="2400" dirty="0">
-                <a:solidFill>
-                  <a:schemeClr val="tx1"/>
-                </a:solidFill>
-              </a:rPr>
-              <a:t>Participants are asked to switch back and forth between two simple tasks</a:t>
-            </a:r>
-          </a:p>
-          <a:p>
-            <a:pPr lvl="1"/>
-            <a:r>
-              <a:rPr lang="en-US" sz="2000" dirty="0">
-                <a:solidFill>
-                  <a:schemeClr val="tx1"/>
-                </a:solidFill>
-              </a:rPr>
-              <a:t>i.e., Classifying letters and doing simple addition</a:t>
-            </a:r>
-          </a:p>
-          <a:p>
-            <a:r>
-              <a:rPr lang="en-US" sz="2400" dirty="0">
-                <a:solidFill>
-                  <a:schemeClr val="tx1"/>
-                </a:solidFill>
-              </a:rPr>
-              <a:t>Reaction times are generally slower when participants are forced to alternate between tasks relative to completing only one task and they commit more errors</a:t>
-            </a:r>
-          </a:p>
-          <a:p>
-            <a:endParaRPr lang="en-US" sz="2000" dirty="0">
-              <a:solidFill>
-                <a:schemeClr val="tx1"/>
-              </a:solidFill>
-            </a:endParaRPr>
-          </a:p>
-        </p:txBody>
-      </p:sp>
-    </p:spTree>
-    <p:extLst>
-      <p:ext uri="{BB962C8B-B14F-4D97-AF65-F5344CB8AC3E}">
-        <p14:creationId xmlns:p14="http://schemas.microsoft.com/office/powerpoint/2010/main" val="322037927"/>
-      </p:ext>
-    </p:extLst>
-  </p:cSld>
-  <p:clrMapOvr>
-    <a:masterClrMapping/>
-  </p:clrMapOvr>
-  <p:timing>
-    <p:tnLst>
-      <p:par>
-        <p:cTn id="1" dur="indefinite" restart="never" nodeType="tmRoot">
-          <p:childTnLst>
-            <p:seq concurrent="1" nextAc="seek">
-              <p:cTn id="2" dur="indefinite" nodeType="mainSeq">
-                <p:childTnLst>
-                  <p:par>
-                    <p:cTn id="3" fill="hold">
-                      <p:stCondLst>
-                        <p:cond delay="indefinite"/>
-                      </p:stCondLst>
-                      <p:childTnLst>
-                        <p:par>
-                          <p:cTn id="4" fill="hold">
-                            <p:stCondLst>
-                              <p:cond delay="0"/>
-                            </p:stCondLst>
-                            <p:childTnLst>
-                              <p:par>
-                                <p:cTn id="5" presetID="1" presetClass="entr" presetSubtype="0" fill="hold" nodeType="clickEffect">
-                                  <p:stCondLst>
-                                    <p:cond delay="0"/>
-                                  </p:stCondLst>
-                                  <p:childTnLst>
-                                    <p:set>
-                                      <p:cBhvr>
-                                        <p:cTn id="6" dur="1" fill="hold">
-                                          <p:stCondLst>
-                                            <p:cond delay="0"/>
-                                          </p:stCondLst>
-                                        </p:cTn>
-                                        <p:tgtEl>
-                                          <p:spTgt spid="3">
-                                            <p:txEl>
-                                              <p:pRg st="1" end="1"/>
-                                            </p:txEl>
-                                          </p:spTgt>
-                                        </p:tgtEl>
-                                        <p:attrNameLst>
-                                          <p:attrName>style.visibility</p:attrName>
-                                        </p:attrNameLst>
-                                      </p:cBhvr>
-                                      <p:to>
-                                        <p:strVal val="visible"/>
-                                      </p:to>
-                                    </p:set>
-                                  </p:childTnLst>
-                                </p:cTn>
-                              </p:par>
-                              <p:par>
-                                <p:cTn id="7" presetID="1" presetClass="entr" presetSubtype="0" fill="hold" nodeType="withEffect">
-                                  <p:stCondLst>
-                                    <p:cond delay="0"/>
-                                  </p:stCondLst>
-                                  <p:childTnLst>
-                                    <p:set>
-                                      <p:cBhvr>
-                                        <p:cTn id="8" dur="1" fill="hold">
-                                          <p:stCondLst>
-                                            <p:cond delay="0"/>
-                                          </p:stCondLst>
-                                        </p:cTn>
-                                        <p:tgtEl>
-                                          <p:spTgt spid="3">
-                                            <p:txEl>
-                                              <p:pRg st="2" end="2"/>
-                                            </p:txEl>
-                                          </p:spTgt>
-                                        </p:tgtEl>
-                                        <p:attrNameLst>
-                                          <p:attrName>style.visibility</p:attrName>
-                                        </p:attrNameLst>
-                                      </p:cBhvr>
-                                      <p:to>
-                                        <p:strVal val="visible"/>
-                                      </p:to>
-                                    </p:set>
-                                  </p:childTnLst>
-                                </p:cTn>
-                              </p:par>
-                            </p:childTnLst>
-                          </p:cTn>
-                        </p:par>
-                      </p:childTnLst>
-                    </p:cTn>
-                  </p:par>
-                  <p:par>
-                    <p:cTn id="9" fill="hold">
-                      <p:stCondLst>
-                        <p:cond delay="indefinite"/>
-                      </p:stCondLst>
-                      <p:childTnLst>
-                        <p:par>
-                          <p:cTn id="10" fill="hold">
-                            <p:stCondLst>
-                              <p:cond delay="0"/>
-                            </p:stCondLst>
-                            <p:childTnLst>
-                              <p:par>
-                                <p:cTn id="11" presetID="1" presetClass="entr" presetSubtype="0" fill="hold" nodeType="clickEffect">
-                                  <p:stCondLst>
-                                    <p:cond delay="0"/>
-                                  </p:stCondLst>
-                                  <p:childTnLst>
-                                    <p:set>
-                                      <p:cBhvr>
-                                        <p:cTn id="12" dur="1" fill="hold">
-                                          <p:stCondLst>
-                                            <p:cond delay="0"/>
-                                          </p:stCondLst>
-                                        </p:cTn>
-                                        <p:tgtEl>
-                                          <p:spTgt spid="3">
-                                            <p:txEl>
-                                              <p:pRg st="3" end="3"/>
-                                            </p:txEl>
-                                          </p:spTgt>
-                                        </p:tgtEl>
-                                        <p:attrNameLst>
-                                          <p:attrName>style.visibility</p:attrName>
-                                        </p:attrNameLst>
-                                      </p:cBhvr>
-                                      <p:to>
-                                        <p:strVal val="visible"/>
-                                      </p:to>
-                                    </p:set>
-                                  </p:childTnLst>
-                                </p:cTn>
-                              </p:par>
-                            </p:childTnLst>
-                          </p:cTn>
-                        </p:par>
-                      </p:childTnLst>
-                    </p:cTn>
-                  </p:par>
-                </p:childTnLst>
-              </p:cTn>
-              <p:prevCondLst>
-                <p:cond evt="onPrev" delay="0">
-                  <p:tgtEl>
-                    <p:sldTgt/>
-                  </p:tgtEl>
-                </p:cond>
-              </p:prevCondLst>
-              <p:nextCondLst>
-                <p:cond evt="onNext" delay="0">
-                  <p:tgtEl>
-                    <p:sldTgt/>
-                  </p:tgtEl>
-                </p:cond>
-              </p:nextCondLst>
-            </p:seq>
-          </p:childTnLst>
-        </p:cTn>
-      </p:par>
-    </p:tnLst>
-  </p:timing>
-</p:sld>
-</file>
-
-<file path=ppt/slides/slide20.xml><?xml version="1.0" encoding="utf-8"?>
+<file path=ppt/slides/slide23.xml><?xml version="1.0" encoding="utf-8"?>
 <p:sld xmlns:a="http://schemas.openxmlformats.org/drawingml/2006/main" xmlns:r="http://schemas.openxmlformats.org/officeDocument/2006/relationships" xmlns:p="http://schemas.openxmlformats.org/presentationml/2006/main">
   <p:cSld>
     <p:spTree>
@@ -30852,7 +31489,7 @@
 </p:sld>
 </file>
 
-<file path=ppt/slides/slide21.xml><?xml version="1.0" encoding="utf-8"?>
+<file path=ppt/slides/slide24.xml><?xml version="1.0" encoding="utf-8"?>
 <p:sld xmlns:a="http://schemas.openxmlformats.org/drawingml/2006/main" xmlns:r="http://schemas.openxmlformats.org/officeDocument/2006/relationships" xmlns:p="http://schemas.openxmlformats.org/presentationml/2006/main">
   <p:cSld>
     <p:spTree>
@@ -31032,7 +31669,7 @@
         <p:spPr>
           <a:xfrm>
             <a:off x="3248808" y="3228945"/>
-            <a:ext cx="2646381" cy="461665"/>
+            <a:ext cx="2646381" cy="523220"/>
           </a:xfrm>
           <a:prstGeom prst="rect">
             <a:avLst/>
@@ -31047,10 +31684,10 @@
           <a:p>
             <a:pPr algn="ctr"/>
             <a:r>
-              <a:rPr lang="en-US" sz="2400" b="1" dirty="0"/>
+              <a:rPr lang="en-US" sz="2800" b="1" dirty="0"/>
               <a:t>D 52</a:t>
             </a:r>
-            <a:endParaRPr lang="en-US" sz="2000" b="1" dirty="0"/>
+            <a:endParaRPr lang="en-US" sz="2400" b="1" dirty="0"/>
           </a:p>
         </p:txBody>
       </p:sp>
@@ -31188,7 +31825,7 @@
 </p:sld>
 </file>
 
-<file path=ppt/slides/slide22.xml><?xml version="1.0" encoding="utf-8"?>
+<file path=ppt/slides/slide25.xml><?xml version="1.0" encoding="utf-8"?>
 <p:sld xmlns:a="http://schemas.openxmlformats.org/drawingml/2006/main" xmlns:r="http://schemas.openxmlformats.org/officeDocument/2006/relationships" xmlns:p="http://schemas.openxmlformats.org/presentationml/2006/main">
   <p:cSld>
     <p:spTree>
@@ -31263,13 +31900,13 @@
           <a:p>
             <a:r>
               <a:rPr lang="en-US" sz="2400" dirty="0"/>
-              <a:t>The switch blocks included a prompt which told participants whether they would be making decisions about the letter or the number</a:t>
+              <a:t>Switch blocks included a prompt which told participants whether they would be making decisions about the letter or the number</a:t>
             </a:r>
           </a:p>
           <a:p>
             <a:r>
               <a:rPr lang="en-US" sz="2400" dirty="0"/>
-              <a:t>Same key presses as pure block</a:t>
+              <a:t>Same key presses as pure blocks</a:t>
             </a:r>
           </a:p>
           <a:p>
@@ -31486,7 +32123,7 @@
 </p:sld>
 </file>
 
-<file path=ppt/slides/slide23.xml><?xml version="1.0" encoding="utf-8"?>
+<file path=ppt/slides/slide26.xml><?xml version="1.0" encoding="utf-8"?>
 <p:sld xmlns:a="http://schemas.openxmlformats.org/drawingml/2006/main" xmlns:r="http://schemas.openxmlformats.org/officeDocument/2006/relationships" xmlns:p="http://schemas.openxmlformats.org/presentationml/2006/main">
   <p:cSld>
     <p:spTree>
@@ -31674,7 +32311,7 @@
         <p:spPr>
           <a:xfrm>
             <a:off x="3248809" y="1409251"/>
-            <a:ext cx="2646381" cy="461665"/>
+            <a:ext cx="2646381" cy="523220"/>
           </a:xfrm>
           <a:prstGeom prst="rect">
             <a:avLst/>
@@ -31689,10 +32326,10 @@
           <a:p>
             <a:pPr algn="ctr"/>
             <a:r>
-              <a:rPr lang="en-US" sz="2400" b="1" dirty="0"/>
+              <a:rPr lang="en-US" sz="2800" b="1" dirty="0"/>
               <a:t>Letter</a:t>
             </a:r>
-            <a:endParaRPr lang="en-US" sz="2000" b="1" dirty="0"/>
+            <a:endParaRPr lang="en-US" sz="2400" b="1" dirty="0"/>
           </a:p>
         </p:txBody>
       </p:sp>
@@ -31711,7 +32348,7 @@
         <p:spPr>
           <a:xfrm>
             <a:off x="3248809" y="3198167"/>
-            <a:ext cx="2646381" cy="461665"/>
+            <a:ext cx="2646381" cy="523220"/>
           </a:xfrm>
           <a:prstGeom prst="rect">
             <a:avLst/>
@@ -31726,10 +32363,10 @@
           <a:p>
             <a:pPr algn="ctr"/>
             <a:r>
-              <a:rPr lang="en-US" sz="2400" b="1" dirty="0"/>
+              <a:rPr lang="en-US" sz="2800" b="1" dirty="0"/>
               <a:t>B 55</a:t>
             </a:r>
-            <a:endParaRPr lang="en-US" sz="2000" b="1" dirty="0"/>
+            <a:endParaRPr lang="en-US" sz="2400" b="1" dirty="0"/>
           </a:p>
         </p:txBody>
       </p:sp>
@@ -31867,7 +32504,7 @@
 </p:sld>
 </file>
 
-<file path=ppt/slides/slide24.xml><?xml version="1.0" encoding="utf-8"?>
+<file path=ppt/slides/slide27.xml><?xml version="1.0" encoding="utf-8"?>
 <p:sld xmlns:a="http://schemas.openxmlformats.org/drawingml/2006/main" xmlns:r="http://schemas.openxmlformats.org/officeDocument/2006/relationships" xmlns:p="http://schemas.openxmlformats.org/presentationml/2006/main">
   <p:cSld>
     <p:spTree>
@@ -32055,7 +32692,7 @@
         <p:spPr>
           <a:xfrm>
             <a:off x="3248809" y="1409251"/>
-            <a:ext cx="2646381" cy="461665"/>
+            <a:ext cx="2646381" cy="523220"/>
           </a:xfrm>
           <a:prstGeom prst="rect">
             <a:avLst/>
@@ -32070,10 +32707,10 @@
           <a:p>
             <a:pPr algn="ctr"/>
             <a:r>
-              <a:rPr lang="en-US" sz="2400" b="1" dirty="0"/>
+              <a:rPr lang="en-US" sz="2800" b="1" dirty="0"/>
               <a:t>Number</a:t>
             </a:r>
-            <a:endParaRPr lang="en-US" sz="2000" b="1" dirty="0"/>
+            <a:endParaRPr lang="en-US" sz="2400" b="1" dirty="0"/>
           </a:p>
         </p:txBody>
       </p:sp>
@@ -32092,7 +32729,7 @@
         <p:spPr>
           <a:xfrm>
             <a:off x="3248808" y="3228945"/>
-            <a:ext cx="2646381" cy="461665"/>
+            <a:ext cx="2646381" cy="523220"/>
           </a:xfrm>
           <a:prstGeom prst="rect">
             <a:avLst/>
@@ -32107,10 +32744,10 @@
           <a:p>
             <a:pPr algn="ctr"/>
             <a:r>
-              <a:rPr lang="en-US" sz="2400" b="1" dirty="0"/>
+              <a:rPr lang="en-US" sz="2800" b="1" dirty="0"/>
               <a:t>D 52</a:t>
             </a:r>
-            <a:endParaRPr lang="en-US" sz="2000" b="1" dirty="0"/>
+            <a:endParaRPr lang="en-US" sz="2400" b="1" dirty="0"/>
           </a:p>
         </p:txBody>
       </p:sp>
@@ -32144,7 +32781,19 @@
           <a:p>
             <a:r>
               <a:rPr lang="en-US" sz="2000" b="1" dirty="0"/>
-              <a:t>52 = even, </a:t>
+              <a:t>52 = even</a:t>
+            </a:r>
+            <a:r>
+              <a:rPr lang="en-US" sz="2000" b="1"/>
+              <a:t>, </a:t>
+            </a:r>
+            <a:r>
+              <a:rPr lang="en-US" sz="2000" b="1">
+                <a:solidFill>
+                  <a:schemeClr val="accent1"/>
+                </a:solidFill>
+              </a:rPr>
+              <a:t>p </a:t>
             </a:r>
             <a:r>
               <a:rPr lang="en-US" sz="2000" b="1" dirty="0">
@@ -32152,7 +32801,7 @@
                   <a:schemeClr val="accent1"/>
                 </a:solidFill>
               </a:rPr>
-              <a:t>so p = correct key press</a:t>
+              <a:t>= correct key press</a:t>
             </a:r>
           </a:p>
         </p:txBody>
@@ -32248,7 +32897,590 @@
 </p:sld>
 </file>
 
-<file path=ppt/slides/slide25.xml><?xml version="1.0" encoding="utf-8"?>
+<file path=ppt/slides/slide28.xml><?xml version="1.0" encoding="utf-8"?>
+<p:sld xmlns:a="http://schemas.openxmlformats.org/drawingml/2006/main" xmlns:r="http://schemas.openxmlformats.org/officeDocument/2006/relationships" xmlns:p="http://schemas.openxmlformats.org/presentationml/2006/main">
+  <p:cSld>
+    <p:spTree>
+      <p:nvGrpSpPr>
+        <p:cNvPr id="1" name=""/>
+        <p:cNvGrpSpPr/>
+        <p:nvPr/>
+      </p:nvGrpSpPr>
+      <p:grpSpPr>
+        <a:xfrm>
+          <a:off x="0" y="0"/>
+          <a:ext cx="0" cy="0"/>
+          <a:chOff x="0" y="0"/>
+          <a:chExt cx="0" cy="0"/>
+        </a:xfrm>
+      </p:grpSpPr>
+      <p:sp>
+        <p:nvSpPr>
+          <p:cNvPr id="2" name="Title 1">
+            <a:extLst>
+              <a:ext uri="{FF2B5EF4-FFF2-40B4-BE49-F238E27FC236}">
+                <a16:creationId xmlns:a16="http://schemas.microsoft.com/office/drawing/2014/main" id="{9358EAD8-D592-4ADB-A1C7-B5F6109250C1}"/>
+              </a:ext>
+            </a:extLst>
+          </p:cNvPr>
+          <p:cNvSpPr>
+            <a:spLocks noGrp="1"/>
+          </p:cNvSpPr>
+          <p:nvPr>
+            <p:ph type="title"/>
+          </p:nvPr>
+        </p:nvSpPr>
+        <p:spPr/>
+        <p:txBody>
+          <a:bodyPr/>
+          <a:lstStyle/>
+          <a:p>
+            <a:r>
+              <a:rPr lang="en-US" dirty="0"/>
+              <a:t>Analysis</a:t>
+            </a:r>
+          </a:p>
+        </p:txBody>
+      </p:sp>
+      <p:sp>
+        <p:nvSpPr>
+          <p:cNvPr id="3" name="Content Placeholder 2">
+            <a:extLst>
+              <a:ext uri="{FF2B5EF4-FFF2-40B4-BE49-F238E27FC236}">
+                <a16:creationId xmlns:a16="http://schemas.microsoft.com/office/drawing/2014/main" id="{7C7DDFCE-ACAC-49FE-A369-348D7D0AB610}"/>
+              </a:ext>
+            </a:extLst>
+          </p:cNvPr>
+          <p:cNvSpPr>
+            <a:spLocks noGrp="1"/>
+          </p:cNvSpPr>
+          <p:nvPr>
+            <p:ph idx="1"/>
+          </p:nvPr>
+        </p:nvSpPr>
+        <p:spPr>
+          <a:xfrm>
+            <a:off x="661167" y="2563845"/>
+            <a:ext cx="6343201" cy="3530600"/>
+          </a:xfrm>
+        </p:spPr>
+        <p:txBody>
+          <a:bodyPr/>
+          <a:lstStyle/>
+          <a:p>
+            <a:r>
+              <a:rPr lang="en-US" sz="2000" dirty="0"/>
+              <a:t>Two 2 (Age group) X 5 (Trial type) ANOVAs</a:t>
+            </a:r>
+          </a:p>
+          <a:p>
+            <a:pPr lvl="1"/>
+            <a:r>
+              <a:rPr lang="en-US" sz="1800" dirty="0"/>
+              <a:t>Error Rates as DV</a:t>
+            </a:r>
+          </a:p>
+          <a:p>
+            <a:pPr lvl="1"/>
+            <a:r>
+              <a:rPr lang="en-US" sz="1800" dirty="0"/>
+              <a:t>RTs as DV</a:t>
+            </a:r>
+          </a:p>
+          <a:p>
+            <a:r>
+              <a:rPr lang="en-US" sz="2000" dirty="0"/>
+              <a:t>Two 2 (Age group) X 4 (Switch Cost) ANOVAs</a:t>
+            </a:r>
+          </a:p>
+          <a:p>
+            <a:pPr lvl="1"/>
+            <a:r>
+              <a:rPr lang="en-US" sz="1800" dirty="0"/>
+              <a:t>Error Rates as DV</a:t>
+            </a:r>
+          </a:p>
+          <a:p>
+            <a:pPr lvl="1"/>
+            <a:r>
+              <a:rPr lang="en-US" sz="1800" dirty="0"/>
+              <a:t>RTs as DV</a:t>
+            </a:r>
+          </a:p>
+          <a:p>
+            <a:pPr marL="402336" lvl="1" indent="0">
+              <a:buNone/>
+            </a:pPr>
+            <a:endParaRPr lang="en-US" dirty="0"/>
+          </a:p>
+        </p:txBody>
+      </p:sp>
+    </p:spTree>
+    <p:extLst>
+      <p:ext uri="{BB962C8B-B14F-4D97-AF65-F5344CB8AC3E}">
+        <p14:creationId xmlns:p14="http://schemas.microsoft.com/office/powerpoint/2010/main" val="540706335"/>
+      </p:ext>
+    </p:extLst>
+  </p:cSld>
+  <p:clrMapOvr>
+    <a:masterClrMapping/>
+  </p:clrMapOvr>
+  <p:timing>
+    <p:tnLst>
+      <p:par>
+        <p:cTn id="1" dur="indefinite" restart="never" nodeType="tmRoot">
+          <p:childTnLst>
+            <p:seq concurrent="1" nextAc="seek">
+              <p:cTn id="2" dur="indefinite" nodeType="mainSeq">
+                <p:childTnLst>
+                  <p:par>
+                    <p:cTn id="3" fill="hold">
+                      <p:stCondLst>
+                        <p:cond delay="indefinite"/>
+                      </p:stCondLst>
+                      <p:childTnLst>
+                        <p:par>
+                          <p:cTn id="4" fill="hold">
+                            <p:stCondLst>
+                              <p:cond delay="0"/>
+                            </p:stCondLst>
+                            <p:childTnLst>
+                              <p:par>
+                                <p:cTn id="5" presetID="1" presetClass="entr" presetSubtype="0" fill="hold" nodeType="clickEffect">
+                                  <p:stCondLst>
+                                    <p:cond delay="0"/>
+                                  </p:stCondLst>
+                                  <p:childTnLst>
+                                    <p:set>
+                                      <p:cBhvr>
+                                        <p:cTn id="6" dur="1" fill="hold">
+                                          <p:stCondLst>
+                                            <p:cond delay="0"/>
+                                          </p:stCondLst>
+                                        </p:cTn>
+                                        <p:tgtEl>
+                                          <p:spTgt spid="3">
+                                            <p:txEl>
+                                              <p:pRg st="3" end="3"/>
+                                            </p:txEl>
+                                          </p:spTgt>
+                                        </p:tgtEl>
+                                        <p:attrNameLst>
+                                          <p:attrName>style.visibility</p:attrName>
+                                        </p:attrNameLst>
+                                      </p:cBhvr>
+                                      <p:to>
+                                        <p:strVal val="visible"/>
+                                      </p:to>
+                                    </p:set>
+                                  </p:childTnLst>
+                                </p:cTn>
+                              </p:par>
+                              <p:par>
+                                <p:cTn id="7" presetID="1" presetClass="entr" presetSubtype="0" fill="hold" nodeType="withEffect">
+                                  <p:stCondLst>
+                                    <p:cond delay="0"/>
+                                  </p:stCondLst>
+                                  <p:childTnLst>
+                                    <p:set>
+                                      <p:cBhvr>
+                                        <p:cTn id="8" dur="1" fill="hold">
+                                          <p:stCondLst>
+                                            <p:cond delay="0"/>
+                                          </p:stCondLst>
+                                        </p:cTn>
+                                        <p:tgtEl>
+                                          <p:spTgt spid="3">
+                                            <p:txEl>
+                                              <p:pRg st="4" end="4"/>
+                                            </p:txEl>
+                                          </p:spTgt>
+                                        </p:tgtEl>
+                                        <p:attrNameLst>
+                                          <p:attrName>style.visibility</p:attrName>
+                                        </p:attrNameLst>
+                                      </p:cBhvr>
+                                      <p:to>
+                                        <p:strVal val="visible"/>
+                                      </p:to>
+                                    </p:set>
+                                  </p:childTnLst>
+                                </p:cTn>
+                              </p:par>
+                              <p:par>
+                                <p:cTn id="9" presetID="1" presetClass="entr" presetSubtype="0" fill="hold" nodeType="withEffect">
+                                  <p:stCondLst>
+                                    <p:cond delay="0"/>
+                                  </p:stCondLst>
+                                  <p:childTnLst>
+                                    <p:set>
+                                      <p:cBhvr>
+                                        <p:cTn id="10" dur="1" fill="hold">
+                                          <p:stCondLst>
+                                            <p:cond delay="0"/>
+                                          </p:stCondLst>
+                                        </p:cTn>
+                                        <p:tgtEl>
+                                          <p:spTgt spid="3">
+                                            <p:txEl>
+                                              <p:pRg st="5" end="5"/>
+                                            </p:txEl>
+                                          </p:spTgt>
+                                        </p:tgtEl>
+                                        <p:attrNameLst>
+                                          <p:attrName>style.visibility</p:attrName>
+                                        </p:attrNameLst>
+                                      </p:cBhvr>
+                                      <p:to>
+                                        <p:strVal val="visible"/>
+                                      </p:to>
+                                    </p:set>
+                                  </p:childTnLst>
+                                </p:cTn>
+                              </p:par>
+                            </p:childTnLst>
+                          </p:cTn>
+                        </p:par>
+                      </p:childTnLst>
+                    </p:cTn>
+                  </p:par>
+                </p:childTnLst>
+              </p:cTn>
+              <p:prevCondLst>
+                <p:cond evt="onPrev" delay="0">
+                  <p:tgtEl>
+                    <p:sldTgt/>
+                  </p:tgtEl>
+                </p:cond>
+              </p:prevCondLst>
+              <p:nextCondLst>
+                <p:cond evt="onNext" delay="0">
+                  <p:tgtEl>
+                    <p:sldTgt/>
+                  </p:tgtEl>
+                </p:cond>
+              </p:nextCondLst>
+            </p:seq>
+          </p:childTnLst>
+        </p:cTn>
+      </p:par>
+    </p:tnLst>
+  </p:timing>
+</p:sld>
+</file>
+
+<file path=ppt/slides/slide29.xml><?xml version="1.0" encoding="utf-8"?>
+<p:sld xmlns:a="http://schemas.openxmlformats.org/drawingml/2006/main" xmlns:r="http://schemas.openxmlformats.org/officeDocument/2006/relationships" xmlns:p="http://schemas.openxmlformats.org/presentationml/2006/main">
+  <p:cSld>
+    <p:spTree>
+      <p:nvGrpSpPr>
+        <p:cNvPr id="1" name=""/>
+        <p:cNvGrpSpPr/>
+        <p:nvPr/>
+      </p:nvGrpSpPr>
+      <p:grpSpPr>
+        <a:xfrm>
+          <a:off x="0" y="0"/>
+          <a:ext cx="0" cy="0"/>
+          <a:chOff x="0" y="0"/>
+          <a:chExt cx="0" cy="0"/>
+        </a:xfrm>
+      </p:grpSpPr>
+      <p:sp>
+        <p:nvSpPr>
+          <p:cNvPr id="2" name="Title 1">
+            <a:extLst>
+              <a:ext uri="{FF2B5EF4-FFF2-40B4-BE49-F238E27FC236}">
+                <a16:creationId xmlns:a16="http://schemas.microsoft.com/office/drawing/2014/main" id="{9358EAD8-D592-4ADB-A1C7-B5F6109250C1}"/>
+              </a:ext>
+            </a:extLst>
+          </p:cNvPr>
+          <p:cNvSpPr>
+            <a:spLocks noGrp="1"/>
+          </p:cNvSpPr>
+          <p:nvPr>
+            <p:ph type="title"/>
+          </p:nvPr>
+        </p:nvSpPr>
+        <p:spPr/>
+        <p:txBody>
+          <a:bodyPr/>
+          <a:lstStyle/>
+          <a:p>
+            <a:r>
+              <a:rPr lang="en-US" dirty="0"/>
+              <a:t>Results – Error Rates</a:t>
+            </a:r>
+          </a:p>
+        </p:txBody>
+      </p:sp>
+      <p:sp>
+        <p:nvSpPr>
+          <p:cNvPr id="3" name="Content Placeholder 2">
+            <a:extLst>
+              <a:ext uri="{FF2B5EF4-FFF2-40B4-BE49-F238E27FC236}">
+                <a16:creationId xmlns:a16="http://schemas.microsoft.com/office/drawing/2014/main" id="{7C7DDFCE-ACAC-49FE-A369-348D7D0AB610}"/>
+              </a:ext>
+            </a:extLst>
+          </p:cNvPr>
+          <p:cNvSpPr>
+            <a:spLocks noGrp="1"/>
+          </p:cNvSpPr>
+          <p:nvPr>
+            <p:ph idx="1"/>
+          </p:nvPr>
+        </p:nvSpPr>
+        <p:spPr>
+          <a:xfrm>
+            <a:off x="661167" y="2563845"/>
+            <a:ext cx="7666404" cy="3530600"/>
+          </a:xfrm>
+        </p:spPr>
+        <p:txBody>
+          <a:bodyPr/>
+          <a:lstStyle/>
+          <a:p>
+            <a:r>
+              <a:rPr lang="en-US" sz="2000" dirty="0"/>
+              <a:t>No significant main effect of age group</a:t>
+            </a:r>
+          </a:p>
+          <a:p>
+            <a:r>
+              <a:rPr lang="en-US" sz="2000" dirty="0"/>
+              <a:t>There was a significant main effect of trial type (</a:t>
+            </a:r>
+            <a:r>
+              <a:rPr lang="en-US" sz="2000" i="1" dirty="0"/>
+              <a:t>p</a:t>
+            </a:r>
+            <a:r>
+              <a:rPr lang="en-US" sz="2000" dirty="0"/>
+              <a:t> &lt; .001)</a:t>
+            </a:r>
+          </a:p>
+          <a:p>
+            <a:r>
+              <a:rPr lang="en-US" sz="2000" dirty="0"/>
+              <a:t>No significant interaction</a:t>
+            </a:r>
+            <a:endParaRPr lang="en-US" sz="1800" dirty="0"/>
+          </a:p>
+          <a:p>
+            <a:pPr marL="402336" lvl="1" indent="0">
+              <a:buNone/>
+            </a:pPr>
+            <a:endParaRPr lang="en-US" dirty="0"/>
+          </a:p>
+        </p:txBody>
+      </p:sp>
+    </p:spTree>
+    <p:extLst>
+      <p:ext uri="{BB962C8B-B14F-4D97-AF65-F5344CB8AC3E}">
+        <p14:creationId xmlns:p14="http://schemas.microsoft.com/office/powerpoint/2010/main" val="3287937216"/>
+      </p:ext>
+    </p:extLst>
+  </p:cSld>
+  <p:clrMapOvr>
+    <a:masterClrMapping/>
+  </p:clrMapOvr>
+</p:sld>
+</file>
+
+<file path=ppt/slides/slide3.xml><?xml version="1.0" encoding="utf-8"?>
+<p:sld xmlns:a="http://schemas.openxmlformats.org/drawingml/2006/main" xmlns:r="http://schemas.openxmlformats.org/officeDocument/2006/relationships" xmlns:p="http://schemas.openxmlformats.org/presentationml/2006/main">
+  <p:cSld>
+    <p:spTree>
+      <p:nvGrpSpPr>
+        <p:cNvPr id="1" name=""/>
+        <p:cNvGrpSpPr/>
+        <p:nvPr/>
+      </p:nvGrpSpPr>
+      <p:grpSpPr>
+        <a:xfrm>
+          <a:off x="0" y="0"/>
+          <a:ext cx="0" cy="0"/>
+          <a:chOff x="0" y="0"/>
+          <a:chExt cx="0" cy="0"/>
+        </a:xfrm>
+      </p:grpSpPr>
+      <p:sp>
+        <p:nvSpPr>
+          <p:cNvPr id="2" name="Title 1">
+            <a:extLst>
+              <a:ext uri="{FF2B5EF4-FFF2-40B4-BE49-F238E27FC236}">
+                <a16:creationId xmlns:a16="http://schemas.microsoft.com/office/drawing/2014/main" id="{543B3268-E9EA-44E4-ACDD-CE6AB485DB7F}"/>
+              </a:ext>
+            </a:extLst>
+          </p:cNvPr>
+          <p:cNvSpPr>
+            <a:spLocks noGrp="1"/>
+          </p:cNvSpPr>
+          <p:nvPr>
+            <p:ph type="title"/>
+          </p:nvPr>
+        </p:nvSpPr>
+        <p:spPr/>
+        <p:txBody>
+          <a:bodyPr/>
+          <a:lstStyle/>
+          <a:p>
+            <a:r>
+              <a:rPr lang="en-US" dirty="0"/>
+              <a:t>Introduction</a:t>
+            </a:r>
+          </a:p>
+        </p:txBody>
+      </p:sp>
+      <p:sp>
+        <p:nvSpPr>
+          <p:cNvPr id="3" name="Content Placeholder 2">
+            <a:extLst>
+              <a:ext uri="{FF2B5EF4-FFF2-40B4-BE49-F238E27FC236}">
+                <a16:creationId xmlns:a16="http://schemas.microsoft.com/office/drawing/2014/main" id="{5E7555E2-8326-4748-BCA4-EEAC4266F2D8}"/>
+              </a:ext>
+            </a:extLst>
+          </p:cNvPr>
+          <p:cNvSpPr>
+            <a:spLocks noGrp="1"/>
+          </p:cNvSpPr>
+          <p:nvPr>
+            <p:ph idx="1"/>
+          </p:nvPr>
+        </p:nvSpPr>
+        <p:spPr>
+          <a:xfrm>
+            <a:off x="519247" y="2334409"/>
+            <a:ext cx="8363495" cy="4410636"/>
+          </a:xfrm>
+        </p:spPr>
+        <p:txBody>
+          <a:bodyPr>
+            <a:normAutofit/>
+          </a:bodyPr>
+          <a:lstStyle/>
+          <a:p>
+            <a:r>
+              <a:rPr lang="en-US" sz="2400" dirty="0">
+                <a:solidFill>
+                  <a:schemeClr val="tx1"/>
+                </a:solidFill>
+              </a:rPr>
+              <a:t>Reaction times are slower when participants are forced to alternate between tasks relative to completing only one task</a:t>
+            </a:r>
+          </a:p>
+          <a:p>
+            <a:r>
+              <a:rPr lang="en-US" sz="2400" dirty="0">
+                <a:solidFill>
+                  <a:schemeClr val="tx1"/>
+                </a:solidFill>
+              </a:rPr>
+              <a:t>Participants also commit more errors when task-switching</a:t>
+            </a:r>
+          </a:p>
+          <a:p>
+            <a:endParaRPr lang="en-US" sz="2000" dirty="0">
+              <a:solidFill>
+                <a:schemeClr val="tx1"/>
+              </a:solidFill>
+            </a:endParaRPr>
+          </a:p>
+        </p:txBody>
+      </p:sp>
+    </p:spTree>
+    <p:extLst>
+      <p:ext uri="{BB962C8B-B14F-4D97-AF65-F5344CB8AC3E}">
+        <p14:creationId xmlns:p14="http://schemas.microsoft.com/office/powerpoint/2010/main" val="3524155452"/>
+      </p:ext>
+    </p:extLst>
+  </p:cSld>
+  <p:clrMapOvr>
+    <a:masterClrMapping/>
+  </p:clrMapOvr>
+  <p:timing>
+    <p:tnLst>
+      <p:par>
+        <p:cTn id="1" dur="indefinite" restart="never" nodeType="tmRoot">
+          <p:childTnLst>
+            <p:seq concurrent="1" nextAc="seek">
+              <p:cTn id="2" dur="indefinite" nodeType="mainSeq">
+                <p:childTnLst>
+                  <p:par>
+                    <p:cTn id="3" fill="hold">
+                      <p:stCondLst>
+                        <p:cond delay="indefinite"/>
+                      </p:stCondLst>
+                      <p:childTnLst>
+                        <p:par>
+                          <p:cTn id="4" fill="hold">
+                            <p:stCondLst>
+                              <p:cond delay="0"/>
+                            </p:stCondLst>
+                            <p:childTnLst>
+                              <p:par>
+                                <p:cTn id="5" presetID="1" presetClass="entr" presetSubtype="0" fill="hold" nodeType="clickEffect">
+                                  <p:stCondLst>
+                                    <p:cond delay="0"/>
+                                  </p:stCondLst>
+                                  <p:childTnLst>
+                                    <p:set>
+                                      <p:cBhvr>
+                                        <p:cTn id="6" dur="1" fill="hold">
+                                          <p:stCondLst>
+                                            <p:cond delay="0"/>
+                                          </p:stCondLst>
+                                        </p:cTn>
+                                        <p:tgtEl>
+                                          <p:spTgt spid="3">
+                                            <p:txEl>
+                                              <p:pRg st="1" end="1"/>
+                                            </p:txEl>
+                                          </p:spTgt>
+                                        </p:tgtEl>
+                                        <p:attrNameLst>
+                                          <p:attrName>style.visibility</p:attrName>
+                                        </p:attrNameLst>
+                                      </p:cBhvr>
+                                      <p:to>
+                                        <p:strVal val="visible"/>
+                                      </p:to>
+                                    </p:set>
+                                  </p:childTnLst>
+                                </p:cTn>
+                              </p:par>
+                            </p:childTnLst>
+                          </p:cTn>
+                        </p:par>
+                      </p:childTnLst>
+                    </p:cTn>
+                  </p:par>
+                </p:childTnLst>
+              </p:cTn>
+              <p:prevCondLst>
+                <p:cond evt="onPrev" delay="0">
+                  <p:tgtEl>
+                    <p:sldTgt/>
+                  </p:tgtEl>
+                </p:cond>
+              </p:prevCondLst>
+              <p:nextCondLst>
+                <p:cond evt="onNext" delay="0">
+                  <p:tgtEl>
+                    <p:sldTgt/>
+                  </p:tgtEl>
+                </p:cond>
+              </p:nextCondLst>
+            </p:seq>
+          </p:childTnLst>
+        </p:cTn>
+      </p:par>
+    </p:tnLst>
+  </p:timing>
+</p:sld>
+</file>
+
+<file path=ppt/slides/slide30.xml><?xml version="1.0" encoding="utf-8"?>
 <p:sld xmlns:a="http://schemas.openxmlformats.org/drawingml/2006/main" xmlns:r="http://schemas.openxmlformats.org/officeDocument/2006/relationships" xmlns:p="http://schemas.openxmlformats.org/presentationml/2006/main">
   <p:cSld>
     <p:spTree>
@@ -32318,7 +33550,7 @@
             <p:ph idx="4294967295"/>
             <p:extLst>
               <p:ext uri="{D42A27DB-BD31-4B8C-83A1-F6EECF244321}">
-                <p14:modId xmlns:p14="http://schemas.microsoft.com/office/powerpoint/2010/main" val="1207588275"/>
+                <p14:modId xmlns:p14="http://schemas.microsoft.com/office/powerpoint/2010/main" val="3825422255"/>
               </p:ext>
             </p:extLst>
           </p:nvPr>
@@ -32346,7 +33578,349 @@
 </p:sld>
 </file>
 
-<file path=ppt/slides/slide26.xml><?xml version="1.0" encoding="utf-8"?>
+<file path=ppt/slides/slide31.xml><?xml version="1.0" encoding="utf-8"?>
+<p:sld xmlns:a="http://schemas.openxmlformats.org/drawingml/2006/main" xmlns:r="http://schemas.openxmlformats.org/officeDocument/2006/relationships" xmlns:p="http://schemas.openxmlformats.org/presentationml/2006/main">
+  <p:cSld>
+    <p:spTree>
+      <p:nvGrpSpPr>
+        <p:cNvPr id="1" name=""/>
+        <p:cNvGrpSpPr/>
+        <p:nvPr/>
+      </p:nvGrpSpPr>
+      <p:grpSpPr>
+        <a:xfrm>
+          <a:off x="0" y="0"/>
+          <a:ext cx="0" cy="0"/>
+          <a:chOff x="0" y="0"/>
+          <a:chExt cx="0" cy="0"/>
+        </a:xfrm>
+      </p:grpSpPr>
+      <p:sp>
+        <p:nvSpPr>
+          <p:cNvPr id="2" name="Title 1">
+            <a:extLst>
+              <a:ext uri="{FF2B5EF4-FFF2-40B4-BE49-F238E27FC236}">
+                <a16:creationId xmlns:a16="http://schemas.microsoft.com/office/drawing/2014/main" id="{9358EAD8-D592-4ADB-A1C7-B5F6109250C1}"/>
+              </a:ext>
+            </a:extLst>
+          </p:cNvPr>
+          <p:cNvSpPr>
+            <a:spLocks noGrp="1"/>
+          </p:cNvSpPr>
+          <p:nvPr>
+            <p:ph type="title"/>
+          </p:nvPr>
+        </p:nvSpPr>
+        <p:spPr/>
+        <p:txBody>
+          <a:bodyPr/>
+          <a:lstStyle/>
+          <a:p>
+            <a:r>
+              <a:rPr lang="en-US" dirty="0"/>
+              <a:t>Results – Error Rates (Local and Global Costs)</a:t>
+            </a:r>
+          </a:p>
+        </p:txBody>
+      </p:sp>
+      <p:sp>
+        <p:nvSpPr>
+          <p:cNvPr id="3" name="Content Placeholder 2">
+            <a:extLst>
+              <a:ext uri="{FF2B5EF4-FFF2-40B4-BE49-F238E27FC236}">
+                <a16:creationId xmlns:a16="http://schemas.microsoft.com/office/drawing/2014/main" id="{7C7DDFCE-ACAC-49FE-A369-348D7D0AB610}"/>
+              </a:ext>
+            </a:extLst>
+          </p:cNvPr>
+          <p:cNvSpPr>
+            <a:spLocks noGrp="1"/>
+          </p:cNvSpPr>
+          <p:nvPr>
+            <p:ph idx="1"/>
+          </p:nvPr>
+        </p:nvSpPr>
+        <p:spPr>
+          <a:xfrm>
+            <a:off x="661167" y="2563845"/>
+            <a:ext cx="7715390" cy="3530600"/>
+          </a:xfrm>
+        </p:spPr>
+        <p:txBody>
+          <a:bodyPr/>
+          <a:lstStyle/>
+          <a:p>
+            <a:r>
+              <a:rPr lang="en-US" sz="2000" dirty="0"/>
+              <a:t>No significant main effect of age group</a:t>
+            </a:r>
+          </a:p>
+          <a:p>
+            <a:r>
+              <a:rPr lang="en-US" sz="2000" dirty="0"/>
+              <a:t>There was a significant main effect of trial type (</a:t>
+            </a:r>
+            <a:r>
+              <a:rPr lang="en-US" sz="2000" i="1" dirty="0"/>
+              <a:t>p</a:t>
+            </a:r>
+            <a:r>
+              <a:rPr lang="en-US" sz="2000" dirty="0"/>
+              <a:t> &lt; .001)</a:t>
+            </a:r>
+          </a:p>
+          <a:p>
+            <a:r>
+              <a:rPr lang="en-US" sz="2000" dirty="0"/>
+              <a:t>No significant interaction</a:t>
+            </a:r>
+            <a:endParaRPr lang="en-US" dirty="0"/>
+          </a:p>
+          <a:p>
+            <a:pPr marL="402336" lvl="1" indent="0">
+              <a:buNone/>
+            </a:pPr>
+            <a:endParaRPr lang="en-US" dirty="0"/>
+          </a:p>
+        </p:txBody>
+      </p:sp>
+    </p:spTree>
+    <p:extLst>
+      <p:ext uri="{BB962C8B-B14F-4D97-AF65-F5344CB8AC3E}">
+        <p14:creationId xmlns:p14="http://schemas.microsoft.com/office/powerpoint/2010/main" val="3812686090"/>
+      </p:ext>
+    </p:extLst>
+  </p:cSld>
+  <p:clrMapOvr>
+    <a:masterClrMapping/>
+  </p:clrMapOvr>
+</p:sld>
+</file>
+
+<file path=ppt/slides/slide32.xml><?xml version="1.0" encoding="utf-8"?>
+<p:sld xmlns:a="http://schemas.openxmlformats.org/drawingml/2006/main" xmlns:r="http://schemas.openxmlformats.org/officeDocument/2006/relationships" xmlns:p="http://schemas.openxmlformats.org/presentationml/2006/main">
+  <p:cSld>
+    <p:spTree>
+      <p:nvGrpSpPr>
+        <p:cNvPr id="1" name=""/>
+        <p:cNvGrpSpPr/>
+        <p:nvPr/>
+      </p:nvGrpSpPr>
+      <p:grpSpPr>
+        <a:xfrm>
+          <a:off x="0" y="0"/>
+          <a:ext cx="0" cy="0"/>
+          <a:chOff x="0" y="0"/>
+          <a:chExt cx="0" cy="0"/>
+        </a:xfrm>
+      </p:grpSpPr>
+      <p:sp>
+        <p:nvSpPr>
+          <p:cNvPr id="2" name="Title 1">
+            <a:extLst>
+              <a:ext uri="{FF2B5EF4-FFF2-40B4-BE49-F238E27FC236}">
+                <a16:creationId xmlns:a16="http://schemas.microsoft.com/office/drawing/2014/main" id="{F65B857A-6166-41F0-A5E2-11ABA91F0A34}"/>
+              </a:ext>
+            </a:extLst>
+          </p:cNvPr>
+          <p:cNvSpPr>
+            <a:spLocks noGrp="1"/>
+          </p:cNvSpPr>
+          <p:nvPr>
+            <p:ph type="title" idx="4294967295"/>
+          </p:nvPr>
+        </p:nvSpPr>
+        <p:spPr>
+          <a:xfrm>
+            <a:off x="150607" y="86064"/>
+            <a:ext cx="7239238" cy="709613"/>
+          </a:xfrm>
+        </p:spPr>
+        <p:txBody>
+          <a:bodyPr/>
+          <a:lstStyle/>
+          <a:p>
+            <a:r>
+              <a:rPr lang="en-US" b="1" dirty="0">
+                <a:solidFill>
+                  <a:schemeClr val="tx1"/>
+                </a:solidFill>
+              </a:rPr>
+              <a:t>Results – Error Rates (Local vs Global Costs)</a:t>
+            </a:r>
+          </a:p>
+        </p:txBody>
+      </p:sp>
+      <p:graphicFrame>
+        <p:nvGraphicFramePr>
+          <p:cNvPr id="5" name="Content Placeholder 4">
+            <a:extLst>
+              <a:ext uri="{FF2B5EF4-FFF2-40B4-BE49-F238E27FC236}">
+                <a16:creationId xmlns:a16="http://schemas.microsoft.com/office/drawing/2014/main" id="{C7397290-D9C7-49D2-AFDD-57E88AA3F863}"/>
+              </a:ext>
+            </a:extLst>
+          </p:cNvPr>
+          <p:cNvGraphicFramePr>
+            <a:graphicFrameLocks noGrp="1"/>
+          </p:cNvGraphicFramePr>
+          <p:nvPr>
+            <p:ph idx="4294967295"/>
+            <p:extLst>
+              <p:ext uri="{D42A27DB-BD31-4B8C-83A1-F6EECF244321}">
+                <p14:modId xmlns:p14="http://schemas.microsoft.com/office/powerpoint/2010/main" val="851103507"/>
+              </p:ext>
+            </p:extLst>
+          </p:nvPr>
+        </p:nvGraphicFramePr>
+        <p:xfrm>
+          <a:off x="268941" y="1387736"/>
+          <a:ext cx="8218842" cy="5217459"/>
+        </p:xfrm>
+        <a:graphic>
+          <a:graphicData uri="http://schemas.openxmlformats.org/drawingml/2006/chart">
+            <c:chart xmlns:c="http://schemas.openxmlformats.org/drawingml/2006/chart" xmlns:r="http://schemas.openxmlformats.org/officeDocument/2006/relationships" r:id="rId3"/>
+          </a:graphicData>
+        </a:graphic>
+      </p:graphicFrame>
+    </p:spTree>
+    <p:extLst>
+      <p:ext uri="{BB962C8B-B14F-4D97-AF65-F5344CB8AC3E}">
+        <p14:creationId xmlns:p14="http://schemas.microsoft.com/office/powerpoint/2010/main" val="2370518464"/>
+      </p:ext>
+    </p:extLst>
+  </p:cSld>
+  <p:clrMapOvr>
+    <a:masterClrMapping/>
+  </p:clrMapOvr>
+</p:sld>
+</file>
+
+<file path=ppt/slides/slide33.xml><?xml version="1.0" encoding="utf-8"?>
+<p:sld xmlns:a="http://schemas.openxmlformats.org/drawingml/2006/main" xmlns:r="http://schemas.openxmlformats.org/officeDocument/2006/relationships" xmlns:p="http://schemas.openxmlformats.org/presentationml/2006/main">
+  <p:cSld>
+    <p:spTree>
+      <p:nvGrpSpPr>
+        <p:cNvPr id="1" name=""/>
+        <p:cNvGrpSpPr/>
+        <p:nvPr/>
+      </p:nvGrpSpPr>
+      <p:grpSpPr>
+        <a:xfrm>
+          <a:off x="0" y="0"/>
+          <a:ext cx="0" cy="0"/>
+          <a:chOff x="0" y="0"/>
+          <a:chExt cx="0" cy="0"/>
+        </a:xfrm>
+      </p:grpSpPr>
+      <p:sp>
+        <p:nvSpPr>
+          <p:cNvPr id="2" name="Title 1">
+            <a:extLst>
+              <a:ext uri="{FF2B5EF4-FFF2-40B4-BE49-F238E27FC236}">
+                <a16:creationId xmlns:a16="http://schemas.microsoft.com/office/drawing/2014/main" id="{9358EAD8-D592-4ADB-A1C7-B5F6109250C1}"/>
+              </a:ext>
+            </a:extLst>
+          </p:cNvPr>
+          <p:cNvSpPr>
+            <a:spLocks noGrp="1"/>
+          </p:cNvSpPr>
+          <p:nvPr>
+            <p:ph type="title"/>
+          </p:nvPr>
+        </p:nvSpPr>
+        <p:spPr/>
+        <p:txBody>
+          <a:bodyPr/>
+          <a:lstStyle/>
+          <a:p>
+            <a:r>
+              <a:rPr lang="en-US" dirty="0"/>
+              <a:t>Results – Reaction Times</a:t>
+            </a:r>
+          </a:p>
+        </p:txBody>
+      </p:sp>
+      <p:sp>
+        <p:nvSpPr>
+          <p:cNvPr id="3" name="Content Placeholder 2">
+            <a:extLst>
+              <a:ext uri="{FF2B5EF4-FFF2-40B4-BE49-F238E27FC236}">
+                <a16:creationId xmlns:a16="http://schemas.microsoft.com/office/drawing/2014/main" id="{7C7DDFCE-ACAC-49FE-A369-348D7D0AB610}"/>
+              </a:ext>
+            </a:extLst>
+          </p:cNvPr>
+          <p:cNvSpPr>
+            <a:spLocks noGrp="1"/>
+          </p:cNvSpPr>
+          <p:nvPr>
+            <p:ph idx="1"/>
+          </p:nvPr>
+        </p:nvSpPr>
+        <p:spPr>
+          <a:xfrm>
+            <a:off x="661167" y="2563845"/>
+            <a:ext cx="8112719" cy="3530600"/>
+          </a:xfrm>
+        </p:spPr>
+        <p:txBody>
+          <a:bodyPr/>
+          <a:lstStyle/>
+          <a:p>
+            <a:r>
+              <a:rPr lang="en-US" sz="2000" dirty="0"/>
+              <a:t>Significant main effect of age group (</a:t>
+            </a:r>
+            <a:r>
+              <a:rPr lang="en-US" sz="2000" i="1" dirty="0"/>
+              <a:t>p</a:t>
+            </a:r>
+            <a:r>
+              <a:rPr lang="en-US" sz="2000" dirty="0"/>
+              <a:t> &lt; .001)</a:t>
+            </a:r>
+          </a:p>
+          <a:p>
+            <a:r>
+              <a:rPr lang="en-US" sz="2000" dirty="0"/>
+              <a:t>There was a significant main effect of trial type (</a:t>
+            </a:r>
+            <a:r>
+              <a:rPr lang="en-US" sz="2000" i="1" dirty="0"/>
+              <a:t>p</a:t>
+            </a:r>
+            <a:r>
+              <a:rPr lang="en-US" sz="2000" dirty="0"/>
+              <a:t> &lt; .001)</a:t>
+            </a:r>
+          </a:p>
+          <a:p>
+            <a:r>
+              <a:rPr lang="en-US" sz="2000" dirty="0"/>
+              <a:t>Significant interaction (p &lt; .001)</a:t>
+            </a:r>
+            <a:endParaRPr lang="en-US" sz="1800" dirty="0"/>
+          </a:p>
+          <a:p>
+            <a:pPr marL="402336" lvl="1" indent="0">
+              <a:buNone/>
+            </a:pPr>
+            <a:endParaRPr lang="en-US" dirty="0"/>
+          </a:p>
+        </p:txBody>
+      </p:sp>
+    </p:spTree>
+    <p:extLst>
+      <p:ext uri="{BB962C8B-B14F-4D97-AF65-F5344CB8AC3E}">
+        <p14:creationId xmlns:p14="http://schemas.microsoft.com/office/powerpoint/2010/main" val="1089532284"/>
+      </p:ext>
+    </p:extLst>
+  </p:cSld>
+  <p:clrMapOvr>
+    <a:masterClrMapping/>
+  </p:clrMapOvr>
+</p:sld>
+</file>
+
+<file path=ppt/slides/slide34.xml><?xml version="1.0" encoding="utf-8"?>
 <p:sld xmlns:a="http://schemas.openxmlformats.org/drawingml/2006/main" xmlns:r="http://schemas.openxmlformats.org/officeDocument/2006/relationships" xmlns:p="http://schemas.openxmlformats.org/presentationml/2006/main">
   <p:cSld>
     <p:spTree>
@@ -32395,7 +33969,7 @@
                   <a:schemeClr val="tx1"/>
                 </a:solidFill>
               </a:rPr>
-              <a:t>Results – Error Rates (Local vs Global Costs)</a:t>
+              <a:t>Results – Reaction Times</a:t>
             </a:r>
           </a:p>
         </p:txBody>
@@ -32414,12 +33988,16 @@
           </p:cNvGraphicFramePr>
           <p:nvPr>
             <p:ph idx="4294967295"/>
-            <p:extLst/>
+            <p:extLst>
+              <p:ext uri="{D42A27DB-BD31-4B8C-83A1-F6EECF244321}">
+                <p14:modId xmlns:p14="http://schemas.microsoft.com/office/powerpoint/2010/main" val="829318047"/>
+              </p:ext>
+            </p:extLst>
           </p:nvPr>
         </p:nvGraphicFramePr>
         <p:xfrm>
-          <a:off x="268941" y="1387736"/>
-          <a:ext cx="8218842" cy="5217459"/>
+          <a:off x="268941" y="1387737"/>
+          <a:ext cx="8218842" cy="5271247"/>
         </p:xfrm>
         <a:graphic>
           <a:graphicData uri="http://schemas.openxmlformats.org/drawingml/2006/chart">
@@ -32430,7 +34008,7 @@
     </p:spTree>
     <p:extLst>
       <p:ext uri="{BB962C8B-B14F-4D97-AF65-F5344CB8AC3E}">
-        <p14:creationId xmlns:p14="http://schemas.microsoft.com/office/powerpoint/2010/main" val="2370518464"/>
+        <p14:creationId xmlns:p14="http://schemas.microsoft.com/office/powerpoint/2010/main" val="1085176911"/>
       </p:ext>
     </p:extLst>
   </p:cSld>
@@ -32440,7 +34018,133 @@
 </p:sld>
 </file>
 
-<file path=ppt/slides/slide27.xml><?xml version="1.0" encoding="utf-8"?>
+<file path=ppt/slides/slide35.xml><?xml version="1.0" encoding="utf-8"?>
+<p:sld xmlns:a="http://schemas.openxmlformats.org/drawingml/2006/main" xmlns:r="http://schemas.openxmlformats.org/officeDocument/2006/relationships" xmlns:p="http://schemas.openxmlformats.org/presentationml/2006/main">
+  <p:cSld>
+    <p:spTree>
+      <p:nvGrpSpPr>
+        <p:cNvPr id="1" name=""/>
+        <p:cNvGrpSpPr/>
+        <p:nvPr/>
+      </p:nvGrpSpPr>
+      <p:grpSpPr>
+        <a:xfrm>
+          <a:off x="0" y="0"/>
+          <a:ext cx="0" cy="0"/>
+          <a:chOff x="0" y="0"/>
+          <a:chExt cx="0" cy="0"/>
+        </a:xfrm>
+      </p:grpSpPr>
+      <p:sp>
+        <p:nvSpPr>
+          <p:cNvPr id="2" name="Title 1">
+            <a:extLst>
+              <a:ext uri="{FF2B5EF4-FFF2-40B4-BE49-F238E27FC236}">
+                <a16:creationId xmlns:a16="http://schemas.microsoft.com/office/drawing/2014/main" id="{9358EAD8-D592-4ADB-A1C7-B5F6109250C1}"/>
+              </a:ext>
+            </a:extLst>
+          </p:cNvPr>
+          <p:cNvSpPr>
+            <a:spLocks noGrp="1"/>
+          </p:cNvSpPr>
+          <p:nvPr>
+            <p:ph type="title"/>
+          </p:nvPr>
+        </p:nvSpPr>
+        <p:spPr/>
+        <p:txBody>
+          <a:bodyPr/>
+          <a:lstStyle/>
+          <a:p>
+            <a:r>
+              <a:rPr lang="en-US" dirty="0"/>
+              <a:t>Results – Reaction Times (Local vs Global Costs)</a:t>
+            </a:r>
+          </a:p>
+        </p:txBody>
+      </p:sp>
+      <p:sp>
+        <p:nvSpPr>
+          <p:cNvPr id="3" name="Content Placeholder 2">
+            <a:extLst>
+              <a:ext uri="{FF2B5EF4-FFF2-40B4-BE49-F238E27FC236}">
+                <a16:creationId xmlns:a16="http://schemas.microsoft.com/office/drawing/2014/main" id="{7C7DDFCE-ACAC-49FE-A369-348D7D0AB610}"/>
+              </a:ext>
+            </a:extLst>
+          </p:cNvPr>
+          <p:cNvSpPr>
+            <a:spLocks noGrp="1"/>
+          </p:cNvSpPr>
+          <p:nvPr>
+            <p:ph idx="1"/>
+          </p:nvPr>
+        </p:nvSpPr>
+        <p:spPr>
+          <a:xfrm>
+            <a:off x="661167" y="2563845"/>
+            <a:ext cx="8112719" cy="3530600"/>
+          </a:xfrm>
+        </p:spPr>
+        <p:txBody>
+          <a:bodyPr/>
+          <a:lstStyle/>
+          <a:p>
+            <a:r>
+              <a:rPr lang="en-US" sz="2000" dirty="0"/>
+              <a:t>Significant main effect of age group (</a:t>
+            </a:r>
+            <a:r>
+              <a:rPr lang="en-US" sz="2000" i="1" dirty="0"/>
+              <a:t>p</a:t>
+            </a:r>
+            <a:r>
+              <a:rPr lang="en-US" sz="2000" dirty="0"/>
+              <a:t> &lt; .001)</a:t>
+            </a:r>
+          </a:p>
+          <a:p>
+            <a:r>
+              <a:rPr lang="en-US" sz="2000" dirty="0"/>
+              <a:t>There was a significant main effect of trial type (</a:t>
+            </a:r>
+            <a:r>
+              <a:rPr lang="en-US" sz="2000" i="1" dirty="0"/>
+              <a:t>p</a:t>
+            </a:r>
+            <a:r>
+              <a:rPr lang="en-US" sz="2000" dirty="0"/>
+              <a:t> &lt; .001)</a:t>
+            </a:r>
+          </a:p>
+          <a:p>
+            <a:r>
+              <a:rPr lang="en-US" sz="2000" dirty="0"/>
+              <a:t>Significant interaction (p &lt; .001)</a:t>
+            </a:r>
+            <a:endParaRPr lang="en-US" sz="1800" dirty="0"/>
+          </a:p>
+          <a:p>
+            <a:pPr marL="402336" lvl="1" indent="0">
+              <a:buNone/>
+            </a:pPr>
+            <a:endParaRPr lang="en-US" dirty="0"/>
+          </a:p>
+        </p:txBody>
+      </p:sp>
+    </p:spTree>
+    <p:extLst>
+      <p:ext uri="{BB962C8B-B14F-4D97-AF65-F5344CB8AC3E}">
+        <p14:creationId xmlns:p14="http://schemas.microsoft.com/office/powerpoint/2010/main" val="2787667775"/>
+      </p:ext>
+    </p:extLst>
+  </p:cSld>
+  <p:clrMapOvr>
+    <a:masterClrMapping/>
+  </p:clrMapOvr>
+</p:sld>
+</file>
+
+<file path=ppt/slides/slide36.xml><?xml version="1.0" encoding="utf-8"?>
 <p:sld xmlns:a="http://schemas.openxmlformats.org/drawingml/2006/main" xmlns:r="http://schemas.openxmlformats.org/officeDocument/2006/relationships" xmlns:p="http://schemas.openxmlformats.org/presentationml/2006/main">
   <p:cSld>
     <p:spTree>
@@ -32476,7 +34180,7 @@
         <p:spPr>
           <a:xfrm>
             <a:off x="150607" y="86064"/>
-            <a:ext cx="6343650" cy="709613"/>
+            <a:ext cx="7239238" cy="709613"/>
           </a:xfrm>
         </p:spPr>
         <p:txBody>
@@ -32489,7 +34193,7 @@
                   <a:schemeClr val="tx1"/>
                 </a:solidFill>
               </a:rPr>
-              <a:t>Results – Reaction Times</a:t>
+              <a:t>Results – Reaction Times (Local vs Global Costs)</a:t>
             </a:r>
           </a:p>
         </p:txBody>
@@ -32510,14 +34214,14 @@
             <p:ph idx="4294967295"/>
             <p:extLst>
               <p:ext uri="{D42A27DB-BD31-4B8C-83A1-F6EECF244321}">
-                <p14:modId xmlns:p14="http://schemas.microsoft.com/office/powerpoint/2010/main" val="1145084121"/>
+                <p14:modId xmlns:p14="http://schemas.microsoft.com/office/powerpoint/2010/main" val="1980419477"/>
               </p:ext>
             </p:extLst>
           </p:nvPr>
         </p:nvGraphicFramePr>
         <p:xfrm>
-          <a:off x="268941" y="1387737"/>
-          <a:ext cx="8218842" cy="5271247"/>
+          <a:off x="268941" y="1387736"/>
+          <a:ext cx="8218842" cy="5217459"/>
         </p:xfrm>
         <a:graphic>
           <a:graphicData uri="http://schemas.openxmlformats.org/drawingml/2006/chart">
@@ -32528,7 +34232,7 @@
     </p:spTree>
     <p:extLst>
       <p:ext uri="{BB962C8B-B14F-4D97-AF65-F5344CB8AC3E}">
-        <p14:creationId xmlns:p14="http://schemas.microsoft.com/office/powerpoint/2010/main" val="1085176911"/>
+        <p14:creationId xmlns:p14="http://schemas.microsoft.com/office/powerpoint/2010/main" val="3758018458"/>
       </p:ext>
     </p:extLst>
   </p:cSld>
@@ -32538,101 +34242,7 @@
 </p:sld>
 </file>
 
-<file path=ppt/slides/slide28.xml><?xml version="1.0" encoding="utf-8"?>
-<p:sld xmlns:a="http://schemas.openxmlformats.org/drawingml/2006/main" xmlns:r="http://schemas.openxmlformats.org/officeDocument/2006/relationships" xmlns:p="http://schemas.openxmlformats.org/presentationml/2006/main">
-  <p:cSld>
-    <p:spTree>
-      <p:nvGrpSpPr>
-        <p:cNvPr id="1" name=""/>
-        <p:cNvGrpSpPr/>
-        <p:nvPr/>
-      </p:nvGrpSpPr>
-      <p:grpSpPr>
-        <a:xfrm>
-          <a:off x="0" y="0"/>
-          <a:ext cx="0" cy="0"/>
-          <a:chOff x="0" y="0"/>
-          <a:chExt cx="0" cy="0"/>
-        </a:xfrm>
-      </p:grpSpPr>
-      <p:sp>
-        <p:nvSpPr>
-          <p:cNvPr id="2" name="Title 1">
-            <a:extLst>
-              <a:ext uri="{FF2B5EF4-FFF2-40B4-BE49-F238E27FC236}">
-                <a16:creationId xmlns:a16="http://schemas.microsoft.com/office/drawing/2014/main" id="{F65B857A-6166-41F0-A5E2-11ABA91F0A34}"/>
-              </a:ext>
-            </a:extLst>
-          </p:cNvPr>
-          <p:cNvSpPr>
-            <a:spLocks noGrp="1"/>
-          </p:cNvSpPr>
-          <p:nvPr>
-            <p:ph type="title" idx="4294967295"/>
-          </p:nvPr>
-        </p:nvSpPr>
-        <p:spPr>
-          <a:xfrm>
-            <a:off x="150607" y="86064"/>
-            <a:ext cx="6343650" cy="709613"/>
-          </a:xfrm>
-        </p:spPr>
-        <p:txBody>
-          <a:bodyPr/>
-          <a:lstStyle/>
-          <a:p>
-            <a:r>
-              <a:rPr lang="en-US" b="1" dirty="0">
-                <a:solidFill>
-                  <a:schemeClr val="tx1"/>
-                </a:solidFill>
-              </a:rPr>
-              <a:t>Results – Reaction Times (Local vs Global Costs)</a:t>
-            </a:r>
-          </a:p>
-        </p:txBody>
-      </p:sp>
-      <p:graphicFrame>
-        <p:nvGraphicFramePr>
-          <p:cNvPr id="5" name="Content Placeholder 4">
-            <a:extLst>
-              <a:ext uri="{FF2B5EF4-FFF2-40B4-BE49-F238E27FC236}">
-                <a16:creationId xmlns:a16="http://schemas.microsoft.com/office/drawing/2014/main" id="{C7397290-D9C7-49D2-AFDD-57E88AA3F863}"/>
-              </a:ext>
-            </a:extLst>
-          </p:cNvPr>
-          <p:cNvGraphicFramePr>
-            <a:graphicFrameLocks noGrp="1"/>
-          </p:cNvGraphicFramePr>
-          <p:nvPr>
-            <p:ph idx="4294967295"/>
-            <p:extLst/>
-          </p:nvPr>
-        </p:nvGraphicFramePr>
-        <p:xfrm>
-          <a:off x="268941" y="1387737"/>
-          <a:ext cx="8218842" cy="5271247"/>
-        </p:xfrm>
-        <a:graphic>
-          <a:graphicData uri="http://schemas.openxmlformats.org/drawingml/2006/chart">
-            <c:chart xmlns:c="http://schemas.openxmlformats.org/drawingml/2006/chart" xmlns:r="http://schemas.openxmlformats.org/officeDocument/2006/relationships" r:id="rId3"/>
-          </a:graphicData>
-        </a:graphic>
-      </p:graphicFrame>
-    </p:spTree>
-    <p:extLst>
-      <p:ext uri="{BB962C8B-B14F-4D97-AF65-F5344CB8AC3E}">
-        <p14:creationId xmlns:p14="http://schemas.microsoft.com/office/powerpoint/2010/main" val="2514899935"/>
-      </p:ext>
-    </p:extLst>
-  </p:cSld>
-  <p:clrMapOvr>
-    <a:masterClrMapping/>
-  </p:clrMapOvr>
-</p:sld>
-</file>
-
-<file path=ppt/slides/slide29.xml><?xml version="1.0" encoding="utf-8"?>
+<file path=ppt/slides/slide37.xml><?xml version="1.0" encoding="utf-8"?>
 <p:sld xmlns:a="http://schemas.openxmlformats.org/drawingml/2006/main" xmlns:r="http://schemas.openxmlformats.org/officeDocument/2006/relationships" xmlns:p="http://schemas.openxmlformats.org/presentationml/2006/main">
   <p:cSld>
     <p:spTree>
@@ -32672,7 +34282,7 @@
           <a:p>
             <a:r>
               <a:rPr lang="en-US" dirty="0"/>
-              <a:t>Conclusions</a:t>
+              <a:t>Summary – Error Rates</a:t>
             </a:r>
           </a:p>
         </p:txBody>
@@ -32700,30 +34310,30 @@
           </a:xfrm>
         </p:spPr>
         <p:txBody>
-          <a:bodyPr/>
+          <a:bodyPr>
+            <a:normAutofit/>
+          </a:bodyPr>
           <a:lstStyle/>
           <a:p>
             <a:r>
               <a:rPr lang="en-US" sz="2000" dirty="0"/>
-              <a:t>Consistent with previous work, older adults had greater RTs relative to younger adults across trial types. </a:t>
+              <a:t>Few age-related differences in errors across trials.</a:t>
             </a:r>
           </a:p>
           <a:p>
             <a:r>
               <a:rPr lang="en-US" sz="2000" dirty="0"/>
-              <a:t>Older (vs. younger) adults showed increased global switch costs for both sequences, but local switch costs were only greater for the unpredictive random sequence. </a:t>
+              <a:t>Older adults showed fewer local costs for errors, but only when stimuli were presented using alternating runs</a:t>
+            </a:r>
+            <a:r>
+              <a:rPr lang="en-US" sz="1800" dirty="0"/>
+              <a:t> </a:t>
             </a:r>
           </a:p>
           <a:p>
             <a:r>
               <a:rPr lang="en-US" sz="2000" dirty="0"/>
-              <a:t>No age-related differences in errors across trials. </a:t>
-            </a:r>
-          </a:p>
-          <a:p>
-            <a:r>
-              <a:rPr lang="en-US" sz="2000" dirty="0"/>
-              <a:t>Results suggest that task-set reconfiguration processes associated with local switch costs are especially taxed for older adults when switching is not predictive.</a:t>
+              <a:t>Older adults had greater RTs relative to younger adults across trial types. </a:t>
             </a:r>
           </a:p>
           <a:p>
@@ -32734,7 +34344,7 @@
     </p:spTree>
     <p:extLst>
       <p:ext uri="{BB962C8B-B14F-4D97-AF65-F5344CB8AC3E}">
-        <p14:creationId xmlns:p14="http://schemas.microsoft.com/office/powerpoint/2010/main" val="2812945126"/>
+        <p14:creationId xmlns:p14="http://schemas.microsoft.com/office/powerpoint/2010/main" val="736577400"/>
       </p:ext>
     </p:extLst>
   </p:cSld>
@@ -32847,55 +34457,6 @@
                       </p:childTnLst>
                     </p:cTn>
                   </p:par>
-                  <p:par>
-                    <p:cTn id="11" fill="hold">
-                      <p:stCondLst>
-                        <p:cond delay="indefinite"/>
-                      </p:stCondLst>
-                      <p:childTnLst>
-                        <p:par>
-                          <p:cTn id="12" fill="hold">
-                            <p:stCondLst>
-                              <p:cond delay="0"/>
-                            </p:stCondLst>
-                            <p:childTnLst>
-                              <p:par>
-                                <p:cTn id="13" presetID="1" presetClass="entr" presetSubtype="0" fill="hold" nodeType="clickEffect">
-                                  <p:stCondLst>
-                                    <p:cond delay="0"/>
-                                  </p:stCondLst>
-                                  <p:childTnLst>
-                                    <p:set>
-                                      <p:cBhvr>
-                                        <p:cTn id="14" dur="1" fill="hold">
-                                          <p:stCondLst>
-                                            <p:cond delay="0"/>
-                                          </p:stCondLst>
-                                        </p:cTn>
-                                        <p:tgtEl>
-                                          <p:spTgt spid="3">
-                                            <p:txEl>
-                                              <p:pRg st="3" end="3"/>
-                                            </p:txEl>
-                                          </p:spTgt>
-                                        </p:tgtEl>
-                                        <p:attrNameLst>
-                                          <p:attrName>style.visibility</p:attrName>
-                                        </p:attrNameLst>
-                                      </p:cBhvr>
-                                      <p:to>
-                                        <p:strVal val="visible"/>
-                                      </p:to>
-                                    </p:set>
-                                  </p:childTnLst>
-                                </p:cTn>
-                              </p:par>
-                            </p:childTnLst>
-                          </p:cTn>
-                        </p:par>
-                      </p:childTnLst>
-                    </p:cTn>
-                  </p:par>
                 </p:childTnLst>
               </p:cTn>
               <p:prevCondLst>
@@ -32921,7 +34482,7 @@
 </p:sld>
 </file>
 
-<file path=ppt/slides/slide3.xml><?xml version="1.0" encoding="utf-8"?>
+<file path=ppt/slides/slide38.xml><?xml version="1.0" encoding="utf-8"?>
 <p:sld xmlns:a="http://schemas.openxmlformats.org/drawingml/2006/main" xmlns:r="http://schemas.openxmlformats.org/officeDocument/2006/relationships" xmlns:p="http://schemas.openxmlformats.org/presentationml/2006/main">
   <p:cSld>
     <p:spTree>
@@ -32943,7 +34504,7 @@
           <p:cNvPr id="2" name="Title 1">
             <a:extLst>
               <a:ext uri="{FF2B5EF4-FFF2-40B4-BE49-F238E27FC236}">
-                <a16:creationId xmlns:a16="http://schemas.microsoft.com/office/drawing/2014/main" id="{543B3268-E9EA-44E4-ACDD-CE6AB485DB7F}"/>
+                <a16:creationId xmlns:a16="http://schemas.microsoft.com/office/drawing/2014/main" id="{9FDD22CB-EDF2-4F47-A7F5-09C272067C86}"/>
               </a:ext>
             </a:extLst>
           </p:cNvPr>
@@ -32954,14 +34515,19 @@
             <p:ph type="title"/>
           </p:nvPr>
         </p:nvSpPr>
-        <p:spPr/>
+        <p:spPr>
+          <a:xfrm>
+            <a:off x="866440" y="927099"/>
+            <a:ext cx="6343202" cy="709865"/>
+          </a:xfrm>
+        </p:spPr>
         <p:txBody>
           <a:bodyPr/>
           <a:lstStyle/>
           <a:p>
             <a:r>
               <a:rPr lang="en-US" dirty="0"/>
-              <a:t>Introduction</a:t>
+              <a:t>Summary – Reaction Times</a:t>
             </a:r>
           </a:p>
         </p:txBody>
@@ -32971,7 +34537,7 @@
           <p:cNvPr id="3" name="Content Placeholder 2">
             <a:extLst>
               <a:ext uri="{FF2B5EF4-FFF2-40B4-BE49-F238E27FC236}">
-                <a16:creationId xmlns:a16="http://schemas.microsoft.com/office/drawing/2014/main" id="{5E7555E2-8326-4748-BCA4-EEAC4266F2D8}"/>
+                <a16:creationId xmlns:a16="http://schemas.microsoft.com/office/drawing/2014/main" id="{F36EB780-F98D-4D4A-9990-43B8E3E13143}"/>
               </a:ext>
             </a:extLst>
           </p:cNvPr>
@@ -32984,8 +34550,8 @@
         </p:nvSpPr>
         <p:spPr>
           <a:xfrm>
-            <a:off x="519247" y="2334409"/>
-            <a:ext cx="8363495" cy="4410636"/>
+            <a:off x="866441" y="2489200"/>
+            <a:ext cx="7782259" cy="3530600"/>
           </a:xfrm>
         </p:spPr>
         <p:txBody>
@@ -32995,120 +34561,28 @@
           <a:lstStyle/>
           <a:p>
             <a:r>
-              <a:rPr lang="en-US" sz="2400" dirty="0">
-                <a:solidFill>
-                  <a:schemeClr val="tx1"/>
-                </a:solidFill>
-              </a:rPr>
-              <a:t>Consonant Vowel/Odd Even Task (CV/OE)</a:t>
+              <a:rPr lang="en-US" sz="2000" dirty="0"/>
+              <a:t>Older adults had greater RTs relative to younger adults across trial types. </a:t>
             </a:r>
           </a:p>
           <a:p>
             <a:r>
-              <a:rPr lang="en-US" sz="2400" dirty="0">
-                <a:solidFill>
-                  <a:schemeClr val="tx1"/>
-                </a:solidFill>
-              </a:rPr>
-              <a:t>Participants are shown a letter number combination (e.g., </a:t>
+              <a:rPr lang="en-US" sz="2000" dirty="0"/>
+              <a:t>Older adults showed increased global switch costs for both sequences, but local switch costs were only greater for the unpredictive random sequence. </a:t>
             </a:r>
-            <a:r>
-              <a:rPr lang="en-US" sz="2400" b="1" dirty="0">
-                <a:solidFill>
-                  <a:schemeClr val="accent1"/>
-                </a:solidFill>
-              </a:rPr>
-              <a:t>A 25</a:t>
-            </a:r>
-            <a:r>
-              <a:rPr lang="en-US" sz="2400" dirty="0">
-                <a:solidFill>
-                  <a:schemeClr val="tx1"/>
-                </a:solidFill>
-              </a:rPr>
-              <a:t>) and are tasked with e</a:t>
-            </a:r>
-            <a:r>
-              <a:rPr lang="en-US" sz="2200" dirty="0">
-                <a:solidFill>
-                  <a:schemeClr val="tx1"/>
-                </a:solidFill>
-              </a:rPr>
-              <a:t>ither classifying letter as </a:t>
-            </a:r>
-            <a:r>
-              <a:rPr lang="en-US" sz="2200" b="1" dirty="0">
-                <a:solidFill>
-                  <a:schemeClr val="accent1"/>
-                </a:solidFill>
-              </a:rPr>
-              <a:t>C</a:t>
-            </a:r>
-            <a:r>
-              <a:rPr lang="en-US" sz="2200" dirty="0">
-                <a:solidFill>
-                  <a:schemeClr val="tx1"/>
-                </a:solidFill>
-              </a:rPr>
-              <a:t> or </a:t>
-            </a:r>
-            <a:r>
-              <a:rPr lang="en-US" sz="2200" b="1" dirty="0">
-                <a:solidFill>
-                  <a:schemeClr val="accent1"/>
-                </a:solidFill>
-              </a:rPr>
-              <a:t>V</a:t>
-            </a:r>
-            <a:r>
-              <a:rPr lang="en-US" sz="2200" dirty="0">
-                <a:solidFill>
-                  <a:schemeClr val="tx1"/>
-                </a:solidFill>
-              </a:rPr>
-              <a:t> or number as </a:t>
-            </a:r>
-            <a:r>
-              <a:rPr lang="en-US" sz="2200" b="1" dirty="0">
-                <a:solidFill>
-                  <a:schemeClr val="accent1"/>
-                </a:solidFill>
-              </a:rPr>
-              <a:t>O</a:t>
-            </a:r>
-            <a:r>
-              <a:rPr lang="en-US" sz="2200" dirty="0">
-                <a:solidFill>
-                  <a:schemeClr val="tx1"/>
-                </a:solidFill>
-              </a:rPr>
-              <a:t> or </a:t>
-            </a:r>
-            <a:r>
-              <a:rPr lang="en-US" sz="2200" b="1" dirty="0">
-                <a:solidFill>
-                  <a:schemeClr val="accent1"/>
-                </a:solidFill>
-              </a:rPr>
-              <a:t>E</a:t>
-            </a:r>
-          </a:p>
-          <a:p>
-            <a:pPr marL="402336" lvl="1" indent="0">
-              <a:buNone/>
-            </a:pPr>
-            <a:endParaRPr lang="en-US" sz="2000" dirty="0">
-              <a:solidFill>
-                <a:schemeClr val="tx1"/>
-              </a:solidFill>
-            </a:endParaRPr>
+          </a:p>
+          <a:p>
+            <a:endParaRPr lang="en-US" sz="2000" dirty="0"/>
+          </a:p>
+          <a:p>
+            <a:endParaRPr lang="en-US" dirty="0"/>
           </a:p>
         </p:txBody>
       </p:sp>
     </p:spTree>
     <p:extLst>
       <p:ext uri="{BB962C8B-B14F-4D97-AF65-F5344CB8AC3E}">
-        <p14:creationId xmlns:p14="http://schemas.microsoft.com/office/powerpoint/2010/main" val="176995655"/>
+        <p14:creationId xmlns:p14="http://schemas.microsoft.com/office/powerpoint/2010/main" val="3050965650"/>
       </p:ext>
     </p:extLst>
   </p:cSld>
@@ -33197,7 +34671,7 @@
 </p:sld>
 </file>
 
-<file path=ppt/slides/slide30.xml><?xml version="1.0" encoding="utf-8"?>
+<file path=ppt/slides/slide39.xml><?xml version="1.0" encoding="utf-8"?>
 <p:sld xmlns:a="http://schemas.openxmlformats.org/drawingml/2006/main" xmlns:r="http://schemas.openxmlformats.org/officeDocument/2006/relationships" xmlns:p="http://schemas.openxmlformats.org/presentationml/2006/main">
   <p:cSld>
     <p:spTree>
@@ -33219,7 +34693,7 @@
           <p:cNvPr id="2" name="Title 1">
             <a:extLst>
               <a:ext uri="{FF2B5EF4-FFF2-40B4-BE49-F238E27FC236}">
-                <a16:creationId xmlns:a16="http://schemas.microsoft.com/office/drawing/2014/main" id="{FA8CB1AB-041A-43B3-8305-A0D4EA325514}"/>
+                <a16:creationId xmlns:a16="http://schemas.microsoft.com/office/drawing/2014/main" id="{4C496A2A-3C91-48F2-A4A8-32E96E118D58}"/>
               </a:ext>
             </a:extLst>
           </p:cNvPr>
@@ -33237,7 +34711,7 @@
           <a:p>
             <a:r>
               <a:rPr lang="en-US" dirty="0"/>
-              <a:t>Limitations</a:t>
+              <a:t>Conclusions</a:t>
             </a:r>
           </a:p>
         </p:txBody>
@@ -33247,7 +34721,7 @@
           <p:cNvPr id="3" name="Content Placeholder 2">
             <a:extLst>
               <a:ext uri="{FF2B5EF4-FFF2-40B4-BE49-F238E27FC236}">
-                <a16:creationId xmlns:a16="http://schemas.microsoft.com/office/drawing/2014/main" id="{E10E4579-B041-4FDA-9ED9-29F0A514A1A4}"/>
+                <a16:creationId xmlns:a16="http://schemas.microsoft.com/office/drawing/2014/main" id="{4F333743-1674-4654-8D0C-89C578FEDB89}"/>
               </a:ext>
             </a:extLst>
           </p:cNvPr>
@@ -33258,299 +34732,36 @@
             <p:ph idx="1"/>
           </p:nvPr>
         </p:nvSpPr>
-        <p:spPr/>
+        <p:spPr>
+          <a:xfrm>
+            <a:off x="866441" y="2489200"/>
+            <a:ext cx="7640745" cy="3530600"/>
+          </a:xfrm>
+        </p:spPr>
         <p:txBody>
-          <a:bodyPr>
-            <a:normAutofit/>
-          </a:bodyPr>
+          <a:bodyPr/>
           <a:lstStyle/>
           <a:p>
             <a:r>
-              <a:rPr lang="en-US" sz="2400" dirty="0">
-                <a:solidFill>
-                  <a:schemeClr val="tx1"/>
-                </a:solidFill>
-              </a:rPr>
-              <a:t>Older adult data</a:t>
+              <a:rPr lang="en-US" sz="2000" dirty="0"/>
+              <a:t>Declines in cognitive functioning due to healthy aging result in slower reaction times across all trial types</a:t>
             </a:r>
           </a:p>
           <a:p>
-            <a:pPr lvl="1"/>
             <a:r>
-              <a:rPr lang="en-US" sz="2200" dirty="0">
-                <a:solidFill>
-                  <a:schemeClr val="tx1"/>
-                </a:solidFill>
-              </a:rPr>
-              <a:t>Data collection is still underway!</a:t>
+              <a:rPr lang="en-US" sz="2000" dirty="0"/>
+              <a:t>Task-set reconfiguration processes associated with local switch costs are especially taxed for older adults when switching is not predictive.</a:t>
             </a:r>
+          </a:p>
+          <a:p>
+            <a:endParaRPr lang="en-US" dirty="0"/>
           </a:p>
         </p:txBody>
       </p:sp>
     </p:spTree>
     <p:extLst>
       <p:ext uri="{BB962C8B-B14F-4D97-AF65-F5344CB8AC3E}">
-        <p14:creationId xmlns:p14="http://schemas.microsoft.com/office/powerpoint/2010/main" val="3150369643"/>
-      </p:ext>
-    </p:extLst>
-  </p:cSld>
-  <p:clrMapOvr>
-    <a:masterClrMapping/>
-  </p:clrMapOvr>
-  <p:timing>
-    <p:tnLst>
-      <p:par>
-        <p:cTn id="1" dur="indefinite" restart="never" nodeType="tmRoot">
-          <p:childTnLst>
-            <p:seq concurrent="1" nextAc="seek">
-              <p:cTn id="2" dur="indefinite" nodeType="mainSeq">
-                <p:childTnLst>
-                  <p:par>
-                    <p:cTn id="3" fill="hold">
-                      <p:stCondLst>
-                        <p:cond delay="indefinite"/>
-                      </p:stCondLst>
-                      <p:childTnLst>
-                        <p:par>
-                          <p:cTn id="4" fill="hold">
-                            <p:stCondLst>
-                              <p:cond delay="0"/>
-                            </p:stCondLst>
-                            <p:childTnLst>
-                              <p:par>
-                                <p:cTn id="5" presetID="1" presetClass="entr" presetSubtype="0" fill="hold" nodeType="clickEffect">
-                                  <p:stCondLst>
-                                    <p:cond delay="0"/>
-                                  </p:stCondLst>
-                                  <p:childTnLst>
-                                    <p:set>
-                                      <p:cBhvr>
-                                        <p:cTn id="6" dur="1" fill="hold">
-                                          <p:stCondLst>
-                                            <p:cond delay="0"/>
-                                          </p:stCondLst>
-                                        </p:cTn>
-                                        <p:tgtEl>
-                                          <p:spTgt spid="3">
-                                            <p:txEl>
-                                              <p:pRg st="1" end="1"/>
-                                            </p:txEl>
-                                          </p:spTgt>
-                                        </p:tgtEl>
-                                        <p:attrNameLst>
-                                          <p:attrName>style.visibility</p:attrName>
-                                        </p:attrNameLst>
-                                      </p:cBhvr>
-                                      <p:to>
-                                        <p:strVal val="visible"/>
-                                      </p:to>
-                                    </p:set>
-                                  </p:childTnLst>
-                                </p:cTn>
-                              </p:par>
-                            </p:childTnLst>
-                          </p:cTn>
-                        </p:par>
-                      </p:childTnLst>
-                    </p:cTn>
-                  </p:par>
-                </p:childTnLst>
-              </p:cTn>
-              <p:prevCondLst>
-                <p:cond evt="onPrev" delay="0">
-                  <p:tgtEl>
-                    <p:sldTgt/>
-                  </p:tgtEl>
-                </p:cond>
-              </p:prevCondLst>
-              <p:nextCondLst>
-                <p:cond evt="onNext" delay="0">
-                  <p:tgtEl>
-                    <p:sldTgt/>
-                  </p:tgtEl>
-                </p:cond>
-              </p:nextCondLst>
-            </p:seq>
-          </p:childTnLst>
-        </p:cTn>
-      </p:par>
-    </p:tnLst>
-  </p:timing>
-</p:sld>
-</file>
-
-<file path=ppt/slides/slide31.xml><?xml version="1.0" encoding="utf-8"?>
-<p:sld xmlns:a="http://schemas.openxmlformats.org/drawingml/2006/main" xmlns:r="http://schemas.openxmlformats.org/officeDocument/2006/relationships" xmlns:p="http://schemas.openxmlformats.org/presentationml/2006/main">
-  <p:cSld>
-    <p:spTree>
-      <p:nvGrpSpPr>
-        <p:cNvPr id="1" name=""/>
-        <p:cNvGrpSpPr/>
-        <p:nvPr/>
-      </p:nvGrpSpPr>
-      <p:grpSpPr>
-        <a:xfrm>
-          <a:off x="0" y="0"/>
-          <a:ext cx="0" cy="0"/>
-          <a:chOff x="0" y="0"/>
-          <a:chExt cx="0" cy="0"/>
-        </a:xfrm>
-      </p:grpSpPr>
-      <p:sp>
-        <p:nvSpPr>
-          <p:cNvPr id="2" name="Title 1">
-            <a:extLst>
-              <a:ext uri="{FF2B5EF4-FFF2-40B4-BE49-F238E27FC236}">
-                <a16:creationId xmlns:a16="http://schemas.microsoft.com/office/drawing/2014/main" id="{97D7B62A-A4C2-4087-A4D7-150E9B8D760B}"/>
-              </a:ext>
-            </a:extLst>
-          </p:cNvPr>
-          <p:cNvSpPr>
-            <a:spLocks noGrp="1"/>
-          </p:cNvSpPr>
-          <p:nvPr>
-            <p:ph type="title"/>
-          </p:nvPr>
-        </p:nvSpPr>
-        <p:spPr/>
-        <p:txBody>
-          <a:bodyPr/>
-          <a:lstStyle/>
-          <a:p>
-            <a:r>
-              <a:rPr lang="en-US" dirty="0"/>
-              <a:t>Future Directions</a:t>
-            </a:r>
-          </a:p>
-        </p:txBody>
-      </p:sp>
-      <p:sp>
-        <p:nvSpPr>
-          <p:cNvPr id="3" name="Content Placeholder 2">
-            <a:extLst>
-              <a:ext uri="{FF2B5EF4-FFF2-40B4-BE49-F238E27FC236}">
-                <a16:creationId xmlns:a16="http://schemas.microsoft.com/office/drawing/2014/main" id="{1F24CF37-6372-4D6A-A367-30F1529A5AF0}"/>
-              </a:ext>
-            </a:extLst>
-          </p:cNvPr>
-          <p:cNvSpPr>
-            <a:spLocks noGrp="1"/>
-          </p:cNvSpPr>
-          <p:nvPr>
-            <p:ph idx="1"/>
-          </p:nvPr>
-        </p:nvSpPr>
-        <p:spPr/>
-        <p:txBody>
-          <a:bodyPr/>
-          <a:lstStyle/>
-          <a:p>
-            <a:r>
-              <a:rPr lang="en-US" sz="2400" dirty="0">
-                <a:solidFill>
-                  <a:schemeClr val="tx1"/>
-                </a:solidFill>
-              </a:rPr>
-              <a:t>Compare performance of individuals with mild Alzheimer’s to healthy older and younger adults.</a:t>
-            </a:r>
-          </a:p>
-          <a:p>
-            <a:endParaRPr lang="en-US" dirty="0"/>
-          </a:p>
-        </p:txBody>
-      </p:sp>
-    </p:spTree>
-    <p:extLst>
-      <p:ext uri="{BB962C8B-B14F-4D97-AF65-F5344CB8AC3E}">
-        <p14:creationId xmlns:p14="http://schemas.microsoft.com/office/powerpoint/2010/main" val="351406704"/>
-      </p:ext>
-    </p:extLst>
-  </p:cSld>
-  <p:clrMapOvr>
-    <a:masterClrMapping/>
-  </p:clrMapOvr>
-</p:sld>
-</file>
-
-<file path=ppt/slides/slide32.xml><?xml version="1.0" encoding="utf-8"?>
-<p:sld xmlns:a="http://schemas.openxmlformats.org/drawingml/2006/main" xmlns:r="http://schemas.openxmlformats.org/officeDocument/2006/relationships" xmlns:p="http://schemas.openxmlformats.org/presentationml/2006/main">
-  <p:cSld>
-    <p:spTree>
-      <p:nvGrpSpPr>
-        <p:cNvPr id="1" name=""/>
-        <p:cNvGrpSpPr/>
-        <p:nvPr/>
-      </p:nvGrpSpPr>
-      <p:grpSpPr>
-        <a:xfrm>
-          <a:off x="0" y="0"/>
-          <a:ext cx="0" cy="0"/>
-          <a:chOff x="0" y="0"/>
-          <a:chExt cx="0" cy="0"/>
-        </a:xfrm>
-      </p:grpSpPr>
-      <p:sp>
-        <p:nvSpPr>
-          <p:cNvPr id="4" name="Title 3">
-            <a:extLst>
-              <a:ext uri="{FF2B5EF4-FFF2-40B4-BE49-F238E27FC236}">
-                <a16:creationId xmlns:a16="http://schemas.microsoft.com/office/drawing/2014/main" id="{C0AD5057-5A0E-426A-8DAB-428C0E3D904F}"/>
-              </a:ext>
-            </a:extLst>
-          </p:cNvPr>
-          <p:cNvSpPr>
-            <a:spLocks noGrp="1"/>
-          </p:cNvSpPr>
-          <p:nvPr>
-            <p:ph type="ctrTitle"/>
-          </p:nvPr>
-        </p:nvSpPr>
-        <p:spPr>
-          <a:xfrm>
-            <a:off x="2437058" y="1039282"/>
-            <a:ext cx="5917679" cy="2554983"/>
-          </a:xfrm>
-        </p:spPr>
-        <p:txBody>
-          <a:bodyPr/>
-          <a:lstStyle/>
-          <a:p>
-            <a:r>
-              <a:rPr lang="en-US" dirty="0"/>
-              <a:t>Questions?</a:t>
-            </a:r>
-          </a:p>
-        </p:txBody>
-      </p:sp>
-      <p:sp>
-        <p:nvSpPr>
-          <p:cNvPr id="5" name="Subtitle 4">
-            <a:extLst>
-              <a:ext uri="{FF2B5EF4-FFF2-40B4-BE49-F238E27FC236}">
-                <a16:creationId xmlns:a16="http://schemas.microsoft.com/office/drawing/2014/main" id="{C0D5ABB6-6E86-42AB-8981-E0C65069FCE5}"/>
-              </a:ext>
-            </a:extLst>
-          </p:cNvPr>
-          <p:cNvSpPr>
-            <a:spLocks noGrp="1"/>
-          </p:cNvSpPr>
-          <p:nvPr>
-            <p:ph type="subTitle" idx="1"/>
-          </p:nvPr>
-        </p:nvSpPr>
-        <p:spPr/>
-        <p:txBody>
-          <a:bodyPr/>
-          <a:lstStyle/>
-          <a:p>
-            <a:endParaRPr lang="en-US"/>
-          </a:p>
-        </p:txBody>
-      </p:sp>
-    </p:spTree>
-    <p:extLst>
-      <p:ext uri="{BB962C8B-B14F-4D97-AF65-F5344CB8AC3E}">
-        <p14:creationId xmlns:p14="http://schemas.microsoft.com/office/powerpoint/2010/main" val="750791620"/>
+        <p14:creationId xmlns:p14="http://schemas.microsoft.com/office/powerpoint/2010/main" val="134987119"/>
       </p:ext>
     </p:extLst>
   </p:cSld>
@@ -33582,7 +34793,7 @@
           <p:cNvPr id="2" name="Title 1">
             <a:extLst>
               <a:ext uri="{FF2B5EF4-FFF2-40B4-BE49-F238E27FC236}">
-                <a16:creationId xmlns:a16="http://schemas.microsoft.com/office/drawing/2014/main" id="{729CE9C9-59FE-48E3-A2FD-27ABC6F60FAE}"/>
+                <a16:creationId xmlns:a16="http://schemas.microsoft.com/office/drawing/2014/main" id="{543B3268-E9EA-44E4-ACDD-CE6AB485DB7F}"/>
               </a:ext>
             </a:extLst>
           </p:cNvPr>
@@ -33610,7 +34821,7 @@
           <p:cNvPr id="3" name="Content Placeholder 2">
             <a:extLst>
               <a:ext uri="{FF2B5EF4-FFF2-40B4-BE49-F238E27FC236}">
-                <a16:creationId xmlns:a16="http://schemas.microsoft.com/office/drawing/2014/main" id="{3AC2A4AB-58E8-4E7D-B569-12585F6DA90A}"/>
+                <a16:creationId xmlns:a16="http://schemas.microsoft.com/office/drawing/2014/main" id="{5E7555E2-8326-4748-BCA4-EEAC4266F2D8}"/>
               </a:ext>
             </a:extLst>
           </p:cNvPr>
@@ -33621,9 +34832,16 @@
             <p:ph idx="1"/>
           </p:nvPr>
         </p:nvSpPr>
-        <p:spPr/>
+        <p:spPr>
+          <a:xfrm>
+            <a:off x="519247" y="2334409"/>
+            <a:ext cx="8363495" cy="4410636"/>
+          </a:xfrm>
+        </p:spPr>
         <p:txBody>
-          <a:bodyPr/>
+          <a:bodyPr>
+            <a:normAutofit/>
+          </a:bodyPr>
           <a:lstStyle/>
           <a:p>
             <a:r>
@@ -33632,29 +34850,7 @@
                   <a:schemeClr val="tx1"/>
                 </a:solidFill>
               </a:rPr>
-              <a:t>Pure Blocks</a:t>
-            </a:r>
-          </a:p>
-          <a:p>
-            <a:pPr lvl="1"/>
-            <a:r>
-              <a:rPr lang="en-US" sz="2000" dirty="0">
-                <a:solidFill>
-                  <a:schemeClr val="tx1"/>
-                </a:solidFill>
-              </a:rPr>
-              <a:t>Participants focus on only one of the two tasks</a:t>
-            </a:r>
-          </a:p>
-          <a:p>
-            <a:pPr lvl="2"/>
-            <a:r>
-              <a:rPr lang="en-US" sz="1800" dirty="0">
-                <a:solidFill>
-                  <a:schemeClr val="tx1"/>
-                </a:solidFill>
-              </a:rPr>
-              <a:t>i.e., only doing the odd even task for all trials in a block</a:t>
+              <a:t>Consonant Vowel/Odd Even Task (CV/OE)</a:t>
             </a:r>
           </a:p>
           <a:p>
@@ -33664,29 +34860,107 @@
                   <a:schemeClr val="tx1"/>
                 </a:solidFill>
               </a:rPr>
-              <a:t>Switch Blocks</a:t>
+              <a:t>Participants are shown a letter number combination (e.g., </a:t>
             </a:r>
-          </a:p>
-          <a:p>
-            <a:pPr lvl="1"/>
             <a:r>
-              <a:rPr lang="en-US" sz="2000" dirty="0">
+              <a:rPr lang="en-US" sz="2400" b="1" dirty="0">
+                <a:solidFill>
+                  <a:schemeClr val="accent1"/>
+                </a:solidFill>
+              </a:rPr>
+              <a:t>A 25</a:t>
+            </a:r>
+            <a:r>
+              <a:rPr lang="en-US" sz="2400" dirty="0">
                 <a:solidFill>
                   <a:schemeClr val="tx1"/>
                 </a:solidFill>
               </a:rPr>
-              <a:t>Participants have to change task type for different trials.</a:t>
+              <a:t>) and are tasked with either classifying letter as </a:t>
             </a:r>
-          </a:p>
-          <a:p>
-            <a:endParaRPr lang="en-US" dirty="0"/>
+            <a:r>
+              <a:rPr lang="en-US" sz="2400" b="1" dirty="0">
+                <a:solidFill>
+                  <a:schemeClr val="accent1"/>
+                </a:solidFill>
+              </a:rPr>
+              <a:t>C</a:t>
+            </a:r>
+            <a:r>
+              <a:rPr lang="en-US" sz="2400" dirty="0">
+                <a:solidFill>
+                  <a:schemeClr val="tx1"/>
+                </a:solidFill>
+              </a:rPr>
+              <a:t> or </a:t>
+            </a:r>
+            <a:r>
+              <a:rPr lang="en-US" sz="2400" b="1" dirty="0">
+                <a:solidFill>
+                  <a:schemeClr val="accent1"/>
+                </a:solidFill>
+              </a:rPr>
+              <a:t>V</a:t>
+            </a:r>
+            <a:r>
+              <a:rPr lang="en-US" sz="2400" dirty="0">
+                <a:solidFill>
+                  <a:schemeClr val="tx1"/>
+                </a:solidFill>
+              </a:rPr>
+              <a:t> or number as </a:t>
+            </a:r>
+            <a:r>
+              <a:rPr lang="en-US" sz="2400" b="1" dirty="0">
+                <a:solidFill>
+                  <a:schemeClr val="accent1"/>
+                </a:solidFill>
+              </a:rPr>
+              <a:t>O</a:t>
+            </a:r>
+            <a:r>
+              <a:rPr lang="en-US" sz="2400" dirty="0">
+                <a:solidFill>
+                  <a:schemeClr val="tx1"/>
+                </a:solidFill>
+              </a:rPr>
+              <a:t> or </a:t>
+            </a:r>
+            <a:r>
+              <a:rPr lang="en-US" sz="2400" b="1" dirty="0">
+                <a:solidFill>
+                  <a:schemeClr val="accent1"/>
+                </a:solidFill>
+              </a:rPr>
+              <a:t>E</a:t>
+            </a:r>
+          </a:p>
+          <a:p>
+            <a:r>
+              <a:rPr lang="en-US" sz="2400" dirty="0">
+                <a:solidFill>
+                  <a:schemeClr val="tx1"/>
+                </a:solidFill>
+              </a:rPr>
+              <a:t>Looking at errors and reaction times (RTs)</a:t>
+            </a:r>
+          </a:p>
+          <a:p>
+            <a:pPr marL="402336" lvl="1" indent="0">
+              <a:buNone/>
+            </a:pPr>
+            <a:endParaRPr lang="en-US" sz="2000" dirty="0">
+              <a:solidFill>
+                <a:schemeClr val="tx1"/>
+              </a:solidFill>
+            </a:endParaRPr>
           </a:p>
         </p:txBody>
       </p:sp>
     </p:spTree>
     <p:extLst>
       <p:ext uri="{BB962C8B-B14F-4D97-AF65-F5344CB8AC3E}">
-        <p14:creationId xmlns:p14="http://schemas.microsoft.com/office/powerpoint/2010/main" val="4216651486"/>
+        <p14:creationId xmlns:p14="http://schemas.microsoft.com/office/powerpoint/2010/main" val="176995655"/>
       </p:ext>
     </p:extLst>
   </p:cSld>
@@ -33799,55 +35073,6 @@
                       </p:childTnLst>
                     </p:cTn>
                   </p:par>
-                  <p:par>
-                    <p:cTn id="11" fill="hold">
-                      <p:stCondLst>
-                        <p:cond delay="indefinite"/>
-                      </p:stCondLst>
-                      <p:childTnLst>
-                        <p:par>
-                          <p:cTn id="12" fill="hold">
-                            <p:stCondLst>
-                              <p:cond delay="0"/>
-                            </p:stCondLst>
-                            <p:childTnLst>
-                              <p:par>
-                                <p:cTn id="13" presetID="1" presetClass="entr" presetSubtype="0" fill="hold" nodeType="clickEffect">
-                                  <p:stCondLst>
-                                    <p:cond delay="0"/>
-                                  </p:stCondLst>
-                                  <p:childTnLst>
-                                    <p:set>
-                                      <p:cBhvr>
-                                        <p:cTn id="14" dur="1" fill="hold">
-                                          <p:stCondLst>
-                                            <p:cond delay="0"/>
-                                          </p:stCondLst>
-                                        </p:cTn>
-                                        <p:tgtEl>
-                                          <p:spTgt spid="3">
-                                            <p:txEl>
-                                              <p:pRg st="4" end="4"/>
-                                            </p:txEl>
-                                          </p:spTgt>
-                                        </p:tgtEl>
-                                        <p:attrNameLst>
-                                          <p:attrName>style.visibility</p:attrName>
-                                        </p:attrNameLst>
-                                      </p:cBhvr>
-                                      <p:to>
-                                        <p:strVal val="visible"/>
-                                      </p:to>
-                                    </p:set>
-                                  </p:childTnLst>
-                                </p:cTn>
-                              </p:par>
-                            </p:childTnLst>
-                          </p:cTn>
-                        </p:par>
-                      </p:childTnLst>
-                    </p:cTn>
-                  </p:par>
                 </p:childTnLst>
               </p:cTn>
               <p:prevCondLst>
@@ -33873,7 +35098,7 @@
 </p:sld>
 </file>
 
-<file path=ppt/slides/slide5.xml><?xml version="1.0" encoding="utf-8"?>
+<file path=ppt/slides/slide40.xml><?xml version="1.0" encoding="utf-8"?>
 <p:sld xmlns:a="http://schemas.openxmlformats.org/drawingml/2006/main" xmlns:r="http://schemas.openxmlformats.org/officeDocument/2006/relationships" xmlns:p="http://schemas.openxmlformats.org/presentationml/2006/main">
   <p:cSld>
     <p:spTree>
@@ -33895,7 +35120,7 @@
           <p:cNvPr id="2" name="Title 1">
             <a:extLst>
               <a:ext uri="{FF2B5EF4-FFF2-40B4-BE49-F238E27FC236}">
-                <a16:creationId xmlns:a16="http://schemas.microsoft.com/office/drawing/2014/main" id="{543B3268-E9EA-44E4-ACDD-CE6AB485DB7F}"/>
+                <a16:creationId xmlns:a16="http://schemas.microsoft.com/office/drawing/2014/main" id="{FA8CB1AB-041A-43B3-8305-A0D4EA325514}"/>
               </a:ext>
             </a:extLst>
           </p:cNvPr>
@@ -33913,7 +35138,7 @@
           <a:p>
             <a:r>
               <a:rPr lang="en-US" dirty="0"/>
-              <a:t>Introduction</a:t>
+              <a:t>Limitations</a:t>
             </a:r>
           </a:p>
         </p:txBody>
@@ -33923,7 +35148,7 @@
           <p:cNvPr id="3" name="Content Placeholder 2">
             <a:extLst>
               <a:ext uri="{FF2B5EF4-FFF2-40B4-BE49-F238E27FC236}">
-                <a16:creationId xmlns:a16="http://schemas.microsoft.com/office/drawing/2014/main" id="{5E7555E2-8326-4748-BCA4-EEAC4266F2D8}"/>
+                <a16:creationId xmlns:a16="http://schemas.microsoft.com/office/drawing/2014/main" id="{E10E4579-B041-4FDA-9ED9-29F0A514A1A4}"/>
               </a:ext>
             </a:extLst>
           </p:cNvPr>
@@ -33934,12 +35159,7 @@
             <p:ph idx="1"/>
           </p:nvPr>
         </p:nvSpPr>
-        <p:spPr>
-          <a:xfrm>
-            <a:off x="519247" y="2334409"/>
-            <a:ext cx="8363495" cy="4410636"/>
-          </a:xfrm>
-        </p:spPr>
+        <p:spPr/>
         <p:txBody>
           <a:bodyPr>
             <a:normAutofit/>
@@ -33952,40 +35172,18 @@
                   <a:schemeClr val="tx1"/>
                 </a:solidFill>
               </a:rPr>
-              <a:t>Alternating Runs Switch Task</a:t>
+              <a:t>Older adult data</a:t>
             </a:r>
           </a:p>
           <a:p>
             <a:pPr lvl="1"/>
             <a:r>
-              <a:rPr lang="en-US" sz="2400" dirty="0">
+              <a:rPr lang="en-US" sz="2200" dirty="0">
                 <a:solidFill>
                   <a:schemeClr val="tx1"/>
                 </a:solidFill>
               </a:rPr>
-              <a:t>Task instructions change after every other trial</a:t>
-            </a:r>
-          </a:p>
-          <a:p>
-            <a:pPr lvl="1"/>
-            <a:r>
-              <a:rPr lang="en-US" sz="2400" dirty="0">
-                <a:solidFill>
-                  <a:schemeClr val="tx1"/>
-                </a:solidFill>
-              </a:rPr>
-              <a:t>i.e., CV, CV, OE, OE, CV, CV</a:t>
-            </a:r>
-          </a:p>
-          <a:p>
-            <a:pPr lvl="2"/>
-            <a:r>
-              <a:rPr lang="en-US" sz="2000" dirty="0">
-                <a:solidFill>
-                  <a:schemeClr val="tx1"/>
-                </a:solidFill>
-              </a:rPr>
-              <a:t>Every other trial is a switch trial</a:t>
+              <a:t>Data collection is still underway!</a:t>
             </a:r>
           </a:p>
         </p:txBody>
@@ -33993,7 +35191,7 @@
     </p:spTree>
     <p:extLst>
       <p:ext uri="{BB962C8B-B14F-4D97-AF65-F5344CB8AC3E}">
-        <p14:creationId xmlns:p14="http://schemas.microsoft.com/office/powerpoint/2010/main" val="2859759615"/>
+        <p14:creationId xmlns:p14="http://schemas.microsoft.com/office/powerpoint/2010/main" val="3150369643"/>
       </p:ext>
     </p:extLst>
   </p:cSld>
@@ -34057,27 +35255,523 @@
                       </p:childTnLst>
                     </p:cTn>
                   </p:par>
+                </p:childTnLst>
+              </p:cTn>
+              <p:prevCondLst>
+                <p:cond evt="onPrev" delay="0">
+                  <p:tgtEl>
+                    <p:sldTgt/>
+                  </p:tgtEl>
+                </p:cond>
+              </p:prevCondLst>
+              <p:nextCondLst>
+                <p:cond evt="onNext" delay="0">
+                  <p:tgtEl>
+                    <p:sldTgt/>
+                  </p:tgtEl>
+                </p:cond>
+              </p:nextCondLst>
+            </p:seq>
+          </p:childTnLst>
+        </p:cTn>
+      </p:par>
+    </p:tnLst>
+  </p:timing>
+</p:sld>
+</file>
+
+<file path=ppt/slides/slide41.xml><?xml version="1.0" encoding="utf-8"?>
+<p:sld xmlns:a="http://schemas.openxmlformats.org/drawingml/2006/main" xmlns:r="http://schemas.openxmlformats.org/officeDocument/2006/relationships" xmlns:p="http://schemas.openxmlformats.org/presentationml/2006/main">
+  <p:cSld>
+    <p:spTree>
+      <p:nvGrpSpPr>
+        <p:cNvPr id="1" name=""/>
+        <p:cNvGrpSpPr/>
+        <p:nvPr/>
+      </p:nvGrpSpPr>
+      <p:grpSpPr>
+        <a:xfrm>
+          <a:off x="0" y="0"/>
+          <a:ext cx="0" cy="0"/>
+          <a:chOff x="0" y="0"/>
+          <a:chExt cx="0" cy="0"/>
+        </a:xfrm>
+      </p:grpSpPr>
+      <p:sp>
+        <p:nvSpPr>
+          <p:cNvPr id="2" name="Title 1">
+            <a:extLst>
+              <a:ext uri="{FF2B5EF4-FFF2-40B4-BE49-F238E27FC236}">
+                <a16:creationId xmlns:a16="http://schemas.microsoft.com/office/drawing/2014/main" id="{FA8CB1AB-041A-43B3-8305-A0D4EA325514}"/>
+              </a:ext>
+            </a:extLst>
+          </p:cNvPr>
+          <p:cNvSpPr>
+            <a:spLocks noGrp="1"/>
+          </p:cNvSpPr>
+          <p:nvPr>
+            <p:ph type="title"/>
+          </p:nvPr>
+        </p:nvSpPr>
+        <p:spPr/>
+        <p:txBody>
+          <a:bodyPr/>
+          <a:lstStyle/>
+          <a:p>
+            <a:r>
+              <a:rPr lang="en-US" dirty="0"/>
+              <a:t>Limitations</a:t>
+            </a:r>
+          </a:p>
+        </p:txBody>
+      </p:sp>
+      <p:sp>
+        <p:nvSpPr>
+          <p:cNvPr id="3" name="Content Placeholder 2">
+            <a:extLst>
+              <a:ext uri="{FF2B5EF4-FFF2-40B4-BE49-F238E27FC236}">
+                <a16:creationId xmlns:a16="http://schemas.microsoft.com/office/drawing/2014/main" id="{E10E4579-B041-4FDA-9ED9-29F0A514A1A4}"/>
+              </a:ext>
+            </a:extLst>
+          </p:cNvPr>
+          <p:cNvSpPr>
+            <a:spLocks noGrp="1"/>
+          </p:cNvSpPr>
+          <p:nvPr>
+            <p:ph idx="1"/>
+          </p:nvPr>
+        </p:nvSpPr>
+        <p:spPr>
+          <a:xfrm>
+            <a:off x="866441" y="2489200"/>
+            <a:ext cx="7395816" cy="3530600"/>
+          </a:xfrm>
+        </p:spPr>
+        <p:txBody>
+          <a:bodyPr>
+            <a:normAutofit/>
+          </a:bodyPr>
+          <a:lstStyle/>
+          <a:p>
+            <a:r>
+              <a:rPr lang="en-US" sz="2400" dirty="0">
+                <a:solidFill>
+                  <a:schemeClr val="tx1"/>
+                </a:solidFill>
+              </a:rPr>
+              <a:t>Unlike Huff et al. (2015), did not find decreased local switch costs across all errors and RTs</a:t>
+            </a:r>
+          </a:p>
+          <a:p>
+            <a:pPr lvl="1"/>
+            <a:r>
+              <a:rPr lang="en-US" sz="2200" dirty="0">
+                <a:solidFill>
+                  <a:schemeClr val="tx1"/>
+                </a:solidFill>
+              </a:rPr>
+              <a:t>May be due in part to the number of trials (432) and the inclusion of an additional switch block </a:t>
+            </a:r>
+            <a:endParaRPr lang="en-US" sz="2000" dirty="0">
+              <a:solidFill>
+                <a:schemeClr val="tx1"/>
+              </a:solidFill>
+            </a:endParaRPr>
+          </a:p>
+        </p:txBody>
+      </p:sp>
+    </p:spTree>
+    <p:extLst>
+      <p:ext uri="{BB962C8B-B14F-4D97-AF65-F5344CB8AC3E}">
+        <p14:creationId xmlns:p14="http://schemas.microsoft.com/office/powerpoint/2010/main" val="530126953"/>
+      </p:ext>
+    </p:extLst>
+  </p:cSld>
+  <p:clrMapOvr>
+    <a:masterClrMapping/>
+  </p:clrMapOvr>
+</p:sld>
+</file>
+
+<file path=ppt/slides/slide42.xml><?xml version="1.0" encoding="utf-8"?>
+<p:sld xmlns:a="http://schemas.openxmlformats.org/drawingml/2006/main" xmlns:r="http://schemas.openxmlformats.org/officeDocument/2006/relationships" xmlns:p="http://schemas.openxmlformats.org/presentationml/2006/main">
+  <p:cSld>
+    <p:spTree>
+      <p:nvGrpSpPr>
+        <p:cNvPr id="1" name=""/>
+        <p:cNvGrpSpPr/>
+        <p:nvPr/>
+      </p:nvGrpSpPr>
+      <p:grpSpPr>
+        <a:xfrm>
+          <a:off x="0" y="0"/>
+          <a:ext cx="0" cy="0"/>
+          <a:chOff x="0" y="0"/>
+          <a:chExt cx="0" cy="0"/>
+        </a:xfrm>
+      </p:grpSpPr>
+      <p:sp>
+        <p:nvSpPr>
+          <p:cNvPr id="2" name="Title 1">
+            <a:extLst>
+              <a:ext uri="{FF2B5EF4-FFF2-40B4-BE49-F238E27FC236}">
+                <a16:creationId xmlns:a16="http://schemas.microsoft.com/office/drawing/2014/main" id="{97D7B62A-A4C2-4087-A4D7-150E9B8D760B}"/>
+              </a:ext>
+            </a:extLst>
+          </p:cNvPr>
+          <p:cNvSpPr>
+            <a:spLocks noGrp="1"/>
+          </p:cNvSpPr>
+          <p:nvPr>
+            <p:ph type="title"/>
+          </p:nvPr>
+        </p:nvSpPr>
+        <p:spPr/>
+        <p:txBody>
+          <a:bodyPr/>
+          <a:lstStyle/>
+          <a:p>
+            <a:r>
+              <a:rPr lang="en-US" dirty="0"/>
+              <a:t>Future Directions</a:t>
+            </a:r>
+          </a:p>
+        </p:txBody>
+      </p:sp>
+      <p:sp>
+        <p:nvSpPr>
+          <p:cNvPr id="3" name="Content Placeholder 2">
+            <a:extLst>
+              <a:ext uri="{FF2B5EF4-FFF2-40B4-BE49-F238E27FC236}">
+                <a16:creationId xmlns:a16="http://schemas.microsoft.com/office/drawing/2014/main" id="{1F24CF37-6372-4D6A-A367-30F1529A5AF0}"/>
+              </a:ext>
+            </a:extLst>
+          </p:cNvPr>
+          <p:cNvSpPr>
+            <a:spLocks noGrp="1"/>
+          </p:cNvSpPr>
+          <p:nvPr>
+            <p:ph idx="1"/>
+          </p:nvPr>
+        </p:nvSpPr>
+        <p:spPr/>
+        <p:txBody>
+          <a:bodyPr/>
+          <a:lstStyle/>
+          <a:p>
+            <a:r>
+              <a:rPr lang="en-US" sz="2400" dirty="0">
+                <a:solidFill>
+                  <a:schemeClr val="tx1"/>
+                </a:solidFill>
+              </a:rPr>
+              <a:t>Compare performance of individuals with mild Alzheimer’s to healthy older and younger adults.</a:t>
+            </a:r>
+          </a:p>
+          <a:p>
+            <a:endParaRPr lang="en-US" dirty="0"/>
+          </a:p>
+        </p:txBody>
+      </p:sp>
+    </p:spTree>
+    <p:extLst>
+      <p:ext uri="{BB962C8B-B14F-4D97-AF65-F5344CB8AC3E}">
+        <p14:creationId xmlns:p14="http://schemas.microsoft.com/office/powerpoint/2010/main" val="351406704"/>
+      </p:ext>
+    </p:extLst>
+  </p:cSld>
+  <p:clrMapOvr>
+    <a:masterClrMapping/>
+  </p:clrMapOvr>
+</p:sld>
+</file>
+
+<file path=ppt/slides/slide43.xml><?xml version="1.0" encoding="utf-8"?>
+<p:sld xmlns:a="http://schemas.openxmlformats.org/drawingml/2006/main" xmlns:r="http://schemas.openxmlformats.org/officeDocument/2006/relationships" xmlns:p="http://schemas.openxmlformats.org/presentationml/2006/main">
+  <p:cSld>
+    <p:spTree>
+      <p:nvGrpSpPr>
+        <p:cNvPr id="1" name=""/>
+        <p:cNvGrpSpPr/>
+        <p:nvPr/>
+      </p:nvGrpSpPr>
+      <p:grpSpPr>
+        <a:xfrm>
+          <a:off x="0" y="0"/>
+          <a:ext cx="0" cy="0"/>
+          <a:chOff x="0" y="0"/>
+          <a:chExt cx="0" cy="0"/>
+        </a:xfrm>
+      </p:grpSpPr>
+      <p:sp>
+        <p:nvSpPr>
+          <p:cNvPr id="4" name="Title 3">
+            <a:extLst>
+              <a:ext uri="{FF2B5EF4-FFF2-40B4-BE49-F238E27FC236}">
+                <a16:creationId xmlns:a16="http://schemas.microsoft.com/office/drawing/2014/main" id="{C0AD5057-5A0E-426A-8DAB-428C0E3D904F}"/>
+              </a:ext>
+            </a:extLst>
+          </p:cNvPr>
+          <p:cNvSpPr>
+            <a:spLocks noGrp="1"/>
+          </p:cNvSpPr>
+          <p:nvPr>
+            <p:ph type="ctrTitle"/>
+          </p:nvPr>
+        </p:nvSpPr>
+        <p:spPr>
+          <a:xfrm>
+            <a:off x="2437058" y="1039282"/>
+            <a:ext cx="5917679" cy="2554983"/>
+          </a:xfrm>
+        </p:spPr>
+        <p:txBody>
+          <a:bodyPr/>
+          <a:lstStyle/>
+          <a:p>
+            <a:r>
+              <a:rPr lang="en-US" dirty="0"/>
+              <a:t>Questions?</a:t>
+            </a:r>
+          </a:p>
+        </p:txBody>
+      </p:sp>
+      <p:sp>
+        <p:nvSpPr>
+          <p:cNvPr id="5" name="Subtitle 4">
+            <a:extLst>
+              <a:ext uri="{FF2B5EF4-FFF2-40B4-BE49-F238E27FC236}">
+                <a16:creationId xmlns:a16="http://schemas.microsoft.com/office/drawing/2014/main" id="{C0D5ABB6-6E86-42AB-8981-E0C65069FCE5}"/>
+              </a:ext>
+            </a:extLst>
+          </p:cNvPr>
+          <p:cNvSpPr>
+            <a:spLocks noGrp="1"/>
+          </p:cNvSpPr>
+          <p:nvPr>
+            <p:ph type="subTitle" idx="1"/>
+          </p:nvPr>
+        </p:nvSpPr>
+        <p:spPr/>
+        <p:txBody>
+          <a:bodyPr/>
+          <a:lstStyle/>
+          <a:p>
+            <a:endParaRPr lang="en-US"/>
+          </a:p>
+        </p:txBody>
+      </p:sp>
+    </p:spTree>
+    <p:extLst>
+      <p:ext uri="{BB962C8B-B14F-4D97-AF65-F5344CB8AC3E}">
+        <p14:creationId xmlns:p14="http://schemas.microsoft.com/office/powerpoint/2010/main" val="750791620"/>
+      </p:ext>
+    </p:extLst>
+  </p:cSld>
+  <p:clrMapOvr>
+    <a:masterClrMapping/>
+  </p:clrMapOvr>
+</p:sld>
+</file>
+
+<file path=ppt/slides/slide5.xml><?xml version="1.0" encoding="utf-8"?>
+<p:sld xmlns:a="http://schemas.openxmlformats.org/drawingml/2006/main" xmlns:r="http://schemas.openxmlformats.org/officeDocument/2006/relationships" xmlns:p="http://schemas.openxmlformats.org/presentationml/2006/main">
+  <p:cSld>
+    <p:spTree>
+      <p:nvGrpSpPr>
+        <p:cNvPr id="1" name=""/>
+        <p:cNvGrpSpPr/>
+        <p:nvPr/>
+      </p:nvGrpSpPr>
+      <p:grpSpPr>
+        <a:xfrm>
+          <a:off x="0" y="0"/>
+          <a:ext cx="0" cy="0"/>
+          <a:chOff x="0" y="0"/>
+          <a:chExt cx="0" cy="0"/>
+        </a:xfrm>
+      </p:grpSpPr>
+      <p:sp>
+        <p:nvSpPr>
+          <p:cNvPr id="2" name="Title 1">
+            <a:extLst>
+              <a:ext uri="{FF2B5EF4-FFF2-40B4-BE49-F238E27FC236}">
+                <a16:creationId xmlns:a16="http://schemas.microsoft.com/office/drawing/2014/main" id="{729CE9C9-59FE-48E3-A2FD-27ABC6F60FAE}"/>
+              </a:ext>
+            </a:extLst>
+          </p:cNvPr>
+          <p:cNvSpPr>
+            <a:spLocks noGrp="1"/>
+          </p:cNvSpPr>
+          <p:nvPr>
+            <p:ph type="title"/>
+          </p:nvPr>
+        </p:nvSpPr>
+        <p:spPr/>
+        <p:txBody>
+          <a:bodyPr/>
+          <a:lstStyle/>
+          <a:p>
+            <a:r>
+              <a:rPr lang="en-US" dirty="0"/>
+              <a:t>Introduction</a:t>
+            </a:r>
+          </a:p>
+        </p:txBody>
+      </p:sp>
+      <p:sp>
+        <p:nvSpPr>
+          <p:cNvPr id="3" name="Content Placeholder 2">
+            <a:extLst>
+              <a:ext uri="{FF2B5EF4-FFF2-40B4-BE49-F238E27FC236}">
+                <a16:creationId xmlns:a16="http://schemas.microsoft.com/office/drawing/2014/main" id="{3AC2A4AB-58E8-4E7D-B569-12585F6DA90A}"/>
+              </a:ext>
+            </a:extLst>
+          </p:cNvPr>
+          <p:cNvSpPr>
+            <a:spLocks noGrp="1"/>
+          </p:cNvSpPr>
+          <p:nvPr>
+            <p:ph idx="1"/>
+          </p:nvPr>
+        </p:nvSpPr>
+        <p:spPr>
+          <a:xfrm>
+            <a:off x="866441" y="2489200"/>
+            <a:ext cx="7493788" cy="3530600"/>
+          </a:xfrm>
+        </p:spPr>
+        <p:txBody>
+          <a:bodyPr/>
+          <a:lstStyle/>
+          <a:p>
+            <a:r>
+              <a:rPr lang="en-US" sz="2400" dirty="0">
+                <a:solidFill>
+                  <a:schemeClr val="tx1"/>
+                </a:solidFill>
+              </a:rPr>
+              <a:t>Pure Blocks</a:t>
+            </a:r>
+          </a:p>
+          <a:p>
+            <a:pPr lvl="1"/>
+            <a:r>
+              <a:rPr lang="en-US" sz="2000" dirty="0">
+                <a:solidFill>
+                  <a:schemeClr val="tx1"/>
+                </a:solidFill>
+              </a:rPr>
+              <a:t>Participants focus on only one of the two tasks</a:t>
+            </a:r>
+          </a:p>
+          <a:p>
+            <a:pPr lvl="2"/>
+            <a:r>
+              <a:rPr lang="en-US" sz="1800" dirty="0">
+                <a:solidFill>
+                  <a:schemeClr val="tx1"/>
+                </a:solidFill>
+              </a:rPr>
+              <a:t>i.e., only doing the odd even task for all trials in a block</a:t>
+            </a:r>
+          </a:p>
+          <a:p>
+            <a:r>
+              <a:rPr lang="en-US" sz="2400" dirty="0">
+                <a:solidFill>
+                  <a:schemeClr val="tx1"/>
+                </a:solidFill>
+              </a:rPr>
+              <a:t>Switch Blocks</a:t>
+            </a:r>
+          </a:p>
+          <a:p>
+            <a:pPr lvl="1"/>
+            <a:r>
+              <a:rPr lang="en-US" sz="2000" dirty="0">
+                <a:solidFill>
+                  <a:schemeClr val="tx1"/>
+                </a:solidFill>
+              </a:rPr>
+              <a:t>Participants have to change task type for different trials in the same block.</a:t>
+            </a:r>
+          </a:p>
+          <a:p>
+            <a:endParaRPr lang="en-US" dirty="0"/>
+          </a:p>
+        </p:txBody>
+      </p:sp>
+    </p:spTree>
+    <p:extLst>
+      <p:ext uri="{BB962C8B-B14F-4D97-AF65-F5344CB8AC3E}">
+        <p14:creationId xmlns:p14="http://schemas.microsoft.com/office/powerpoint/2010/main" val="4216651486"/>
+      </p:ext>
+    </p:extLst>
+  </p:cSld>
+  <p:clrMapOvr>
+    <a:masterClrMapping/>
+  </p:clrMapOvr>
+  <p:timing>
+    <p:tnLst>
+      <p:par>
+        <p:cTn id="1" dur="indefinite" restart="never" nodeType="tmRoot">
+          <p:childTnLst>
+            <p:seq concurrent="1" nextAc="seek">
+              <p:cTn id="2" dur="indefinite" nodeType="mainSeq">
+                <p:childTnLst>
                   <p:par>
-                    <p:cTn id="7" fill="hold">
+                    <p:cTn id="3" fill="hold">
                       <p:stCondLst>
                         <p:cond delay="indefinite"/>
                       </p:stCondLst>
                       <p:childTnLst>
                         <p:par>
-                          <p:cTn id="8" fill="hold">
+                          <p:cTn id="4" fill="hold">
                             <p:stCondLst>
                               <p:cond delay="0"/>
                             </p:stCondLst>
                             <p:childTnLst>
                               <p:par>
-                                <p:cTn id="9" presetID="1" presetClass="entr" presetSubtype="0" fill="hold" nodeType="clickEffect">
+                                <p:cTn id="5" presetID="1" presetClass="entr" presetSubtype="0" fill="hold" nodeType="clickEffect">
                                   <p:stCondLst>
                                     <p:cond delay="0"/>
                                   </p:stCondLst>
                                   <p:childTnLst>
                                     <p:set>
                                       <p:cBhvr>
-                                        <p:cTn id="10" dur="1" fill="hold">
+                                        <p:cTn id="6" dur="1" fill="hold">
+                                          <p:stCondLst>
+                                            <p:cond delay="0"/>
+                                          </p:stCondLst>
+                                        </p:cTn>
+                                        <p:tgtEl>
+                                          <p:spTgt spid="3">
+                                            <p:txEl>
+                                              <p:pRg st="1" end="1"/>
+                                            </p:txEl>
+                                          </p:spTgt>
+                                        </p:tgtEl>
+                                        <p:attrNameLst>
+                                          <p:attrName>style.visibility</p:attrName>
+                                        </p:attrNameLst>
+                                      </p:cBhvr>
+                                      <p:to>
+                                        <p:strVal val="visible"/>
+                                      </p:to>
+                                    </p:set>
+                                  </p:childTnLst>
+                                </p:cTn>
+                              </p:par>
+                              <p:par>
+                                <p:cTn id="7" presetID="1" presetClass="entr" presetSubtype="0" fill="hold" nodeType="withEffect">
+                                  <p:stCondLst>
+                                    <p:cond delay="0"/>
+                                  </p:stCondLst>
+                                  <p:childTnLst>
+                                    <p:set>
+                                      <p:cBhvr>
+                                        <p:cTn id="8" dur="1" fill="hold">
                                           <p:stCondLst>
                                             <p:cond delay="0"/>
                                           </p:stCondLst>
@@ -34107,26 +35801,26 @@
                     </p:cTn>
                   </p:par>
                   <p:par>
-                    <p:cTn id="11" fill="hold">
+                    <p:cTn id="9" fill="hold">
                       <p:stCondLst>
                         <p:cond delay="indefinite"/>
                       </p:stCondLst>
                       <p:childTnLst>
                         <p:par>
-                          <p:cTn id="12" fill="hold">
+                          <p:cTn id="10" fill="hold">
                             <p:stCondLst>
                               <p:cond delay="0"/>
                             </p:stCondLst>
                             <p:childTnLst>
                               <p:par>
-                                <p:cTn id="13" presetID="1" presetClass="entr" presetSubtype="0" fill="hold" nodeType="clickEffect">
+                                <p:cTn id="11" presetID="1" presetClass="entr" presetSubtype="0" fill="hold" nodeType="clickEffect">
                                   <p:stCondLst>
                                     <p:cond delay="0"/>
                                   </p:stCondLst>
                                   <p:childTnLst>
                                     <p:set>
                                       <p:cBhvr>
-                                        <p:cTn id="14" dur="1" fill="hold">
+                                        <p:cTn id="12" dur="1" fill="hold">
                                           <p:stCondLst>
                                             <p:cond delay="0"/>
                                           </p:stCondLst>
@@ -34135,6 +35829,55 @@
                                           <p:spTgt spid="3">
                                             <p:txEl>
                                               <p:pRg st="3" end="3"/>
+                                            </p:txEl>
+                                          </p:spTgt>
+                                        </p:tgtEl>
+                                        <p:attrNameLst>
+                                          <p:attrName>style.visibility</p:attrName>
+                                        </p:attrNameLst>
+                                      </p:cBhvr>
+                                      <p:to>
+                                        <p:strVal val="visible"/>
+                                      </p:to>
+                                    </p:set>
+                                  </p:childTnLst>
+                                </p:cTn>
+                              </p:par>
+                            </p:childTnLst>
+                          </p:cTn>
+                        </p:par>
+                      </p:childTnLst>
+                    </p:cTn>
+                  </p:par>
+                  <p:par>
+                    <p:cTn id="13" fill="hold">
+                      <p:stCondLst>
+                        <p:cond delay="indefinite"/>
+                      </p:stCondLst>
+                      <p:childTnLst>
+                        <p:par>
+                          <p:cTn id="14" fill="hold">
+                            <p:stCondLst>
+                              <p:cond delay="0"/>
+                            </p:stCondLst>
+                            <p:childTnLst>
+                              <p:par>
+                                <p:cTn id="15" presetID="1" presetClass="entr" presetSubtype="0" fill="hold" nodeType="clickEffect">
+                                  <p:stCondLst>
+                                    <p:cond delay="0"/>
+                                  </p:stCondLst>
+                                  <p:childTnLst>
+                                    <p:set>
+                                      <p:cBhvr>
+                                        <p:cTn id="16" dur="1" fill="hold">
+                                          <p:stCondLst>
+                                            <p:cond delay="0"/>
+                                          </p:stCondLst>
+                                        </p:cTn>
+                                        <p:tgtEl>
+                                          <p:spTgt spid="3">
+                                            <p:txEl>
+                                              <p:pRg st="4" end="4"/>
                                             </p:txEl>
                                           </p:spTgt>
                                         </p:tgtEl>
@@ -34202,7 +35945,7 @@
           <p:cNvPr id="2" name="Title 1">
             <a:extLst>
               <a:ext uri="{FF2B5EF4-FFF2-40B4-BE49-F238E27FC236}">
-                <a16:creationId xmlns:a16="http://schemas.microsoft.com/office/drawing/2014/main" id="{C595F943-F2F2-49E0-8C65-04DC132CF349}"/>
+                <a16:creationId xmlns:a16="http://schemas.microsoft.com/office/drawing/2014/main" id="{543B3268-E9EA-44E4-ACDD-CE6AB485DB7F}"/>
               </a:ext>
             </a:extLst>
           </p:cNvPr>
@@ -34230,7 +35973,7 @@
           <p:cNvPr id="3" name="Content Placeholder 2">
             <a:extLst>
               <a:ext uri="{FF2B5EF4-FFF2-40B4-BE49-F238E27FC236}">
-                <a16:creationId xmlns:a16="http://schemas.microsoft.com/office/drawing/2014/main" id="{4044EA5C-9E44-4C57-B2E4-17C03ECA81EC}"/>
+                <a16:creationId xmlns:a16="http://schemas.microsoft.com/office/drawing/2014/main" id="{5E7555E2-8326-4748-BCA4-EEAC4266F2D8}"/>
               </a:ext>
             </a:extLst>
           </p:cNvPr>
@@ -34241,7 +35984,12 @@
             <p:ph idx="1"/>
           </p:nvPr>
         </p:nvSpPr>
-        <p:spPr/>
+        <p:spPr>
+          <a:xfrm>
+            <a:off x="519247" y="2334409"/>
+            <a:ext cx="8363495" cy="4410636"/>
+          </a:xfrm>
+        </p:spPr>
         <p:txBody>
           <a:bodyPr>
             <a:normAutofit/>
@@ -34249,54 +35997,34 @@
           <a:lstStyle/>
           <a:p>
             <a:r>
-              <a:rPr lang="en-US" sz="2400" dirty="0"/>
-              <a:t>This task allows for comparison of two types of switch costs</a:t>
+              <a:rPr lang="en-US" sz="2400" dirty="0">
+                <a:solidFill>
+                  <a:schemeClr val="tx1"/>
+                </a:solidFill>
+              </a:rPr>
+              <a:t>Alternating Runs Switch Task</a:t>
             </a:r>
           </a:p>
           <a:p>
             <a:pPr lvl="1"/>
             <a:r>
-              <a:rPr lang="en-US" sz="2000" b="1" dirty="0">
+              <a:rPr lang="en-US" sz="2400" dirty="0">
                 <a:solidFill>
-                  <a:schemeClr val="accent1"/>
+                  <a:schemeClr val="tx1"/>
                 </a:solidFill>
               </a:rPr>
-              <a:t>Local costs</a:t>
+              <a:t>Task instructions change after every other trial</a:t>
             </a:r>
+          </a:p>
+          <a:p>
+            <a:pPr lvl="1"/>
             <a:r>
-              <a:rPr lang="en-US" sz="2000" dirty="0">
+              <a:rPr lang="en-US" sz="2400" dirty="0">
                 <a:solidFill>
-                  <a:schemeClr val="accent1"/>
+                  <a:schemeClr val="tx1"/>
                 </a:solidFill>
               </a:rPr>
-              <a:t> </a:t>
-            </a:r>
-            <a:r>
-              <a:rPr lang="en-US" sz="2000" dirty="0"/>
-              <a:t>– Difference in RTs or Error Rates for switch and non-switch trials within the same switch block</a:t>
-            </a:r>
-          </a:p>
-          <a:p>
-            <a:pPr lvl="1"/>
-            <a:r>
-              <a:rPr lang="en-US" sz="2000" b="1" dirty="0">
-                <a:solidFill>
-                  <a:schemeClr val="accent1"/>
-                </a:solidFill>
-              </a:rPr>
-              <a:t>Global costs</a:t>
-            </a:r>
-            <a:r>
-              <a:rPr lang="en-US" sz="2000" dirty="0">
-                <a:solidFill>
-                  <a:schemeClr val="accent1"/>
-                </a:solidFill>
-              </a:rPr>
-              <a:t> </a:t>
-            </a:r>
-            <a:r>
-              <a:rPr lang="en-US" sz="2000" dirty="0"/>
-              <a:t>– Difference in RTs or Error Rates nonswitch trials (within switch blocks) and pure trials</a:t>
+              <a:t>i.e., CV, CV, OE, OE, CV, CV</a:t>
             </a:r>
           </a:p>
         </p:txBody>
@@ -34304,7 +36032,7 @@
     </p:spTree>
     <p:extLst>
       <p:ext uri="{BB962C8B-B14F-4D97-AF65-F5344CB8AC3E}">
-        <p14:creationId xmlns:p14="http://schemas.microsoft.com/office/powerpoint/2010/main" val="4201458925"/>
+        <p14:creationId xmlns:p14="http://schemas.microsoft.com/office/powerpoint/2010/main" val="1443025217"/>
       </p:ext>
     </p:extLst>
   </p:cSld>
@@ -34464,135 +36192,6 @@
           <p:cNvPr id="2" name="Title 1">
             <a:extLst>
               <a:ext uri="{FF2B5EF4-FFF2-40B4-BE49-F238E27FC236}">
-                <a16:creationId xmlns:a16="http://schemas.microsoft.com/office/drawing/2014/main" id="{A0C10BA0-6FEE-4895-8140-7E4A951CC9FD}"/>
-              </a:ext>
-            </a:extLst>
-          </p:cNvPr>
-          <p:cNvSpPr>
-            <a:spLocks noGrp="1"/>
-          </p:cNvSpPr>
-          <p:nvPr>
-            <p:ph type="title"/>
-          </p:nvPr>
-        </p:nvSpPr>
-        <p:spPr/>
-        <p:txBody>
-          <a:bodyPr/>
-          <a:lstStyle/>
-          <a:p>
-            <a:r>
-              <a:rPr lang="en-US" dirty="0"/>
-              <a:t>Introduction</a:t>
-            </a:r>
-          </a:p>
-        </p:txBody>
-      </p:sp>
-      <p:sp>
-        <p:nvSpPr>
-          <p:cNvPr id="3" name="Content Placeholder 2">
-            <a:extLst>
-              <a:ext uri="{FF2B5EF4-FFF2-40B4-BE49-F238E27FC236}">
-                <a16:creationId xmlns:a16="http://schemas.microsoft.com/office/drawing/2014/main" id="{C59DDDEC-8AFA-4F60-A62D-7BDEF375EB72}"/>
-              </a:ext>
-            </a:extLst>
-          </p:cNvPr>
-          <p:cNvSpPr>
-            <a:spLocks noGrp="1"/>
-          </p:cNvSpPr>
-          <p:nvPr>
-            <p:ph idx="1"/>
-          </p:nvPr>
-        </p:nvSpPr>
-        <p:spPr/>
-        <p:txBody>
-          <a:bodyPr/>
-          <a:lstStyle/>
-          <a:p>
-            <a:r>
-              <a:rPr lang="en-US" b="1" dirty="0">
-                <a:solidFill>
-                  <a:schemeClr val="accent1"/>
-                </a:solidFill>
-              </a:rPr>
-              <a:t>Local switch costs </a:t>
-            </a:r>
-            <a:r>
-              <a:rPr lang="en-US" dirty="0">
-                <a:solidFill>
-                  <a:schemeClr val="tx1"/>
-                </a:solidFill>
-              </a:rPr>
-              <a:t>are thought to reflect task-set reconfiguration that arise from changing tasks across trials </a:t>
-            </a:r>
-            <a:endParaRPr lang="en-US" dirty="0">
-              <a:solidFill>
-                <a:schemeClr val="tx1"/>
-              </a:solidFill>
-              <a:highlight>
-                <a:srgbClr val="FFFF00"/>
-              </a:highlight>
-            </a:endParaRPr>
-          </a:p>
-          <a:p>
-            <a:r>
-              <a:rPr lang="en-US" b="1" dirty="0">
-                <a:solidFill>
-                  <a:schemeClr val="accent1"/>
-                </a:solidFill>
-              </a:rPr>
-              <a:t>Global switch costs </a:t>
-            </a:r>
-            <a:r>
-              <a:rPr lang="en-US" dirty="0">
-                <a:solidFill>
-                  <a:schemeClr val="tx1"/>
-                </a:solidFill>
-              </a:rPr>
-              <a:t>represent the cost of actively maintaining two different tasks sets relative to only having to perform a single task.</a:t>
-            </a:r>
-            <a:endParaRPr lang="en-US" dirty="0">
-              <a:highlight>
-                <a:srgbClr val="FFFF00"/>
-              </a:highlight>
-            </a:endParaRPr>
-          </a:p>
-        </p:txBody>
-      </p:sp>
-    </p:spTree>
-    <p:extLst>
-      <p:ext uri="{BB962C8B-B14F-4D97-AF65-F5344CB8AC3E}">
-        <p14:creationId xmlns:p14="http://schemas.microsoft.com/office/powerpoint/2010/main" val="2085614677"/>
-      </p:ext>
-    </p:extLst>
-  </p:cSld>
-  <p:clrMapOvr>
-    <a:masterClrMapping/>
-  </p:clrMapOvr>
-</p:sld>
-</file>
-
-<file path=ppt/slides/slide8.xml><?xml version="1.0" encoding="utf-8"?>
-<p:sld xmlns:a="http://schemas.openxmlformats.org/drawingml/2006/main" xmlns:r="http://schemas.openxmlformats.org/officeDocument/2006/relationships" xmlns:p="http://schemas.openxmlformats.org/presentationml/2006/main">
-  <p:cSld>
-    <p:spTree>
-      <p:nvGrpSpPr>
-        <p:cNvPr id="1" name=""/>
-        <p:cNvGrpSpPr/>
-        <p:nvPr/>
-      </p:nvGrpSpPr>
-      <p:grpSpPr>
-        <a:xfrm>
-          <a:off x="0" y="0"/>
-          <a:ext cx="0" cy="0"/>
-          <a:chOff x="0" y="0"/>
-          <a:chExt cx="0" cy="0"/>
-        </a:xfrm>
-      </p:grpSpPr>
-      <p:sp>
-        <p:nvSpPr>
-          <p:cNvPr id="2" name="Title 1">
-            <a:extLst>
-              <a:ext uri="{FF2B5EF4-FFF2-40B4-BE49-F238E27FC236}">
                 <a16:creationId xmlns:a16="http://schemas.microsoft.com/office/drawing/2014/main" id="{543B3268-E9EA-44E4-ACDD-CE6AB485DB7F}"/>
               </a:ext>
             </a:extLst>
@@ -34645,34 +36244,77 @@
           <a:lstStyle/>
           <a:p>
             <a:r>
+              <a:rPr lang="en-US" sz="2400" dirty="0">
+                <a:solidFill>
+                  <a:schemeClr val="tx1"/>
+                </a:solidFill>
+              </a:rPr>
+              <a:t>Alternating Runs Switch Task</a:t>
+            </a:r>
+          </a:p>
+          <a:p>
+            <a:pPr lvl="1"/>
+            <a:r>
+              <a:rPr lang="en-US" sz="2400" dirty="0">
+                <a:solidFill>
+                  <a:schemeClr val="tx1"/>
+                </a:solidFill>
+              </a:rPr>
+              <a:t>Task instructions change after every other trial</a:t>
+            </a:r>
+          </a:p>
+          <a:p>
+            <a:pPr lvl="1"/>
+            <a:r>
+              <a:rPr lang="en-US" sz="2400" dirty="0">
+                <a:solidFill>
+                  <a:schemeClr val="tx1"/>
+                </a:solidFill>
+              </a:rPr>
+              <a:t>i.e., CV, CV, </a:t>
+            </a:r>
+            <a:r>
+              <a:rPr lang="en-US" sz="2400" b="1" dirty="0">
+                <a:solidFill>
+                  <a:schemeClr val="accent1"/>
+                </a:solidFill>
+              </a:rPr>
+              <a:t>OE</a:t>
+            </a:r>
+            <a:r>
+              <a:rPr lang="en-US" sz="2400" dirty="0">
+                <a:solidFill>
+                  <a:schemeClr val="tx1"/>
+                </a:solidFill>
+              </a:rPr>
+              <a:t>, OE, </a:t>
+            </a:r>
+            <a:r>
+              <a:rPr lang="en-US" sz="2400" b="1" dirty="0">
+                <a:solidFill>
+                  <a:schemeClr val="accent1"/>
+                </a:solidFill>
+              </a:rPr>
+              <a:t>CV</a:t>
+            </a:r>
+            <a:r>
+              <a:rPr lang="en-US" sz="2400" dirty="0">
+                <a:solidFill>
+                  <a:schemeClr val="tx1"/>
+                </a:solidFill>
+              </a:rPr>
+              <a:t>, CV</a:t>
+            </a:r>
+          </a:p>
+          <a:p>
+            <a:pPr lvl="2"/>
+            <a:r>
               <a:rPr lang="en-US" sz="2000" dirty="0">
                 <a:solidFill>
                   <a:schemeClr val="tx1"/>
                 </a:solidFill>
               </a:rPr>
-              <a:t>Age related differences in performance have been found on the CV/OE task</a:t>
-            </a:r>
-          </a:p>
-          <a:p>
-            <a:pPr lvl="1"/>
-            <a:r>
-              <a:rPr lang="en-US" sz="1800" dirty="0">
-                <a:solidFill>
-                  <a:schemeClr val="tx1"/>
-                </a:solidFill>
-              </a:rPr>
-              <a:t>Previous work by Huff et al. (2015) has shown that global switch costs increased as a function of age. </a:t>
-            </a:r>
-          </a:p>
-          <a:p>
-            <a:pPr lvl="1"/>
-            <a:r>
-              <a:rPr lang="en-US" sz="1800" dirty="0">
-                <a:solidFill>
-                  <a:schemeClr val="tx1"/>
-                </a:solidFill>
-              </a:rPr>
-              <a:t>However, older adults show reduced local switch costs (i.e., performance on switch vs non-switch trials within switch blocks) for RTs relative to younger adults</a:t>
+              <a:t>Every other trial is a switch trial</a:t>
             </a:r>
           </a:p>
         </p:txBody>
@@ -34680,7 +36322,220 @@
     </p:spTree>
     <p:extLst>
       <p:ext uri="{BB962C8B-B14F-4D97-AF65-F5344CB8AC3E}">
-        <p14:creationId xmlns:p14="http://schemas.microsoft.com/office/powerpoint/2010/main" val="4172470023"/>
+        <p14:creationId xmlns:p14="http://schemas.microsoft.com/office/powerpoint/2010/main" val="2859759615"/>
+      </p:ext>
+    </p:extLst>
+  </p:cSld>
+  <p:clrMapOvr>
+    <a:masterClrMapping/>
+  </p:clrMapOvr>
+  <p:timing>
+    <p:tnLst>
+      <p:par>
+        <p:cTn id="1" dur="indefinite" restart="never" nodeType="tmRoot">
+          <p:childTnLst>
+            <p:seq concurrent="1" nextAc="seek">
+              <p:cTn id="2" dur="indefinite" nodeType="mainSeq">
+                <p:childTnLst>
+                  <p:par>
+                    <p:cTn id="3" fill="hold">
+                      <p:stCondLst>
+                        <p:cond delay="indefinite"/>
+                      </p:stCondLst>
+                      <p:childTnLst>
+                        <p:par>
+                          <p:cTn id="4" fill="hold">
+                            <p:stCondLst>
+                              <p:cond delay="0"/>
+                            </p:stCondLst>
+                            <p:childTnLst>
+                              <p:par>
+                                <p:cTn id="5" presetID="1" presetClass="entr" presetSubtype="0" fill="hold" nodeType="clickEffect">
+                                  <p:stCondLst>
+                                    <p:cond delay="0"/>
+                                  </p:stCondLst>
+                                  <p:childTnLst>
+                                    <p:set>
+                                      <p:cBhvr>
+                                        <p:cTn id="6" dur="1" fill="hold">
+                                          <p:stCondLst>
+                                            <p:cond delay="0"/>
+                                          </p:stCondLst>
+                                        </p:cTn>
+                                        <p:tgtEl>
+                                          <p:spTgt spid="3">
+                                            <p:txEl>
+                                              <p:pRg st="3" end="3"/>
+                                            </p:txEl>
+                                          </p:spTgt>
+                                        </p:tgtEl>
+                                        <p:attrNameLst>
+                                          <p:attrName>style.visibility</p:attrName>
+                                        </p:attrNameLst>
+                                      </p:cBhvr>
+                                      <p:to>
+                                        <p:strVal val="visible"/>
+                                      </p:to>
+                                    </p:set>
+                                  </p:childTnLst>
+                                </p:cTn>
+                              </p:par>
+                            </p:childTnLst>
+                          </p:cTn>
+                        </p:par>
+                      </p:childTnLst>
+                    </p:cTn>
+                  </p:par>
+                </p:childTnLst>
+              </p:cTn>
+              <p:prevCondLst>
+                <p:cond evt="onPrev" delay="0">
+                  <p:tgtEl>
+                    <p:sldTgt/>
+                  </p:tgtEl>
+                </p:cond>
+              </p:prevCondLst>
+              <p:nextCondLst>
+                <p:cond evt="onNext" delay="0">
+                  <p:tgtEl>
+                    <p:sldTgt/>
+                  </p:tgtEl>
+                </p:cond>
+              </p:nextCondLst>
+            </p:seq>
+          </p:childTnLst>
+        </p:cTn>
+      </p:par>
+    </p:tnLst>
+  </p:timing>
+</p:sld>
+</file>
+
+<file path=ppt/slides/slide8.xml><?xml version="1.0" encoding="utf-8"?>
+<p:sld xmlns:a="http://schemas.openxmlformats.org/drawingml/2006/main" xmlns:r="http://schemas.openxmlformats.org/officeDocument/2006/relationships" xmlns:p="http://schemas.openxmlformats.org/presentationml/2006/main">
+  <p:cSld>
+    <p:spTree>
+      <p:nvGrpSpPr>
+        <p:cNvPr id="1" name=""/>
+        <p:cNvGrpSpPr/>
+        <p:nvPr/>
+      </p:nvGrpSpPr>
+      <p:grpSpPr>
+        <a:xfrm>
+          <a:off x="0" y="0"/>
+          <a:ext cx="0" cy="0"/>
+          <a:chOff x="0" y="0"/>
+          <a:chExt cx="0" cy="0"/>
+        </a:xfrm>
+      </p:grpSpPr>
+      <p:sp>
+        <p:nvSpPr>
+          <p:cNvPr id="2" name="Title 1">
+            <a:extLst>
+              <a:ext uri="{FF2B5EF4-FFF2-40B4-BE49-F238E27FC236}">
+                <a16:creationId xmlns:a16="http://schemas.microsoft.com/office/drawing/2014/main" id="{C595F943-F2F2-49E0-8C65-04DC132CF349}"/>
+              </a:ext>
+            </a:extLst>
+          </p:cNvPr>
+          <p:cNvSpPr>
+            <a:spLocks noGrp="1"/>
+          </p:cNvSpPr>
+          <p:nvPr>
+            <p:ph type="title"/>
+          </p:nvPr>
+        </p:nvSpPr>
+        <p:spPr/>
+        <p:txBody>
+          <a:bodyPr/>
+          <a:lstStyle/>
+          <a:p>
+            <a:r>
+              <a:rPr lang="en-US" dirty="0"/>
+              <a:t>Introduction</a:t>
+            </a:r>
+          </a:p>
+        </p:txBody>
+      </p:sp>
+      <p:sp>
+        <p:nvSpPr>
+          <p:cNvPr id="3" name="Content Placeholder 2">
+            <a:extLst>
+              <a:ext uri="{FF2B5EF4-FFF2-40B4-BE49-F238E27FC236}">
+                <a16:creationId xmlns:a16="http://schemas.microsoft.com/office/drawing/2014/main" id="{4044EA5C-9E44-4C57-B2E4-17C03ECA81EC}"/>
+              </a:ext>
+            </a:extLst>
+          </p:cNvPr>
+          <p:cNvSpPr>
+            <a:spLocks noGrp="1"/>
+          </p:cNvSpPr>
+          <p:nvPr>
+            <p:ph idx="1"/>
+          </p:nvPr>
+        </p:nvSpPr>
+        <p:spPr/>
+        <p:txBody>
+          <a:bodyPr>
+            <a:normAutofit/>
+          </a:bodyPr>
+          <a:lstStyle/>
+          <a:p>
+            <a:r>
+              <a:rPr lang="en-US" sz="2400" dirty="0"/>
+              <a:t>This task allows for comparison of two types of switch costs</a:t>
+            </a:r>
+          </a:p>
+          <a:p>
+            <a:pPr lvl="1"/>
+            <a:r>
+              <a:rPr lang="en-US" sz="2000" b="1" dirty="0">
+                <a:solidFill>
+                  <a:schemeClr val="accent1"/>
+                </a:solidFill>
+              </a:rPr>
+              <a:t>Local costs</a:t>
+            </a:r>
+            <a:r>
+              <a:rPr lang="en-US" sz="2000" dirty="0">
+                <a:solidFill>
+                  <a:schemeClr val="accent1"/>
+                </a:solidFill>
+              </a:rPr>
+              <a:t> </a:t>
+            </a:r>
+            <a:r>
+              <a:rPr lang="en-US" sz="2000" dirty="0"/>
+              <a:t>– Difference in RTs or Error Rates for switch and non-switch trials within the same switch block</a:t>
+            </a:r>
+          </a:p>
+          <a:p>
+            <a:pPr lvl="1"/>
+            <a:r>
+              <a:rPr lang="en-US" sz="2000" b="1" dirty="0">
+                <a:solidFill>
+                  <a:schemeClr val="accent1"/>
+                </a:solidFill>
+              </a:rPr>
+              <a:t>Global costs</a:t>
+            </a:r>
+            <a:r>
+              <a:rPr lang="en-US" sz="2000" dirty="0">
+                <a:solidFill>
+                  <a:schemeClr val="accent1"/>
+                </a:solidFill>
+              </a:rPr>
+              <a:t> </a:t>
+            </a:r>
+            <a:r>
+              <a:rPr lang="en-US" sz="2000" dirty="0"/>
+              <a:t>– Difference in RTs or Error Rates nonswitch trials (within switch blocks) and pure trials</a:t>
+            </a:r>
+          </a:p>
+        </p:txBody>
+      </p:sp>
+    </p:spTree>
+    <p:extLst>
+      <p:ext uri="{BB962C8B-B14F-4D97-AF65-F5344CB8AC3E}">
+        <p14:creationId xmlns:p14="http://schemas.microsoft.com/office/powerpoint/2010/main" val="4201458925"/>
       </p:ext>
     </p:extLst>
   </p:cSld>
@@ -34840,7 +36695,7 @@
           <p:cNvPr id="2" name="Title 1">
             <a:extLst>
               <a:ext uri="{FF2B5EF4-FFF2-40B4-BE49-F238E27FC236}">
-                <a16:creationId xmlns:a16="http://schemas.microsoft.com/office/drawing/2014/main" id="{9F803BE5-3CC9-49A8-ACA5-ACD0B7292262}"/>
+                <a16:creationId xmlns:a16="http://schemas.microsoft.com/office/drawing/2014/main" id="{A0C10BA0-6FEE-4895-8140-7E4A951CC9FD}"/>
               </a:ext>
             </a:extLst>
           </p:cNvPr>
@@ -34868,7 +36723,7 @@
           <p:cNvPr id="3" name="Content Placeholder 2">
             <a:extLst>
               <a:ext uri="{FF2B5EF4-FFF2-40B4-BE49-F238E27FC236}">
-                <a16:creationId xmlns:a16="http://schemas.microsoft.com/office/drawing/2014/main" id="{AD71B0C3-024D-47BD-B8B8-61576B212266}"/>
+                <a16:creationId xmlns:a16="http://schemas.microsoft.com/office/drawing/2014/main" id="{C59DDDEC-8AFA-4F60-A62D-7BDEF375EB72}"/>
               </a:ext>
             </a:extLst>
           </p:cNvPr>
@@ -34882,127 +36737,75 @@
         <p:spPr>
           <a:xfrm>
             <a:off x="866441" y="2489200"/>
-            <a:ext cx="7728919" cy="3530600"/>
+            <a:ext cx="7836688" cy="3530600"/>
           </a:xfrm>
         </p:spPr>
         <p:txBody>
-          <a:bodyPr/>
+          <a:bodyPr>
+            <a:normAutofit/>
+          </a:bodyPr>
           <a:lstStyle/>
           <a:p>
             <a:r>
-              <a:rPr lang="en-US" sz="2400" dirty="0">
+              <a:rPr lang="en-US" sz="2000" b="1" dirty="0">
+                <a:solidFill>
+                  <a:schemeClr val="accent1"/>
+                </a:solidFill>
+              </a:rPr>
+              <a:t>Local switch costs </a:t>
+            </a:r>
+            <a:r>
+              <a:rPr lang="en-US" sz="2000" dirty="0">
                 <a:solidFill>
                   <a:schemeClr val="tx1"/>
                 </a:solidFill>
               </a:rPr>
-              <a:t>This suggests that older adults are generally are less tuned to the tasks relative to younger adults</a:t>
+              <a:t>– Comparison of trials within a switch block</a:t>
             </a:r>
-          </a:p>
-          <a:p>
-            <a:pPr lvl="1"/>
+            <a:endParaRPr lang="en-US" sz="1800" dirty="0">
+              <a:solidFill>
+                <a:schemeClr val="tx1"/>
+              </a:solidFill>
+              <a:highlight>
+                <a:srgbClr val="FFFF00"/>
+              </a:highlight>
+            </a:endParaRPr>
+          </a:p>
+          <a:p>
             <a:r>
-              <a:rPr lang="en-US" sz="2200" dirty="0">
+              <a:rPr lang="en-US" sz="2000" b="1" dirty="0">
+                <a:solidFill>
+                  <a:schemeClr val="accent1"/>
+                </a:solidFill>
+              </a:rPr>
+              <a:t>Global switch costs </a:t>
+            </a:r>
+            <a:r>
+              <a:rPr lang="en-US" sz="2000" dirty="0">
                 <a:solidFill>
                   <a:schemeClr val="tx1"/>
                 </a:solidFill>
               </a:rPr>
-              <a:t>i.e., local switch costs will be lower for older adults if they are consistently performing poorly on both switch and non-switch trials</a:t>
+              <a:t>– Comparison of non-switch trials (within a switch block) to pure trials (i.e., non-switch blocks)</a:t>
             </a:r>
-          </a:p>
-          <a:p>
-            <a:endParaRPr lang="en-US" dirty="0"/>
+            <a:endParaRPr lang="en-US" sz="2000" dirty="0">
+              <a:highlight>
+                <a:srgbClr val="FFFF00"/>
+              </a:highlight>
+            </a:endParaRPr>
           </a:p>
         </p:txBody>
       </p:sp>
     </p:spTree>
     <p:extLst>
       <p:ext uri="{BB962C8B-B14F-4D97-AF65-F5344CB8AC3E}">
-        <p14:creationId xmlns:p14="http://schemas.microsoft.com/office/powerpoint/2010/main" val="2357847878"/>
+        <p14:creationId xmlns:p14="http://schemas.microsoft.com/office/powerpoint/2010/main" val="1180177790"/>
       </p:ext>
     </p:extLst>
   </p:cSld>
   <p:clrMapOvr>
     <a:masterClrMapping/>
   </p:clrMapOvr>
-  <p:timing>
-    <p:tnLst>
-      <p:par>
-        <p:cTn id="1" dur="indefinite" restart="never" nodeType="tmRoot">
-          <p:childTnLst>
-            <p:seq concurrent="1" nextAc="seek">
-              <p:cTn id="2" dur="indefinite" nodeType="mainSeq">
-                <p:childTnLst>
-                  <p:par>
-                    <p:cTn id="3" fill="hold">
-                      <p:stCondLst>
-                        <p:cond delay="indefinite"/>
-                      </p:stCondLst>
-                      <p:childTnLst>
-                        <p:par>
-                          <p:cTn id="4" fill="hold">
-                            <p:stCondLst>
-                              <p:cond delay="0"/>
-                            </p:stCondLst>
-                            <p:childTnLst>
-                              <p:par>
-                                <p:cTn id="5" presetID="1" presetClass="entr" presetSubtype="0" fill="hold" nodeType="clickEffect">
-                                  <p:stCondLst>
-                                    <p:cond delay="0"/>
-                                  </p:stCondLst>
-                                  <p:childTnLst>
-                                    <p:set>
-                                      <p:cBhvr>
-                                        <p:cTn id="6" dur="1" fill="hold">
-                                          <p:stCondLst>
-                                            <p:cond delay="0"/>
-                                          </p:stCondLst>
-                                        </p:cTn>
-                                        <p:tgtEl>
-                                          <p:spTgt spid="3">
-                                            <p:txEl>
-                                              <p:pRg st="1" end="1"/>
-                                            </p:txEl>
-                                          </p:spTgt>
-                                        </p:tgtEl>
-                                        <p:attrNameLst>
-                                          <p:attrName>style.visibility</p:attrName>
-                                        </p:attrNameLst>
-                                      </p:cBhvr>
-                                      <p:to>
-                                        <p:strVal val="visible"/>
-                                      </p:to>
-                                    </p:set>
-                                  </p:childTnLst>
-                                </p:cTn>
-                              </p:par>
-                            </p:childTnLst>
-                          </p:cTn>
-                        </p:par>
-                      </p:childTnLst>
-                    </p:cTn>
-                  </p:par>
-                </p:childTnLst>
-              </p:cTn>
-              <p:prevCondLst>
-                <p:cond evt="onPrev" delay="0">
-                  <p:tgtEl>
-                    <p:sldTgt/>
-                  </p:tgtEl>
-                </p:cond>
-              </p:prevCondLst>
-              <p:nextCondLst>
-                <p:cond evt="onNext" delay="0">
-                  <p:tgtEl>
-                    <p:sldTgt/>
-                  </p:tgtEl>
-                </p:cond>
-              </p:nextCondLst>
-            </p:seq>
-          </p:childTnLst>
-        </p:cTn>
-      </p:par>
-    </p:tnLst>
-  </p:timing>
 </p:sld>
 </file>
 
